--- a/Solidworks/Projektarbeit.pptx
+++ b/Solidworks/Projektarbeit.pptx
@@ -119,6 +119,11 @@
       </a:defRPr>
     </a:lvl9pPr>
   </p:defaultTextStyle>
+  <p:extLst>
+    <p:ext uri="{EFAFB233-063F-42B5-8137-9DF3F51BA10A}">
+      <p15:sldGuideLst xmlns:p15="http://schemas.microsoft.com/office/powerpoint/2012/main"/>
+    </p:ext>
+  </p:extLst>
 </p:presentation>
 </file>
 
@@ -252,7 +257,7 @@
           </a:lstStyle>
           <a:p>
             <a:r>
-              <a:rPr lang="de-DE" smtClean="0"/>
+              <a:rPr lang="de-DE"/>
               <a:t>Titelmasterformat durch Klicken bearbeiten</a:t>
             </a:r>
             <a:endParaRPr lang="en-US" dirty="0"/>
@@ -324,7 +329,7 @@
           </a:lstStyle>
           <a:p>
             <a:r>
-              <a:rPr lang="de-DE" smtClean="0"/>
+              <a:rPr lang="de-DE"/>
               <a:t>Formatvorlage des Untertitelmasters durch Klicken bearbeiten</a:t>
             </a:r>
             <a:endParaRPr lang="en-US" dirty="0"/>
@@ -480,7 +485,7 @@
           <a:lstStyle/>
           <a:p>
             <a:r>
-              <a:rPr lang="de-DE" smtClean="0"/>
+              <a:rPr lang="de-DE"/>
               <a:t>Titelmasterformat durch Klicken bearbeiten</a:t>
             </a:r>
             <a:endParaRPr lang="en-US" dirty="0"/>
@@ -504,35 +509,35 @@
           <a:p>
             <a:pPr lvl="0"/>
             <a:r>
-              <a:rPr lang="de-DE" smtClean="0"/>
+              <a:rPr lang="de-DE"/>
               <a:t>Formatvorlagen des Textmasters bearbeiten</a:t>
             </a:r>
           </a:p>
           <a:p>
             <a:pPr lvl="1"/>
             <a:r>
-              <a:rPr lang="de-DE" smtClean="0"/>
+              <a:rPr lang="de-DE"/>
               <a:t>Zweite Ebene</a:t>
             </a:r>
           </a:p>
           <a:p>
             <a:pPr lvl="2"/>
             <a:r>
-              <a:rPr lang="de-DE" smtClean="0"/>
+              <a:rPr lang="de-DE"/>
               <a:t>Dritte Ebene</a:t>
             </a:r>
           </a:p>
           <a:p>
             <a:pPr lvl="3"/>
             <a:r>
-              <a:rPr lang="de-DE" smtClean="0"/>
+              <a:rPr lang="de-DE"/>
               <a:t>Vierte Ebene</a:t>
             </a:r>
           </a:p>
           <a:p>
             <a:pPr lvl="4"/>
             <a:r>
-              <a:rPr lang="de-DE" smtClean="0"/>
+              <a:rPr lang="de-DE"/>
               <a:t>Fünfte Ebene</a:t>
             </a:r>
             <a:endParaRPr lang="en-US" dirty="0"/>
@@ -731,7 +736,7 @@
           <a:lstStyle/>
           <a:p>
             <a:r>
-              <a:rPr lang="de-DE" smtClean="0"/>
+              <a:rPr lang="de-DE"/>
               <a:t>Titelmasterformat durch Klicken bearbeiten</a:t>
             </a:r>
             <a:endParaRPr lang="en-US" dirty="0"/>
@@ -760,35 +765,35 @@
           <a:p>
             <a:pPr lvl="0"/>
             <a:r>
-              <a:rPr lang="de-DE" smtClean="0"/>
+              <a:rPr lang="de-DE"/>
               <a:t>Formatvorlagen des Textmasters bearbeiten</a:t>
             </a:r>
           </a:p>
           <a:p>
             <a:pPr lvl="1"/>
             <a:r>
-              <a:rPr lang="de-DE" smtClean="0"/>
+              <a:rPr lang="de-DE"/>
               <a:t>Zweite Ebene</a:t>
             </a:r>
           </a:p>
           <a:p>
             <a:pPr lvl="2"/>
             <a:r>
-              <a:rPr lang="de-DE" smtClean="0"/>
+              <a:rPr lang="de-DE"/>
               <a:t>Dritte Ebene</a:t>
             </a:r>
           </a:p>
           <a:p>
             <a:pPr lvl="3"/>
             <a:r>
-              <a:rPr lang="de-DE" smtClean="0"/>
+              <a:rPr lang="de-DE"/>
               <a:t>Vierte Ebene</a:t>
             </a:r>
           </a:p>
           <a:p>
             <a:pPr lvl="4"/>
             <a:r>
-              <a:rPr lang="de-DE" smtClean="0"/>
+              <a:rPr lang="de-DE"/>
               <a:t>Fünfte Ebene</a:t>
             </a:r>
             <a:endParaRPr lang="en-US" dirty="0"/>
@@ -906,7 +911,7 @@
           <a:lstStyle/>
           <a:p>
             <a:r>
-              <a:rPr lang="de-DE" smtClean="0"/>
+              <a:rPr lang="de-DE"/>
               <a:t>Titelmasterformat durch Klicken bearbeiten</a:t>
             </a:r>
             <a:endParaRPr lang="en-US" dirty="0"/>
@@ -930,35 +935,35 @@
           <a:p>
             <a:pPr lvl="0"/>
             <a:r>
-              <a:rPr lang="de-DE" smtClean="0"/>
+              <a:rPr lang="de-DE"/>
               <a:t>Formatvorlagen des Textmasters bearbeiten</a:t>
             </a:r>
           </a:p>
           <a:p>
             <a:pPr lvl="1"/>
             <a:r>
-              <a:rPr lang="de-DE" smtClean="0"/>
+              <a:rPr lang="de-DE"/>
               <a:t>Zweite Ebene</a:t>
             </a:r>
           </a:p>
           <a:p>
             <a:pPr lvl="2"/>
             <a:r>
-              <a:rPr lang="de-DE" smtClean="0"/>
+              <a:rPr lang="de-DE"/>
               <a:t>Dritte Ebene</a:t>
             </a:r>
           </a:p>
           <a:p>
             <a:pPr lvl="3"/>
             <a:r>
-              <a:rPr lang="de-DE" smtClean="0"/>
+              <a:rPr lang="de-DE"/>
               <a:t>Vierte Ebene</a:t>
             </a:r>
           </a:p>
           <a:p>
             <a:pPr lvl="4"/>
             <a:r>
-              <a:rPr lang="de-DE" smtClean="0"/>
+              <a:rPr lang="de-DE"/>
               <a:t>Fünfte Ebene</a:t>
             </a:r>
             <a:endParaRPr lang="en-US" dirty="0"/>
@@ -1181,7 +1186,7 @@
           </a:lstStyle>
           <a:p>
             <a:r>
-              <a:rPr lang="de-DE" smtClean="0"/>
+              <a:rPr lang="de-DE"/>
               <a:t>Titelmasterformat durch Klicken bearbeiten</a:t>
             </a:r>
             <a:endParaRPr lang="en-US" dirty="0"/>
@@ -1302,7 +1307,7 @@
           <a:p>
             <a:pPr lvl="0"/>
             <a:r>
-              <a:rPr lang="de-DE" smtClean="0"/>
+              <a:rPr lang="de-DE"/>
               <a:t>Formatvorlagen des Textmasters bearbeiten</a:t>
             </a:r>
           </a:p>
@@ -1462,7 +1467,7 @@
           <a:lstStyle/>
           <a:p>
             <a:r>
-              <a:rPr lang="de-DE" smtClean="0"/>
+              <a:rPr lang="de-DE"/>
               <a:t>Titelmasterformat durch Klicken bearbeiten</a:t>
             </a:r>
             <a:endParaRPr lang="en-US" dirty="0"/>
@@ -1491,35 +1496,35 @@
           <a:p>
             <a:pPr lvl="0"/>
             <a:r>
-              <a:rPr lang="de-DE" smtClean="0"/>
+              <a:rPr lang="de-DE"/>
               <a:t>Formatvorlagen des Textmasters bearbeiten</a:t>
             </a:r>
           </a:p>
           <a:p>
             <a:pPr lvl="1"/>
             <a:r>
-              <a:rPr lang="de-DE" smtClean="0"/>
+              <a:rPr lang="de-DE"/>
               <a:t>Zweite Ebene</a:t>
             </a:r>
           </a:p>
           <a:p>
             <a:pPr lvl="2"/>
             <a:r>
-              <a:rPr lang="de-DE" smtClean="0"/>
+              <a:rPr lang="de-DE"/>
               <a:t>Dritte Ebene</a:t>
             </a:r>
           </a:p>
           <a:p>
             <a:pPr lvl="3"/>
             <a:r>
-              <a:rPr lang="de-DE" smtClean="0"/>
+              <a:rPr lang="de-DE"/>
               <a:t>Vierte Ebene</a:t>
             </a:r>
           </a:p>
           <a:p>
             <a:pPr lvl="4"/>
             <a:r>
-              <a:rPr lang="de-DE" smtClean="0"/>
+              <a:rPr lang="de-DE"/>
               <a:t>Fünfte Ebene</a:t>
             </a:r>
             <a:endParaRPr lang="en-US" dirty="0"/>
@@ -1548,35 +1553,35 @@
           <a:p>
             <a:pPr lvl="0"/>
             <a:r>
-              <a:rPr lang="de-DE" smtClean="0"/>
+              <a:rPr lang="de-DE"/>
               <a:t>Formatvorlagen des Textmasters bearbeiten</a:t>
             </a:r>
           </a:p>
           <a:p>
             <a:pPr lvl="1"/>
             <a:r>
-              <a:rPr lang="de-DE" smtClean="0"/>
+              <a:rPr lang="de-DE"/>
               <a:t>Zweite Ebene</a:t>
             </a:r>
           </a:p>
           <a:p>
             <a:pPr lvl="2"/>
             <a:r>
-              <a:rPr lang="de-DE" smtClean="0"/>
+              <a:rPr lang="de-DE"/>
               <a:t>Dritte Ebene</a:t>
             </a:r>
           </a:p>
           <a:p>
             <a:pPr lvl="3"/>
             <a:r>
-              <a:rPr lang="de-DE" smtClean="0"/>
+              <a:rPr lang="de-DE"/>
               <a:t>Vierte Ebene</a:t>
             </a:r>
           </a:p>
           <a:p>
             <a:pPr lvl="4"/>
             <a:r>
-              <a:rPr lang="de-DE" smtClean="0"/>
+              <a:rPr lang="de-DE"/>
               <a:t>Fünfte Ebene</a:t>
             </a:r>
             <a:endParaRPr lang="en-US" dirty="0"/>
@@ -1699,7 +1704,7 @@
           <a:lstStyle/>
           <a:p>
             <a:r>
-              <a:rPr lang="de-DE" smtClean="0"/>
+              <a:rPr lang="de-DE"/>
               <a:t>Titelmasterformat durch Klicken bearbeiten</a:t>
             </a:r>
             <a:endParaRPr lang="en-US" dirty="0"/>
@@ -1771,7 +1776,7 @@
           <a:p>
             <a:pPr lvl="0"/>
             <a:r>
-              <a:rPr lang="de-DE" smtClean="0"/>
+              <a:rPr lang="de-DE"/>
               <a:t>Formatvorlagen des Textmasters bearbeiten</a:t>
             </a:r>
           </a:p>
@@ -1799,35 +1804,35 @@
           <a:p>
             <a:pPr lvl="0"/>
             <a:r>
-              <a:rPr lang="de-DE" smtClean="0"/>
+              <a:rPr lang="de-DE"/>
               <a:t>Formatvorlagen des Textmasters bearbeiten</a:t>
             </a:r>
           </a:p>
           <a:p>
             <a:pPr lvl="1"/>
             <a:r>
-              <a:rPr lang="de-DE" smtClean="0"/>
+              <a:rPr lang="de-DE"/>
               <a:t>Zweite Ebene</a:t>
             </a:r>
           </a:p>
           <a:p>
             <a:pPr lvl="2"/>
             <a:r>
-              <a:rPr lang="de-DE" smtClean="0"/>
+              <a:rPr lang="de-DE"/>
               <a:t>Dritte Ebene</a:t>
             </a:r>
           </a:p>
           <a:p>
             <a:pPr lvl="3"/>
             <a:r>
-              <a:rPr lang="de-DE" smtClean="0"/>
+              <a:rPr lang="de-DE"/>
               <a:t>Vierte Ebene</a:t>
             </a:r>
           </a:p>
           <a:p>
             <a:pPr lvl="4"/>
             <a:r>
-              <a:rPr lang="de-DE" smtClean="0"/>
+              <a:rPr lang="de-DE"/>
               <a:t>Fünfte Ebene</a:t>
             </a:r>
             <a:endParaRPr lang="en-US" dirty="0"/>
@@ -1899,7 +1904,7 @@
           <a:p>
             <a:pPr lvl="0"/>
             <a:r>
-              <a:rPr lang="de-DE" smtClean="0"/>
+              <a:rPr lang="de-DE"/>
               <a:t>Formatvorlagen des Textmasters bearbeiten</a:t>
             </a:r>
           </a:p>
@@ -1927,35 +1932,35 @@
           <a:p>
             <a:pPr lvl="0"/>
             <a:r>
-              <a:rPr lang="de-DE" smtClean="0"/>
+              <a:rPr lang="de-DE"/>
               <a:t>Formatvorlagen des Textmasters bearbeiten</a:t>
             </a:r>
           </a:p>
           <a:p>
             <a:pPr lvl="1"/>
             <a:r>
-              <a:rPr lang="de-DE" smtClean="0"/>
+              <a:rPr lang="de-DE"/>
               <a:t>Zweite Ebene</a:t>
             </a:r>
           </a:p>
           <a:p>
             <a:pPr lvl="2"/>
             <a:r>
-              <a:rPr lang="de-DE" smtClean="0"/>
+              <a:rPr lang="de-DE"/>
               <a:t>Dritte Ebene</a:t>
             </a:r>
           </a:p>
           <a:p>
             <a:pPr lvl="3"/>
             <a:r>
-              <a:rPr lang="de-DE" smtClean="0"/>
+              <a:rPr lang="de-DE"/>
               <a:t>Vierte Ebene</a:t>
             </a:r>
           </a:p>
           <a:p>
             <a:pPr lvl="4"/>
             <a:r>
-              <a:rPr lang="de-DE" smtClean="0"/>
+              <a:rPr lang="de-DE"/>
               <a:t>Fünfte Ebene</a:t>
             </a:r>
             <a:endParaRPr lang="en-US" dirty="0"/>
@@ -2073,7 +2078,7 @@
           <a:lstStyle/>
           <a:p>
             <a:r>
-              <a:rPr lang="de-DE" smtClean="0"/>
+              <a:rPr lang="de-DE"/>
               <a:t>Titelmasterformat durch Klicken bearbeiten</a:t>
             </a:r>
             <a:endParaRPr lang="en-US" dirty="0"/>
@@ -2461,7 +2466,7 @@
           </a:lstStyle>
           <a:p>
             <a:r>
-              <a:rPr lang="de-DE" smtClean="0"/>
+              <a:rPr lang="de-DE"/>
               <a:t>Titelmasterformat durch Klicken bearbeiten</a:t>
             </a:r>
             <a:endParaRPr lang="en-US" dirty="0"/>
@@ -2490,35 +2495,35 @@
           <a:p>
             <a:pPr lvl="0"/>
             <a:r>
-              <a:rPr lang="de-DE" smtClean="0"/>
+              <a:rPr lang="de-DE"/>
               <a:t>Formatvorlagen des Textmasters bearbeiten</a:t>
             </a:r>
           </a:p>
           <a:p>
             <a:pPr lvl="1"/>
             <a:r>
-              <a:rPr lang="de-DE" smtClean="0"/>
+              <a:rPr lang="de-DE"/>
               <a:t>Zweite Ebene</a:t>
             </a:r>
           </a:p>
           <a:p>
             <a:pPr lvl="2"/>
             <a:r>
-              <a:rPr lang="de-DE" smtClean="0"/>
+              <a:rPr lang="de-DE"/>
               <a:t>Dritte Ebene</a:t>
             </a:r>
           </a:p>
           <a:p>
             <a:pPr lvl="3"/>
             <a:r>
-              <a:rPr lang="de-DE" smtClean="0"/>
+              <a:rPr lang="de-DE"/>
               <a:t>Vierte Ebene</a:t>
             </a:r>
           </a:p>
           <a:p>
             <a:pPr lvl="4"/>
             <a:r>
-              <a:rPr lang="de-DE" smtClean="0"/>
+              <a:rPr lang="de-DE"/>
               <a:t>Fünfte Ebene</a:t>
             </a:r>
             <a:endParaRPr lang="en-US" dirty="0"/>
@@ -2590,7 +2595,7 @@
           <a:p>
             <a:pPr lvl="0"/>
             <a:r>
-              <a:rPr lang="de-DE" smtClean="0"/>
+              <a:rPr lang="de-DE"/>
               <a:t>Formatvorlagen des Textmasters bearbeiten</a:t>
             </a:r>
           </a:p>
@@ -2828,7 +2833,7 @@
           </a:lstStyle>
           <a:p>
             <a:r>
-              <a:rPr lang="de-DE" smtClean="0"/>
+              <a:rPr lang="de-DE"/>
               <a:t>Titelmasterformat durch Klicken bearbeiten</a:t>
             </a:r>
             <a:endParaRPr lang="en-US" dirty="0"/>
@@ -2898,7 +2903,7 @@
           </a:lstStyle>
           <a:p>
             <a:r>
-              <a:rPr lang="de-DE" smtClean="0"/>
+              <a:rPr lang="de-DE"/>
               <a:t>Bild durch Klicken auf Symbol hinzufügen</a:t>
             </a:r>
             <a:endParaRPr lang="en-US" dirty="0"/>
@@ -2976,7 +2981,7 @@
           <a:p>
             <a:pPr lvl="0"/>
             <a:r>
-              <a:rPr lang="de-DE" smtClean="0"/>
+              <a:rPr lang="de-DE"/>
               <a:t>Formatvorlagen des Textmasters bearbeiten</a:t>
             </a:r>
           </a:p>
@@ -3184,7 +3189,7 @@
           <a:lstStyle/>
           <a:p>
             <a:r>
-              <a:rPr lang="de-DE" smtClean="0"/>
+              <a:rPr lang="de-DE"/>
               <a:t>Titelmasterformat durch Klicken bearbeiten</a:t>
             </a:r>
             <a:endParaRPr lang="en-US" dirty="0"/>
@@ -3218,35 +3223,35 @@
           <a:p>
             <a:pPr lvl="0"/>
             <a:r>
-              <a:rPr lang="de-DE" smtClean="0"/>
+              <a:rPr lang="de-DE"/>
               <a:t>Formatvorlagen des Textmasters bearbeiten</a:t>
             </a:r>
           </a:p>
           <a:p>
             <a:pPr lvl="1"/>
             <a:r>
-              <a:rPr lang="de-DE" smtClean="0"/>
+              <a:rPr lang="de-DE"/>
               <a:t>Zweite Ebene</a:t>
             </a:r>
           </a:p>
           <a:p>
             <a:pPr lvl="2"/>
             <a:r>
-              <a:rPr lang="de-DE" smtClean="0"/>
+              <a:rPr lang="de-DE"/>
               <a:t>Dritte Ebene</a:t>
             </a:r>
           </a:p>
           <a:p>
             <a:pPr lvl="3"/>
             <a:r>
-              <a:rPr lang="de-DE" smtClean="0"/>
+              <a:rPr lang="de-DE"/>
               <a:t>Vierte Ebene</a:t>
             </a:r>
           </a:p>
           <a:p>
             <a:pPr lvl="4"/>
             <a:r>
-              <a:rPr lang="de-DE" smtClean="0"/>
+              <a:rPr lang="de-DE"/>
               <a:t>Fünfte Ebene</a:t>
             </a:r>
             <a:endParaRPr lang="en-US" dirty="0"/>
@@ -3837,24 +3842,16 @@
               <a:rPr lang="de-DE" b="1" dirty="0"/>
               <a:t> </a:t>
             </a:r>
-            <a:r>
-              <a:rPr lang="de-DE" b="1" dirty="0" smtClean="0"/>
-              <a:t/>
-            </a:r>
             <a:br>
-              <a:rPr lang="de-DE" b="1" dirty="0" smtClean="0"/>
+              <a:rPr lang="de-DE" b="1" dirty="0"/>
             </a:br>
             <a:r>
-              <a:rPr lang="de-DE" sz="3600" b="1" dirty="0" err="1" smtClean="0"/>
+              <a:rPr lang="de-DE" sz="3600" b="1" dirty="0" err="1"/>
               <a:t>Speedy</a:t>
             </a:r>
             <a:r>
-              <a:rPr lang="de-DE" sz="3600" b="1" dirty="0" smtClean="0"/>
+              <a:rPr lang="de-DE" sz="3600" b="1" dirty="0"/>
               <a:t>-Tempomessgerät</a:t>
-            </a:r>
-            <a:r>
-              <a:rPr lang="de-DE" b="1" dirty="0"/>
-              <a:t/>
             </a:r>
             <a:br>
               <a:rPr lang="de-DE" b="1" dirty="0"/>
@@ -3881,18 +3878,17 @@
           <a:lstStyle/>
           <a:p>
             <a:r>
-              <a:rPr lang="de-DE" sz="1600" dirty="0" smtClean="0"/>
+              <a:rPr lang="de-DE" sz="1600" dirty="0"/>
               <a:t>Von Jonas </a:t>
             </a:r>
             <a:r>
-              <a:rPr lang="de-DE" sz="1600" dirty="0" err="1" smtClean="0"/>
+              <a:rPr lang="de-DE" sz="1600" dirty="0" err="1"/>
               <a:t>gerken</a:t>
             </a:r>
             <a:r>
-              <a:rPr lang="de-DE" sz="1600" dirty="0" smtClean="0"/>
+              <a:rPr lang="de-DE" sz="1600" dirty="0"/>
               <a:t> und Justin Frommberger</a:t>
             </a:r>
-            <a:endParaRPr lang="de-DE" sz="1600" dirty="0"/>
           </a:p>
         </p:txBody>
       </p:sp>
@@ -3942,10 +3938,9 @@
           <a:lstStyle/>
           <a:p>
             <a:r>
-              <a:rPr lang="de-DE" b="1" dirty="0" smtClean="0"/>
+              <a:rPr lang="de-DE" b="1" dirty="0"/>
               <a:t>Elektronik</a:t>
             </a:r>
-            <a:endParaRPr lang="de-DE" b="1" dirty="0"/>
           </a:p>
         </p:txBody>
       </p:sp>
@@ -4024,10 +4019,9 @@
           <a:lstStyle/>
           <a:p>
             <a:r>
-              <a:rPr lang="de-DE" b="1" dirty="0" smtClean="0"/>
+              <a:rPr lang="de-DE" b="1" dirty="0"/>
               <a:t>Programmierung (Farbe)</a:t>
             </a:r>
-            <a:endParaRPr lang="de-DE" b="1" dirty="0"/>
           </a:p>
         </p:txBody>
       </p:sp>
@@ -4103,10 +4097,9 @@
           <a:lstStyle/>
           <a:p>
             <a:r>
-              <a:rPr lang="de-DE" b="1" dirty="0" smtClean="0"/>
+              <a:rPr lang="de-DE" b="1" dirty="0"/>
               <a:t>Programmierung (Zahlen)</a:t>
             </a:r>
-            <a:endParaRPr lang="de-DE" b="1" dirty="0"/>
           </a:p>
         </p:txBody>
       </p:sp>
@@ -4182,32 +4175,42 @@
           <a:lstStyle/>
           <a:p>
             <a:r>
-              <a:rPr lang="de-DE" b="1" dirty="0" smtClean="0"/>
+              <a:rPr lang="de-DE" b="1" dirty="0"/>
               <a:t>Programmierung (Sensor)</a:t>
             </a:r>
-            <a:endParaRPr lang="de-DE" b="1" dirty="0"/>
-          </a:p>
-        </p:txBody>
-      </p:sp>
-      <p:sp>
-        <p:nvSpPr>
-          <p:cNvPr id="3" name="Inhaltsplatzhalter 2"/>
-          <p:cNvSpPr>
-            <a:spLocks noGrp="1"/>
-          </p:cNvSpPr>
-          <p:nvPr>
-            <p:ph idx="1"/>
-          </p:nvPr>
-        </p:nvSpPr>
-        <p:spPr/>
-        <p:txBody>
-          <a:bodyPr/>
-          <a:lstStyle/>
-          <a:p>
-            <a:endParaRPr lang="de-DE"/>
-          </a:p>
-        </p:txBody>
-      </p:sp>
+          </a:p>
+        </p:txBody>
+      </p:sp>
+      <p:pic>
+        <p:nvPicPr>
+          <p:cNvPr id="11" name="Grafik 10">
+            <a:extLst>
+              <a:ext uri="{FF2B5EF4-FFF2-40B4-BE49-F238E27FC236}">
+                <a16:creationId xmlns:a16="http://schemas.microsoft.com/office/drawing/2014/main" id="{B7D3D184-615F-77FD-4036-3C293B0EE423}"/>
+              </a:ext>
+            </a:extLst>
+          </p:cNvPr>
+          <p:cNvPicPr>
+            <a:picLocks noChangeAspect="1"/>
+          </p:cNvPicPr>
+          <p:nvPr/>
+        </p:nvPicPr>
+        <p:blipFill>
+          <a:blip r:embed="rId2"/>
+          <a:stretch>
+            <a:fillRect/>
+          </a:stretch>
+        </p:blipFill>
+        <p:spPr>
+          <a:xfrm>
+            <a:off x="1457860" y="2131344"/>
+            <a:ext cx="9276279" cy="2609936"/>
+          </a:xfrm>
+          <a:prstGeom prst="rect">
+            <a:avLst/>
+          </a:prstGeom>
+        </p:spPr>
+      </p:pic>
     </p:spTree>
     <p:extLst>
       <p:ext uri="{BB962C8B-B14F-4D97-AF65-F5344CB8AC3E}">
@@ -4254,10 +4257,9 @@
           <a:lstStyle/>
           <a:p>
             <a:r>
-              <a:rPr lang="de-DE" b="1" dirty="0" smtClean="0"/>
+              <a:rPr lang="de-DE" b="1" dirty="0"/>
               <a:t>Zusammenfassung</a:t>
             </a:r>
-            <a:endParaRPr lang="de-DE" b="1" dirty="0"/>
           </a:p>
         </p:txBody>
       </p:sp>
@@ -4279,12 +4281,8 @@
           <a:lstStyle/>
           <a:p>
             <a:r>
-              <a:rPr lang="de-DE" b="1" dirty="0" smtClean="0"/>
-              <a:t>Folgende Kompetenzen wurden erlernt</a:t>
-            </a:r>
-            <a:r>
               <a:rPr lang="de-DE" b="1" dirty="0"/>
-              <a:t>: </a:t>
+              <a:t>Folgende Kompetenzen wurden erlernt: </a:t>
             </a:r>
           </a:p>
           <a:p>
@@ -4293,12 +4291,8 @@
               <a:buChar char="•"/>
             </a:pPr>
             <a:r>
-              <a:rPr lang="de-DE" sz="2800" dirty="0" smtClean="0"/>
-              <a:t> Projektplanung </a:t>
-            </a:r>
-            <a:r>
               <a:rPr lang="de-DE" sz="2800" dirty="0"/>
-              <a:t>und Zeitmanagement</a:t>
+              <a:t> Projektplanung und Zeitmanagement</a:t>
             </a:r>
           </a:p>
           <a:p>
@@ -4307,12 +4301,8 @@
               <a:buChar char="•"/>
             </a:pPr>
             <a:r>
-              <a:rPr lang="de-DE" sz="2800" dirty="0" smtClean="0"/>
-              <a:t> CAD </a:t>
-            </a:r>
-            <a:r>
               <a:rPr lang="de-DE" sz="2800" dirty="0"/>
-              <a:t>Konstruktion für 3D Druck</a:t>
+              <a:t> CAD Konstruktion für 3D Druck</a:t>
             </a:r>
           </a:p>
           <a:p>
@@ -4321,12 +4311,8 @@
               <a:buChar char="•"/>
             </a:pPr>
             <a:r>
-              <a:rPr lang="de-DE" sz="2800" dirty="0" smtClean="0"/>
-              <a:t> 3D </a:t>
-            </a:r>
-            <a:r>
               <a:rPr lang="de-DE" sz="2800" dirty="0"/>
-              <a:t>Druck</a:t>
+              <a:t> 3D Druck</a:t>
             </a:r>
           </a:p>
           <a:p>
@@ -4335,10 +4321,9 @@
               <a:buChar char="•"/>
             </a:pPr>
             <a:r>
-              <a:rPr lang="de-DE" sz="2800" dirty="0" smtClean="0"/>
+              <a:rPr lang="de-DE" sz="2800" dirty="0"/>
               <a:t> Löten</a:t>
             </a:r>
-            <a:endParaRPr lang="de-DE" sz="2800" dirty="0"/>
           </a:p>
           <a:p>
             <a:pPr>
@@ -4346,12 +4331,8 @@
               <a:buChar char="•"/>
             </a:pPr>
             <a:r>
-              <a:rPr lang="de-DE" sz="2800" dirty="0" smtClean="0"/>
-              <a:t> Ansteuerung </a:t>
-            </a:r>
-            <a:r>
               <a:rPr lang="de-DE" sz="2800" dirty="0"/>
-              <a:t>von WS2812 LEDs</a:t>
+              <a:t> Ansteuerung von WS2812 LEDs</a:t>
             </a:r>
           </a:p>
           <a:p>
@@ -4360,12 +4341,8 @@
               <a:buChar char="•"/>
             </a:pPr>
             <a:r>
-              <a:rPr lang="de-DE" sz="2800" dirty="0" smtClean="0"/>
-              <a:t> Bau </a:t>
-            </a:r>
-            <a:r>
               <a:rPr lang="de-DE" sz="2800" dirty="0"/>
-              <a:t>eines Kabels</a:t>
+              <a:t> Bau eines Kabels</a:t>
             </a:r>
           </a:p>
           <a:p>
@@ -4419,10 +4396,9 @@
           <a:lstStyle/>
           <a:p>
             <a:r>
-              <a:rPr lang="de-DE" b="1" dirty="0" smtClean="0"/>
+              <a:rPr lang="de-DE" b="1" dirty="0"/>
               <a:t>Live Präsentation</a:t>
             </a:r>
-            <a:endParaRPr lang="de-DE" b="1" dirty="0"/>
           </a:p>
         </p:txBody>
       </p:sp>
@@ -4491,10 +4467,9 @@
           <a:lstStyle/>
           <a:p>
             <a:r>
-              <a:rPr lang="de-DE" b="1" dirty="0" smtClean="0"/>
+              <a:rPr lang="de-DE" b="1" dirty="0"/>
               <a:t>Ergebnis</a:t>
             </a:r>
-            <a:endParaRPr lang="de-DE" b="1" dirty="0"/>
           </a:p>
         </p:txBody>
       </p:sp>
@@ -4563,10 +4538,9 @@
           <a:lstStyle/>
           <a:p>
             <a:r>
-              <a:rPr lang="de-DE" dirty="0" smtClean="0"/>
+              <a:rPr lang="de-DE" dirty="0"/>
               <a:t>Thema</a:t>
             </a:r>
-            <a:endParaRPr lang="de-DE" dirty="0"/>
           </a:p>
         </p:txBody>
       </p:sp>
@@ -4590,11 +4564,11 @@
               <a:buChar char="•"/>
             </a:pPr>
             <a:r>
-              <a:rPr lang="de-DE" dirty="0" smtClean="0"/>
+              <a:rPr lang="de-DE" dirty="0"/>
               <a:t> </a:t>
             </a:r>
             <a:r>
-              <a:rPr lang="de-DE" sz="2800" dirty="0" smtClean="0"/>
+              <a:rPr lang="de-DE" sz="2800" dirty="0"/>
               <a:t>Geschwindigkeit Messung von Autos</a:t>
             </a:r>
           </a:p>
@@ -4611,7 +4585,7 @@
               <a:buChar char="•"/>
             </a:pPr>
             <a:r>
-              <a:rPr lang="de-DE" sz="2800" dirty="0" smtClean="0"/>
+              <a:rPr lang="de-DE" sz="2800" dirty="0"/>
               <a:t> Sicherheit von Personen</a:t>
             </a:r>
           </a:p>
@@ -4628,7 +4602,7 @@
               <a:buChar char="•"/>
             </a:pPr>
             <a:r>
-              <a:rPr lang="de-DE" sz="2800" dirty="0" smtClean="0"/>
+              <a:rPr lang="de-DE" sz="2800" dirty="0"/>
               <a:t> Warnung bei zu schnellem fahren</a:t>
             </a:r>
           </a:p>
@@ -4719,10 +4693,9 @@
           <a:lstStyle/>
           <a:p>
             <a:r>
-              <a:rPr lang="de-DE" b="1" dirty="0" smtClean="0"/>
+              <a:rPr lang="de-DE" b="1" dirty="0"/>
               <a:t>Aufgabenstellung</a:t>
             </a:r>
-            <a:endParaRPr lang="de-DE" b="1" dirty="0"/>
           </a:p>
         </p:txBody>
       </p:sp>
@@ -4746,7 +4719,7 @@
               <a:buChar char="•"/>
             </a:pPr>
             <a:r>
-              <a:rPr lang="de-DE" sz="2800" dirty="0" smtClean="0"/>
+              <a:rPr lang="de-DE" sz="2800" dirty="0"/>
               <a:t> Ein System entwerfen</a:t>
             </a:r>
           </a:p>
@@ -4756,7 +4729,7 @@
               <a:buChar char="•"/>
             </a:pPr>
             <a:r>
-              <a:rPr lang="de-DE" sz="2800" dirty="0" smtClean="0"/>
+              <a:rPr lang="de-DE" sz="2800" dirty="0"/>
               <a:t> Materialbeschaffung</a:t>
             </a:r>
           </a:p>
@@ -4766,7 +4739,7 @@
               <a:buChar char="•"/>
             </a:pPr>
             <a:r>
-              <a:rPr lang="de-DE" sz="2800" dirty="0" smtClean="0"/>
+              <a:rPr lang="de-DE" sz="2800" dirty="0"/>
               <a:t> Zusammenbau des Projektes</a:t>
             </a:r>
           </a:p>
@@ -4776,7 +4749,7 @@
               <a:buChar char="•"/>
             </a:pPr>
             <a:r>
-              <a:rPr lang="de-DE" sz="2800" dirty="0" smtClean="0"/>
+              <a:rPr lang="de-DE" sz="2800" dirty="0"/>
               <a:t> Anforderungen erfüllen</a:t>
             </a:r>
           </a:p>
@@ -4786,7 +4759,7 @@
               <a:buChar char="•"/>
             </a:pPr>
             <a:r>
-              <a:rPr lang="de-DE" sz="2800" dirty="0" smtClean="0"/>
+              <a:rPr lang="de-DE" sz="2800" dirty="0"/>
               <a:t> Dokumentation</a:t>
             </a:r>
           </a:p>
@@ -4796,7 +4769,7 @@
               <a:buChar char="•"/>
             </a:pPr>
             <a:r>
-              <a:rPr lang="de-DE" sz="2800" dirty="0" smtClean="0"/>
+              <a:rPr lang="de-DE" sz="2800" dirty="0"/>
               <a:t> Präsentation</a:t>
             </a:r>
           </a:p>
@@ -4851,10 +4824,9 @@
           <a:lstStyle/>
           <a:p>
             <a:r>
-              <a:rPr lang="de-DE" b="1" dirty="0" smtClean="0"/>
+              <a:rPr lang="de-DE" b="1" dirty="0"/>
               <a:t>Anforderungen</a:t>
             </a:r>
-            <a:endParaRPr lang="de-DE" b="1" dirty="0"/>
           </a:p>
         </p:txBody>
       </p:sp>
@@ -4930,10 +4902,9 @@
           <a:lstStyle/>
           <a:p>
             <a:r>
-              <a:rPr lang="de-DE" b="1" dirty="0" smtClean="0"/>
+              <a:rPr lang="de-DE" b="1" dirty="0"/>
               <a:t>Projektplan</a:t>
             </a:r>
-            <a:endParaRPr lang="de-DE" b="1" dirty="0"/>
           </a:p>
         </p:txBody>
       </p:sp>
@@ -5012,18 +4983,17 @@
           <a:lstStyle/>
           <a:p>
             <a:r>
-              <a:rPr lang="de-DE" b="1" dirty="0" smtClean="0"/>
+              <a:rPr lang="de-DE" b="1" dirty="0"/>
               <a:t>BOM (Bill </a:t>
             </a:r>
             <a:r>
-              <a:rPr lang="de-DE" b="1" dirty="0" err="1" smtClean="0"/>
+              <a:rPr lang="de-DE" b="1" dirty="0" err="1"/>
               <a:t>of</a:t>
             </a:r>
             <a:r>
-              <a:rPr lang="de-DE" b="1" dirty="0" smtClean="0"/>
+              <a:rPr lang="de-DE" b="1" dirty="0"/>
               <a:t> material)</a:t>
             </a:r>
-            <a:endParaRPr lang="de-DE" b="1" dirty="0"/>
           </a:p>
         </p:txBody>
       </p:sp>
@@ -5099,10 +5069,9 @@
           <a:lstStyle/>
           <a:p>
             <a:r>
-              <a:rPr lang="de-DE" b="1" dirty="0" smtClean="0"/>
+              <a:rPr lang="de-DE" b="1" dirty="0"/>
               <a:t>Systementwurf</a:t>
             </a:r>
-            <a:endParaRPr lang="de-DE" b="1" dirty="0"/>
           </a:p>
         </p:txBody>
       </p:sp>
@@ -5178,10 +5147,9 @@
           <a:lstStyle/>
           <a:p>
             <a:r>
-              <a:rPr lang="de-DE" b="1" dirty="0" smtClean="0"/>
+              <a:rPr lang="de-DE" b="1" dirty="0"/>
               <a:t>Zeichnungsentwurf</a:t>
             </a:r>
-            <a:endParaRPr lang="de-DE" b="1" dirty="0"/>
           </a:p>
         </p:txBody>
       </p:sp>
@@ -5257,10 +5225,9 @@
           <a:lstStyle/>
           <a:p>
             <a:r>
-              <a:rPr lang="de-DE" b="1" dirty="0" smtClean="0"/>
+              <a:rPr lang="de-DE" b="1" dirty="0"/>
               <a:t>PWM</a:t>
             </a:r>
-            <a:endParaRPr lang="de-DE" b="1" dirty="0"/>
           </a:p>
         </p:txBody>
       </p:sp>

--- a/Solidworks/Projektarbeit.pptx
+++ b/Solidworks/Projektarbeit.pptx
@@ -4,6 +4,9 @@
   <p:sldMasterIdLst>
     <p:sldMasterId id="2147483695" r:id="rId1"/>
   </p:sldMasterIdLst>
+  <p:notesMasterIdLst>
+    <p:notesMasterId r:id="rId19"/>
+  </p:notesMasterIdLst>
   <p:sldIdLst>
     <p:sldId id="256" r:id="rId2"/>
     <p:sldId id="257" r:id="rId3"/>
@@ -20,7 +23,8 @@
     <p:sldId id="268" r:id="rId14"/>
     <p:sldId id="269" r:id="rId15"/>
     <p:sldId id="271" r:id="rId16"/>
-    <p:sldId id="270" r:id="rId17"/>
+    <p:sldId id="272" r:id="rId17"/>
+    <p:sldId id="270" r:id="rId18"/>
   </p:sldIdLst>
   <p:sldSz cx="12192000" cy="6858000"/>
   <p:notesSz cx="6858000" cy="9144000"/>
@@ -127,6 +131,356 @@
 </p:presentation>
 </file>
 
+<file path=ppt/notesMasters/notesMaster1.xml><?xml version="1.0" encoding="utf-8"?>
+<p:notesMaster xmlns:a="http://schemas.openxmlformats.org/drawingml/2006/main" xmlns:r="http://schemas.openxmlformats.org/officeDocument/2006/relationships" xmlns:p="http://schemas.openxmlformats.org/presentationml/2006/main">
+  <p:cSld>
+    <p:bg>
+      <p:bgRef idx="1001">
+        <a:schemeClr val="bg1"/>
+      </p:bgRef>
+    </p:bg>
+    <p:spTree>
+      <p:nvGrpSpPr>
+        <p:cNvPr id="1" name=""/>
+        <p:cNvGrpSpPr/>
+        <p:nvPr/>
+      </p:nvGrpSpPr>
+      <p:grpSpPr>
+        <a:xfrm>
+          <a:off x="0" y="0"/>
+          <a:ext cx="0" cy="0"/>
+          <a:chOff x="0" y="0"/>
+          <a:chExt cx="0" cy="0"/>
+        </a:xfrm>
+      </p:grpSpPr>
+      <p:sp>
+        <p:nvSpPr>
+          <p:cNvPr id="2" name="Kopfzeilenplatzhalter 1"/>
+          <p:cNvSpPr>
+            <a:spLocks noGrp="1"/>
+          </p:cNvSpPr>
+          <p:nvPr>
+            <p:ph type="hdr" sz="quarter"/>
+          </p:nvPr>
+        </p:nvSpPr>
+        <p:spPr>
+          <a:xfrm>
+            <a:off x="0" y="0"/>
+            <a:ext cx="2971800" cy="458788"/>
+          </a:xfrm>
+          <a:prstGeom prst="rect">
+            <a:avLst/>
+          </a:prstGeom>
+        </p:spPr>
+        <p:txBody>
+          <a:bodyPr vert="horz" lIns="91440" tIns="45720" rIns="91440" bIns="45720" rtlCol="0"/>
+          <a:lstStyle>
+            <a:lvl1pPr algn="l">
+              <a:defRPr sz="1200"/>
+            </a:lvl1pPr>
+          </a:lstStyle>
+          <a:p>
+            <a:endParaRPr lang="de-DE"/>
+          </a:p>
+        </p:txBody>
+      </p:sp>
+      <p:sp>
+        <p:nvSpPr>
+          <p:cNvPr id="3" name="Datumsplatzhalter 2"/>
+          <p:cNvSpPr>
+            <a:spLocks noGrp="1"/>
+          </p:cNvSpPr>
+          <p:nvPr>
+            <p:ph type="dt" idx="1"/>
+          </p:nvPr>
+        </p:nvSpPr>
+        <p:spPr>
+          <a:xfrm>
+            <a:off x="3884613" y="0"/>
+            <a:ext cx="2971800" cy="458788"/>
+          </a:xfrm>
+          <a:prstGeom prst="rect">
+            <a:avLst/>
+          </a:prstGeom>
+        </p:spPr>
+        <p:txBody>
+          <a:bodyPr vert="horz" lIns="91440" tIns="45720" rIns="91440" bIns="45720" rtlCol="0"/>
+          <a:lstStyle>
+            <a:lvl1pPr algn="r">
+              <a:defRPr sz="1200"/>
+            </a:lvl1pPr>
+          </a:lstStyle>
+          <a:p>
+            <a:fld id="{E2724882-3062-4040-AD3F-DE5F775C49D1}" type="datetimeFigureOut">
+              <a:rPr lang="de-DE" smtClean="0"/>
+              <a:t>26.02.2023</a:t>
+            </a:fld>
+            <a:endParaRPr lang="de-DE"/>
+          </a:p>
+        </p:txBody>
+      </p:sp>
+      <p:sp>
+        <p:nvSpPr>
+          <p:cNvPr id="4" name="Folienbildplatzhalter 3"/>
+          <p:cNvSpPr>
+            <a:spLocks noGrp="1" noRot="1" noChangeAspect="1"/>
+          </p:cNvSpPr>
+          <p:nvPr>
+            <p:ph type="sldImg" idx="2"/>
+          </p:nvPr>
+        </p:nvSpPr>
+        <p:spPr>
+          <a:xfrm>
+            <a:off x="685800" y="1143000"/>
+            <a:ext cx="5486400" cy="3086100"/>
+          </a:xfrm>
+          <a:prstGeom prst="rect">
+            <a:avLst/>
+          </a:prstGeom>
+          <a:noFill/>
+          <a:ln w="12700">
+            <a:solidFill>
+              <a:prstClr val="black"/>
+            </a:solidFill>
+          </a:ln>
+        </p:spPr>
+        <p:txBody>
+          <a:bodyPr vert="horz" lIns="91440" tIns="45720" rIns="91440" bIns="45720" rtlCol="0" anchor="ctr"/>
+          <a:lstStyle/>
+          <a:p>
+            <a:endParaRPr lang="de-DE"/>
+          </a:p>
+        </p:txBody>
+      </p:sp>
+      <p:sp>
+        <p:nvSpPr>
+          <p:cNvPr id="5" name="Notizenplatzhalter 4"/>
+          <p:cNvSpPr>
+            <a:spLocks noGrp="1"/>
+          </p:cNvSpPr>
+          <p:nvPr>
+            <p:ph type="body" sz="quarter" idx="3"/>
+          </p:nvPr>
+        </p:nvSpPr>
+        <p:spPr>
+          <a:xfrm>
+            <a:off x="685800" y="4400550"/>
+            <a:ext cx="5486400" cy="3600450"/>
+          </a:xfrm>
+          <a:prstGeom prst="rect">
+            <a:avLst/>
+          </a:prstGeom>
+        </p:spPr>
+        <p:txBody>
+          <a:bodyPr vert="horz" lIns="91440" tIns="45720" rIns="91440" bIns="45720" rtlCol="0"/>
+          <a:lstStyle/>
+          <a:p>
+            <a:pPr lvl="0"/>
+            <a:r>
+              <a:rPr lang="de-DE" smtClean="0"/>
+              <a:t>Formatvorlagen des Textmasters bearbeiten</a:t>
+            </a:r>
+          </a:p>
+          <a:p>
+            <a:pPr lvl="1"/>
+            <a:r>
+              <a:rPr lang="de-DE" smtClean="0"/>
+              <a:t>Zweite Ebene</a:t>
+            </a:r>
+          </a:p>
+          <a:p>
+            <a:pPr lvl="2"/>
+            <a:r>
+              <a:rPr lang="de-DE" smtClean="0"/>
+              <a:t>Dritte Ebene</a:t>
+            </a:r>
+          </a:p>
+          <a:p>
+            <a:pPr lvl="3"/>
+            <a:r>
+              <a:rPr lang="de-DE" smtClean="0"/>
+              <a:t>Vierte Ebene</a:t>
+            </a:r>
+          </a:p>
+          <a:p>
+            <a:pPr lvl="4"/>
+            <a:r>
+              <a:rPr lang="de-DE" smtClean="0"/>
+              <a:t>Fünfte Ebene</a:t>
+            </a:r>
+            <a:endParaRPr lang="de-DE"/>
+          </a:p>
+        </p:txBody>
+      </p:sp>
+      <p:sp>
+        <p:nvSpPr>
+          <p:cNvPr id="6" name="Fußzeilenplatzhalter 5"/>
+          <p:cNvSpPr>
+            <a:spLocks noGrp="1"/>
+          </p:cNvSpPr>
+          <p:nvPr>
+            <p:ph type="ftr" sz="quarter" idx="4"/>
+          </p:nvPr>
+        </p:nvSpPr>
+        <p:spPr>
+          <a:xfrm>
+            <a:off x="0" y="8685213"/>
+            <a:ext cx="2971800" cy="458787"/>
+          </a:xfrm>
+          <a:prstGeom prst="rect">
+            <a:avLst/>
+          </a:prstGeom>
+        </p:spPr>
+        <p:txBody>
+          <a:bodyPr vert="horz" lIns="91440" tIns="45720" rIns="91440" bIns="45720" rtlCol="0" anchor="b"/>
+          <a:lstStyle>
+            <a:lvl1pPr algn="l">
+              <a:defRPr sz="1200"/>
+            </a:lvl1pPr>
+          </a:lstStyle>
+          <a:p>
+            <a:endParaRPr lang="de-DE"/>
+          </a:p>
+        </p:txBody>
+      </p:sp>
+      <p:sp>
+        <p:nvSpPr>
+          <p:cNvPr id="7" name="Foliennummernplatzhalter 6"/>
+          <p:cNvSpPr>
+            <a:spLocks noGrp="1"/>
+          </p:cNvSpPr>
+          <p:nvPr>
+            <p:ph type="sldNum" sz="quarter" idx="5"/>
+          </p:nvPr>
+        </p:nvSpPr>
+        <p:spPr>
+          <a:xfrm>
+            <a:off x="3884613" y="8685213"/>
+            <a:ext cx="2971800" cy="458787"/>
+          </a:xfrm>
+          <a:prstGeom prst="rect">
+            <a:avLst/>
+          </a:prstGeom>
+        </p:spPr>
+        <p:txBody>
+          <a:bodyPr vert="horz" lIns="91440" tIns="45720" rIns="91440" bIns="45720" rtlCol="0" anchor="b"/>
+          <a:lstStyle>
+            <a:lvl1pPr algn="r">
+              <a:defRPr sz="1200"/>
+            </a:lvl1pPr>
+          </a:lstStyle>
+          <a:p>
+            <a:fld id="{98DF399E-3605-4A3A-9D42-A42E631AE561}" type="slidenum">
+              <a:rPr lang="de-DE" smtClean="0"/>
+              <a:t>‹Nr.›</a:t>
+            </a:fld>
+            <a:endParaRPr lang="de-DE"/>
+          </a:p>
+        </p:txBody>
+      </p:sp>
+    </p:spTree>
+    <p:extLst>
+      <p:ext uri="{BB962C8B-B14F-4D97-AF65-F5344CB8AC3E}">
+        <p14:creationId xmlns:p14="http://schemas.microsoft.com/office/powerpoint/2010/main" val="975699267"/>
+      </p:ext>
+    </p:extLst>
+  </p:cSld>
+  <p:clrMap bg1="lt1" tx1="dk1" bg2="lt2" tx2="dk2" accent1="accent1" accent2="accent2" accent3="accent3" accent4="accent4" accent5="accent5" accent6="accent6" hlink="hlink" folHlink="folHlink"/>
+  <p:notesStyle>
+    <a:lvl1pPr marL="0" algn="l" defTabSz="914400" rtl="0" eaLnBrk="1" latinLnBrk="0" hangingPunct="1">
+      <a:defRPr sz="1200" kern="1200">
+        <a:solidFill>
+          <a:schemeClr val="tx1"/>
+        </a:solidFill>
+        <a:latin typeface="+mn-lt"/>
+        <a:ea typeface="+mn-ea"/>
+        <a:cs typeface="+mn-cs"/>
+      </a:defRPr>
+    </a:lvl1pPr>
+    <a:lvl2pPr marL="457200" algn="l" defTabSz="914400" rtl="0" eaLnBrk="1" latinLnBrk="0" hangingPunct="1">
+      <a:defRPr sz="1200" kern="1200">
+        <a:solidFill>
+          <a:schemeClr val="tx1"/>
+        </a:solidFill>
+        <a:latin typeface="+mn-lt"/>
+        <a:ea typeface="+mn-ea"/>
+        <a:cs typeface="+mn-cs"/>
+      </a:defRPr>
+    </a:lvl2pPr>
+    <a:lvl3pPr marL="914400" algn="l" defTabSz="914400" rtl="0" eaLnBrk="1" latinLnBrk="0" hangingPunct="1">
+      <a:defRPr sz="1200" kern="1200">
+        <a:solidFill>
+          <a:schemeClr val="tx1"/>
+        </a:solidFill>
+        <a:latin typeface="+mn-lt"/>
+        <a:ea typeface="+mn-ea"/>
+        <a:cs typeface="+mn-cs"/>
+      </a:defRPr>
+    </a:lvl3pPr>
+    <a:lvl4pPr marL="1371600" algn="l" defTabSz="914400" rtl="0" eaLnBrk="1" latinLnBrk="0" hangingPunct="1">
+      <a:defRPr sz="1200" kern="1200">
+        <a:solidFill>
+          <a:schemeClr val="tx1"/>
+        </a:solidFill>
+        <a:latin typeface="+mn-lt"/>
+        <a:ea typeface="+mn-ea"/>
+        <a:cs typeface="+mn-cs"/>
+      </a:defRPr>
+    </a:lvl4pPr>
+    <a:lvl5pPr marL="1828800" algn="l" defTabSz="914400" rtl="0" eaLnBrk="1" latinLnBrk="0" hangingPunct="1">
+      <a:defRPr sz="1200" kern="1200">
+        <a:solidFill>
+          <a:schemeClr val="tx1"/>
+        </a:solidFill>
+        <a:latin typeface="+mn-lt"/>
+        <a:ea typeface="+mn-ea"/>
+        <a:cs typeface="+mn-cs"/>
+      </a:defRPr>
+    </a:lvl5pPr>
+    <a:lvl6pPr marL="2286000" algn="l" defTabSz="914400" rtl="0" eaLnBrk="1" latinLnBrk="0" hangingPunct="1">
+      <a:defRPr sz="1200" kern="1200">
+        <a:solidFill>
+          <a:schemeClr val="tx1"/>
+        </a:solidFill>
+        <a:latin typeface="+mn-lt"/>
+        <a:ea typeface="+mn-ea"/>
+        <a:cs typeface="+mn-cs"/>
+      </a:defRPr>
+    </a:lvl6pPr>
+    <a:lvl7pPr marL="2743200" algn="l" defTabSz="914400" rtl="0" eaLnBrk="1" latinLnBrk="0" hangingPunct="1">
+      <a:defRPr sz="1200" kern="1200">
+        <a:solidFill>
+          <a:schemeClr val="tx1"/>
+        </a:solidFill>
+        <a:latin typeface="+mn-lt"/>
+        <a:ea typeface="+mn-ea"/>
+        <a:cs typeface="+mn-cs"/>
+      </a:defRPr>
+    </a:lvl7pPr>
+    <a:lvl8pPr marL="3200400" algn="l" defTabSz="914400" rtl="0" eaLnBrk="1" latinLnBrk="0" hangingPunct="1">
+      <a:defRPr sz="1200" kern="1200">
+        <a:solidFill>
+          <a:schemeClr val="tx1"/>
+        </a:solidFill>
+        <a:latin typeface="+mn-lt"/>
+        <a:ea typeface="+mn-ea"/>
+        <a:cs typeface="+mn-cs"/>
+      </a:defRPr>
+    </a:lvl8pPr>
+    <a:lvl9pPr marL="3657600" algn="l" defTabSz="914400" rtl="0" eaLnBrk="1" latinLnBrk="0" hangingPunct="1">
+      <a:defRPr sz="1200" kern="1200">
+        <a:solidFill>
+          <a:schemeClr val="tx1"/>
+        </a:solidFill>
+        <a:latin typeface="+mn-lt"/>
+        <a:ea typeface="+mn-ea"/>
+        <a:cs typeface="+mn-cs"/>
+      </a:defRPr>
+    </a:lvl9pPr>
+  </p:notesStyle>
+</p:notesMaster>
+</file>
+
 <file path=ppt/slideLayouts/slideLayout1.xml><?xml version="1.0" encoding="utf-8"?>
 <p:sldLayout xmlns:a="http://schemas.openxmlformats.org/drawingml/2006/main" xmlns:r="http://schemas.openxmlformats.org/officeDocument/2006/relationships" xmlns:p="http://schemas.openxmlformats.org/presentationml/2006/main" showMasterSp="0" type="title" preserve="1">
   <p:cSld name="Titelfolie">
@@ -351,9 +705,9 @@
           <a:bodyPr/>
           <a:lstStyle/>
           <a:p>
-            <a:fld id="{4AAD347D-5ACD-4C99-B74B-A9C85AD731AF}" type="datetimeFigureOut">
+            <a:fld id="{72C7D0A5-941F-4A27-814F-135DF0BB69FA}" type="datetime1">
               <a:rPr lang="en-US" smtClean="0"/>
-              <a:t>2/24/2023</a:t>
+              <a:t>2/26/2023</a:t>
             </a:fld>
             <a:endParaRPr lang="en-US" dirty="0"/>
           </a:p>
@@ -559,9 +913,9 @@
           <a:bodyPr/>
           <a:lstStyle/>
           <a:p>
-            <a:fld id="{4509A250-FF31-4206-8172-F9D3106AACB1}" type="datetimeFigureOut">
+            <a:fld id="{AE242FF0-5FD2-4A47-9CAB-A2B1C887C6BB}" type="datetime1">
               <a:rPr lang="en-US" smtClean="0"/>
-              <a:t>2/24/2023</a:t>
+              <a:t>2/26/2023</a:t>
             </a:fld>
             <a:endParaRPr lang="en-US" dirty="0"/>
           </a:p>
@@ -815,9 +1169,9 @@
           <a:bodyPr/>
           <a:lstStyle/>
           <a:p>
-            <a:fld id="{4509A250-FF31-4206-8172-F9D3106AACB1}" type="datetimeFigureOut">
+            <a:fld id="{1A217C3D-89F8-45FE-B734-68F2DB3FBCF7}" type="datetime1">
               <a:rPr lang="en-US" smtClean="0"/>
-              <a:t>2/24/2023</a:t>
+              <a:t>2/26/2023</a:t>
             </a:fld>
             <a:endParaRPr lang="en-US" dirty="0"/>
           </a:p>
@@ -985,9 +1339,9 @@
           <a:bodyPr/>
           <a:lstStyle/>
           <a:p>
-            <a:fld id="{4509A250-FF31-4206-8172-F9D3106AACB1}" type="datetimeFigureOut">
+            <a:fld id="{6AE9550A-A416-4C7C-8F6D-998BA414CA91}" type="datetime1">
               <a:rPr lang="en-US" smtClean="0"/>
-              <a:t>2/24/2023</a:t>
+              <a:t>2/26/2023</a:t>
             </a:fld>
             <a:endParaRPr lang="en-US" dirty="0"/>
           </a:p>
@@ -1328,9 +1682,9 @@
           <a:bodyPr/>
           <a:lstStyle/>
           <a:p>
-            <a:fld id="{4509A250-FF31-4206-8172-F9D3106AACB1}" type="datetimeFigureOut">
+            <a:fld id="{D839BEA0-54E7-48FA-827A-5EE69D6A300E}" type="datetime1">
               <a:rPr lang="en-US" smtClean="0"/>
-              <a:t>2/24/2023</a:t>
+              <a:t>2/26/2023</a:t>
             </a:fld>
             <a:endParaRPr lang="en-US" dirty="0"/>
           </a:p>
@@ -1603,9 +1957,9 @@
           <a:bodyPr/>
           <a:lstStyle/>
           <a:p>
-            <a:fld id="{4509A250-FF31-4206-8172-F9D3106AACB1}" type="datetimeFigureOut">
+            <a:fld id="{C78738AC-9A90-4EBA-88C0-A2A7B30062AA}" type="datetime1">
               <a:rPr lang="en-US" smtClean="0"/>
-              <a:t>2/24/2023</a:t>
+              <a:t>2/26/2023</a:t>
             </a:fld>
             <a:endParaRPr lang="en-US" dirty="0"/>
           </a:p>
@@ -1982,9 +2336,9 @@
           <a:bodyPr/>
           <a:lstStyle/>
           <a:p>
-            <a:fld id="{4509A250-FF31-4206-8172-F9D3106AACB1}" type="datetimeFigureOut">
+            <a:fld id="{01661EA3-7269-4843-9B0B-F26EC8DBC9E2}" type="datetime1">
               <a:rPr lang="en-US" smtClean="0"/>
-              <a:t>2/24/2023</a:t>
+              <a:t>2/26/2023</a:t>
             </a:fld>
             <a:endParaRPr lang="en-US" dirty="0"/>
           </a:p>
@@ -2100,9 +2454,9 @@
           <a:bodyPr/>
           <a:lstStyle/>
           <a:p>
-            <a:fld id="{4509A250-FF31-4206-8172-F9D3106AACB1}" type="datetimeFigureOut">
+            <a:fld id="{B3C02DEA-79CB-4F86-815A-64182DEA4A90}" type="datetime1">
               <a:rPr lang="en-US" smtClean="0"/>
-              <a:t>2/24/2023</a:t>
+              <a:t>2/26/2023</a:t>
             </a:fld>
             <a:endParaRPr lang="en-US" dirty="0"/>
           </a:p>
@@ -2271,9 +2625,9 @@
           <a:bodyPr/>
           <a:lstStyle/>
           <a:p>
-            <a:fld id="{4509A250-FF31-4206-8172-F9D3106AACB1}" type="datetimeFigureOut">
+            <a:fld id="{A29FECED-75D8-47AE-A1C7-C7067931058B}" type="datetime1">
               <a:rPr lang="en-US" smtClean="0"/>
-              <a:t>2/24/2023</a:t>
+              <a:t>2/26/2023</a:t>
             </a:fld>
             <a:endParaRPr lang="en-US" dirty="0"/>
           </a:p>
@@ -2625,9 +2979,9 @@
             </a:lvl1pPr>
           </a:lstStyle>
           <a:p>
-            <a:fld id="{4509A250-FF31-4206-8172-F9D3106AACB1}" type="datetimeFigureOut">
+            <a:fld id="{D851FCF2-B093-473E-9416-51E7DB64D4C8}" type="datetime1">
               <a:rPr lang="en-US" smtClean="0"/>
-              <a:t>2/24/2023</a:t>
+              <a:t>2/26/2023</a:t>
             </a:fld>
             <a:endParaRPr lang="en-US" dirty="0"/>
           </a:p>
@@ -3002,9 +3356,9 @@
           <a:bodyPr/>
           <a:lstStyle/>
           <a:p>
-            <a:fld id="{4509A250-FF31-4206-8172-F9D3106AACB1}" type="datetimeFigureOut">
+            <a:fld id="{67FA3DAB-A293-4545-81FF-2A1685896EFA}" type="datetime1">
               <a:rPr lang="en-US" smtClean="0"/>
-              <a:t>2/24/2023</a:t>
+              <a:t>2/26/2023</a:t>
             </a:fld>
             <a:endParaRPr lang="en-US" dirty="0"/>
           </a:p>
@@ -3289,9 +3643,9 @@
             </a:lvl1pPr>
           </a:lstStyle>
           <a:p>
-            <a:fld id="{4509A250-FF31-4206-8172-F9D3106AACB1}" type="datetimeFigureOut">
+            <a:fld id="{D3BF22C1-E2A8-41DE-B864-47F0EDA24240}" type="datetime1">
               <a:rPr lang="en-US" smtClean="0"/>
-              <a:t>2/24/2023</a:t>
+              <a:t>2/26/2023</a:t>
             </a:fld>
             <a:endParaRPr lang="en-US" dirty="0"/>
           </a:p>
@@ -3430,7 +3784,7 @@
     <p:sldLayoutId id="2147483705" r:id="rId10"/>
     <p:sldLayoutId id="2147483706" r:id="rId11"/>
   </p:sldLayoutIdLst>
-  <p:hf sldNum="0" hdr="0" ftr="0" dt="0"/>
+  <p:hf hdr="0" ftr="0" dt="0"/>
   <p:txStyles>
     <p:titleStyle>
       <a:lvl1pPr algn="l" defTabSz="914400" rtl="0" eaLnBrk="1" latinLnBrk="0" hangingPunct="1">
@@ -3853,6 +4207,10 @@
               <a:rPr lang="de-DE" sz="3600" b="1" dirty="0"/>
               <a:t>-Tempomessgerät</a:t>
             </a:r>
+            <a:r>
+              <a:rPr lang="de-DE" b="1" dirty="0"/>
+              <a:t/>
+            </a:r>
             <a:br>
               <a:rPr lang="de-DE" b="1" dirty="0"/>
             </a:br>
@@ -3889,6 +4247,29 @@
               <a:rPr lang="de-DE" sz="1600" dirty="0"/>
               <a:t> und Justin Frommberger</a:t>
             </a:r>
+          </a:p>
+        </p:txBody>
+      </p:sp>
+      <p:sp>
+        <p:nvSpPr>
+          <p:cNvPr id="4" name="Foliennummernplatzhalter 3"/>
+          <p:cNvSpPr>
+            <a:spLocks noGrp="1"/>
+          </p:cNvSpPr>
+          <p:nvPr>
+            <p:ph type="sldNum" sz="quarter" idx="12"/>
+          </p:nvPr>
+        </p:nvSpPr>
+        <p:spPr/>
+        <p:txBody>
+          <a:bodyPr/>
+          <a:lstStyle/>
+          <a:p>
+            <a:fld id="{D57F1E4F-1CFF-5643-939E-02111984F565}" type="slidenum">
+              <a:rPr lang="en-US" smtClean="0"/>
+              <a:t>1</a:t>
+            </a:fld>
+            <a:endParaRPr lang="en-US" dirty="0"/>
           </a:p>
         </p:txBody>
       </p:sp>
@@ -3973,6 +4354,29 @@
           </a:xfrm>
         </p:spPr>
       </p:pic>
+      <p:sp>
+        <p:nvSpPr>
+          <p:cNvPr id="3" name="Foliennummernplatzhalter 2"/>
+          <p:cNvSpPr>
+            <a:spLocks noGrp="1"/>
+          </p:cNvSpPr>
+          <p:nvPr>
+            <p:ph type="sldNum" sz="quarter" idx="12"/>
+          </p:nvPr>
+        </p:nvSpPr>
+        <p:spPr/>
+        <p:txBody>
+          <a:bodyPr/>
+          <a:lstStyle/>
+          <a:p>
+            <a:fld id="{D57F1E4F-1CFF-5643-939E-02111984F565}" type="slidenum">
+              <a:rPr lang="en-US" smtClean="0"/>
+              <a:t>10</a:t>
+            </a:fld>
+            <a:endParaRPr lang="en-US" dirty="0"/>
+          </a:p>
+        </p:txBody>
+      </p:sp>
     </p:spTree>
     <p:extLst>
       <p:ext uri="{BB962C8B-B14F-4D97-AF65-F5344CB8AC3E}">
@@ -4051,6 +4455,29 @@
           </a:prstGeom>
         </p:spPr>
       </p:pic>
+      <p:sp>
+        <p:nvSpPr>
+          <p:cNvPr id="3" name="Foliennummernplatzhalter 2"/>
+          <p:cNvSpPr>
+            <a:spLocks noGrp="1"/>
+          </p:cNvSpPr>
+          <p:nvPr>
+            <p:ph type="sldNum" sz="quarter" idx="12"/>
+          </p:nvPr>
+        </p:nvSpPr>
+        <p:spPr/>
+        <p:txBody>
+          <a:bodyPr/>
+          <a:lstStyle/>
+          <a:p>
+            <a:fld id="{D57F1E4F-1CFF-5643-939E-02111984F565}" type="slidenum">
+              <a:rPr lang="en-US" smtClean="0"/>
+              <a:t>11</a:t>
+            </a:fld>
+            <a:endParaRPr lang="en-US" dirty="0"/>
+          </a:p>
+        </p:txBody>
+      </p:sp>
     </p:spTree>
     <p:extLst>
       <p:ext uri="{BB962C8B-B14F-4D97-AF65-F5344CB8AC3E}">
@@ -4129,6 +4556,29 @@
           </a:prstGeom>
         </p:spPr>
       </p:pic>
+      <p:sp>
+        <p:nvSpPr>
+          <p:cNvPr id="3" name="Foliennummernplatzhalter 2"/>
+          <p:cNvSpPr>
+            <a:spLocks noGrp="1"/>
+          </p:cNvSpPr>
+          <p:nvPr>
+            <p:ph type="sldNum" sz="quarter" idx="12"/>
+          </p:nvPr>
+        </p:nvSpPr>
+        <p:spPr/>
+        <p:txBody>
+          <a:bodyPr/>
+          <a:lstStyle/>
+          <a:p>
+            <a:fld id="{D57F1E4F-1CFF-5643-939E-02111984F565}" type="slidenum">
+              <a:rPr lang="en-US" smtClean="0"/>
+              <a:t>12</a:t>
+            </a:fld>
+            <a:endParaRPr lang="en-US" dirty="0"/>
+          </a:p>
+        </p:txBody>
+      </p:sp>
     </p:spTree>
     <p:extLst>
       <p:ext uri="{BB962C8B-B14F-4D97-AF65-F5344CB8AC3E}">
@@ -4211,6 +4661,29 @@
           </a:prstGeom>
         </p:spPr>
       </p:pic>
+      <p:sp>
+        <p:nvSpPr>
+          <p:cNvPr id="3" name="Foliennummernplatzhalter 2"/>
+          <p:cNvSpPr>
+            <a:spLocks noGrp="1"/>
+          </p:cNvSpPr>
+          <p:nvPr>
+            <p:ph type="sldNum" sz="quarter" idx="12"/>
+          </p:nvPr>
+        </p:nvSpPr>
+        <p:spPr/>
+        <p:txBody>
+          <a:bodyPr/>
+          <a:lstStyle/>
+          <a:p>
+            <a:fld id="{D57F1E4F-1CFF-5643-939E-02111984F565}" type="slidenum">
+              <a:rPr lang="en-US" smtClean="0"/>
+              <a:t>13</a:t>
+            </a:fld>
+            <a:endParaRPr lang="en-US" dirty="0"/>
+          </a:p>
+        </p:txBody>
+      </p:sp>
     </p:spTree>
     <p:extLst>
       <p:ext uri="{BB962C8B-B14F-4D97-AF65-F5344CB8AC3E}">
@@ -4350,6 +4823,29 @@
           </a:p>
         </p:txBody>
       </p:sp>
+      <p:sp>
+        <p:nvSpPr>
+          <p:cNvPr id="4" name="Foliennummernplatzhalter 3"/>
+          <p:cNvSpPr>
+            <a:spLocks noGrp="1"/>
+          </p:cNvSpPr>
+          <p:nvPr>
+            <p:ph type="sldNum" sz="quarter" idx="12"/>
+          </p:nvPr>
+        </p:nvSpPr>
+        <p:spPr/>
+        <p:txBody>
+          <a:bodyPr/>
+          <a:lstStyle/>
+          <a:p>
+            <a:fld id="{D57F1E4F-1CFF-5643-939E-02111984F565}" type="slidenum">
+              <a:rPr lang="en-US" smtClean="0"/>
+              <a:t>14</a:t>
+            </a:fld>
+            <a:endParaRPr lang="en-US" dirty="0"/>
+          </a:p>
+        </p:txBody>
+      </p:sp>
     </p:spTree>
     <p:extLst>
       <p:ext uri="{BB962C8B-B14F-4D97-AF65-F5344CB8AC3E}">
@@ -4421,6 +4917,29 @@
           </a:p>
         </p:txBody>
       </p:sp>
+      <p:sp>
+        <p:nvSpPr>
+          <p:cNvPr id="4" name="Foliennummernplatzhalter 3"/>
+          <p:cNvSpPr>
+            <a:spLocks noGrp="1"/>
+          </p:cNvSpPr>
+          <p:nvPr>
+            <p:ph type="sldNum" sz="quarter" idx="12"/>
+          </p:nvPr>
+        </p:nvSpPr>
+        <p:spPr/>
+        <p:txBody>
+          <a:bodyPr/>
+          <a:lstStyle/>
+          <a:p>
+            <a:fld id="{D57F1E4F-1CFF-5643-939E-02111984F565}" type="slidenum">
+              <a:rPr lang="en-US" smtClean="0"/>
+              <a:t>15</a:t>
+            </a:fld>
+            <a:endParaRPr lang="en-US" dirty="0"/>
+          </a:p>
+        </p:txBody>
+      </p:sp>
     </p:spTree>
     <p:extLst>
       <p:ext uri="{BB962C8B-B14F-4D97-AF65-F5344CB8AC3E}">
@@ -4467,6 +4986,188 @@
           <a:lstStyle/>
           <a:p>
             <a:r>
+              <a:rPr lang="de-DE" b="1" dirty="0" smtClean="0"/>
+              <a:t>Zusammenfassung</a:t>
+            </a:r>
+            <a:endParaRPr lang="de-DE" b="1" dirty="0"/>
+          </a:p>
+        </p:txBody>
+      </p:sp>
+      <p:sp>
+        <p:nvSpPr>
+          <p:cNvPr id="3" name="Inhaltsplatzhalter 2"/>
+          <p:cNvSpPr>
+            <a:spLocks noGrp="1"/>
+          </p:cNvSpPr>
+          <p:nvPr>
+            <p:ph idx="1"/>
+          </p:nvPr>
+        </p:nvSpPr>
+        <p:spPr/>
+        <p:txBody>
+          <a:bodyPr/>
+          <a:lstStyle/>
+          <a:p>
+            <a:r>
+              <a:rPr lang="de-DE" dirty="0"/>
+              <a:t>Das Team hat die folgenden Kompetenzen erlernt: </a:t>
+            </a:r>
+          </a:p>
+          <a:p>
+            <a:pPr>
+              <a:buFont typeface="Arial" panose="020B0604020202020204" pitchFamily="34" charset="0"/>
+              <a:buChar char="•"/>
+            </a:pPr>
+            <a:r>
+              <a:rPr lang="de-DE" dirty="0" smtClean="0"/>
+              <a:t> Projektplanung </a:t>
+            </a:r>
+            <a:r>
+              <a:rPr lang="de-DE" dirty="0"/>
+              <a:t>und Zeitmanagement</a:t>
+            </a:r>
+          </a:p>
+          <a:p>
+            <a:pPr>
+              <a:buFont typeface="Arial" panose="020B0604020202020204" pitchFamily="34" charset="0"/>
+              <a:buChar char="•"/>
+            </a:pPr>
+            <a:r>
+              <a:rPr lang="de-DE" dirty="0" smtClean="0"/>
+              <a:t> CAD </a:t>
+            </a:r>
+            <a:r>
+              <a:rPr lang="de-DE" dirty="0"/>
+              <a:t>Konstruktion für 3D Druck</a:t>
+            </a:r>
+          </a:p>
+          <a:p>
+            <a:pPr>
+              <a:buFont typeface="Arial" panose="020B0604020202020204" pitchFamily="34" charset="0"/>
+              <a:buChar char="•"/>
+            </a:pPr>
+            <a:r>
+              <a:rPr lang="de-DE" dirty="0" smtClean="0"/>
+              <a:t> 3D </a:t>
+            </a:r>
+            <a:r>
+              <a:rPr lang="de-DE" dirty="0"/>
+              <a:t>Druck</a:t>
+            </a:r>
+          </a:p>
+          <a:p>
+            <a:pPr>
+              <a:buFont typeface="Arial" panose="020B0604020202020204" pitchFamily="34" charset="0"/>
+              <a:buChar char="•"/>
+            </a:pPr>
+            <a:r>
+              <a:rPr lang="de-DE" dirty="0" smtClean="0"/>
+              <a:t> Löten</a:t>
+            </a:r>
+            <a:endParaRPr lang="de-DE" dirty="0"/>
+          </a:p>
+          <a:p>
+            <a:pPr>
+              <a:buFont typeface="Arial" panose="020B0604020202020204" pitchFamily="34" charset="0"/>
+              <a:buChar char="•"/>
+            </a:pPr>
+            <a:r>
+              <a:rPr lang="de-DE" dirty="0" smtClean="0"/>
+              <a:t> Ansteuerung </a:t>
+            </a:r>
+            <a:r>
+              <a:rPr lang="de-DE" dirty="0"/>
+              <a:t>von WS2812 LEDs</a:t>
+            </a:r>
+          </a:p>
+          <a:p>
+            <a:pPr>
+              <a:buFont typeface="Arial" panose="020B0604020202020204" pitchFamily="34" charset="0"/>
+              <a:buChar char="•"/>
+            </a:pPr>
+            <a:r>
+              <a:rPr lang="de-DE" dirty="0" smtClean="0"/>
+              <a:t> Bau </a:t>
+            </a:r>
+            <a:r>
+              <a:rPr lang="de-DE" dirty="0"/>
+              <a:t>eines Kabels</a:t>
+            </a:r>
+          </a:p>
+          <a:p>
+            <a:endParaRPr lang="de-DE" dirty="0"/>
+          </a:p>
+        </p:txBody>
+      </p:sp>
+      <p:sp>
+        <p:nvSpPr>
+          <p:cNvPr id="4" name="Foliennummernplatzhalter 3"/>
+          <p:cNvSpPr>
+            <a:spLocks noGrp="1"/>
+          </p:cNvSpPr>
+          <p:nvPr>
+            <p:ph type="sldNum" sz="quarter" idx="12"/>
+          </p:nvPr>
+        </p:nvSpPr>
+        <p:spPr/>
+        <p:txBody>
+          <a:bodyPr/>
+          <a:lstStyle/>
+          <a:p>
+            <a:fld id="{D57F1E4F-1CFF-5643-939E-02111984F565}" type="slidenum">
+              <a:rPr lang="en-US" smtClean="0"/>
+              <a:t>16</a:t>
+            </a:fld>
+            <a:endParaRPr lang="en-US" dirty="0"/>
+          </a:p>
+        </p:txBody>
+      </p:sp>
+    </p:spTree>
+    <p:extLst>
+      <p:ext uri="{BB962C8B-B14F-4D97-AF65-F5344CB8AC3E}">
+        <p14:creationId xmlns:p14="http://schemas.microsoft.com/office/powerpoint/2010/main" val="2444624569"/>
+      </p:ext>
+    </p:extLst>
+  </p:cSld>
+  <p:clrMapOvr>
+    <a:masterClrMapping/>
+  </p:clrMapOvr>
+</p:sld>
+</file>
+
+<file path=ppt/slides/slide17.xml><?xml version="1.0" encoding="utf-8"?>
+<p:sld xmlns:a="http://schemas.openxmlformats.org/drawingml/2006/main" xmlns:r="http://schemas.openxmlformats.org/officeDocument/2006/relationships" xmlns:p="http://schemas.openxmlformats.org/presentationml/2006/main">
+  <p:cSld>
+    <p:spTree>
+      <p:nvGrpSpPr>
+        <p:cNvPr id="1" name=""/>
+        <p:cNvGrpSpPr/>
+        <p:nvPr/>
+      </p:nvGrpSpPr>
+      <p:grpSpPr>
+        <a:xfrm>
+          <a:off x="0" y="0"/>
+          <a:ext cx="0" cy="0"/>
+          <a:chOff x="0" y="0"/>
+          <a:chExt cx="0" cy="0"/>
+        </a:xfrm>
+      </p:grpSpPr>
+      <p:sp>
+        <p:nvSpPr>
+          <p:cNvPr id="2" name="Titel 1"/>
+          <p:cNvSpPr>
+            <a:spLocks noGrp="1"/>
+          </p:cNvSpPr>
+          <p:nvPr>
+            <p:ph type="title"/>
+          </p:nvPr>
+        </p:nvSpPr>
+        <p:spPr/>
+        <p:txBody>
+          <a:bodyPr/>
+          <a:lstStyle/>
+          <a:p>
+            <a:r>
               <a:rPr lang="de-DE" b="1" dirty="0"/>
               <a:t>Ergebnis</a:t>
             </a:r>
@@ -4488,7 +5189,99 @@
           <a:bodyPr/>
           <a:lstStyle/>
           <a:p>
-            <a:endParaRPr lang="de-DE"/>
+            <a:r>
+              <a:rPr lang="de-DE" dirty="0" smtClean="0"/>
+              <a:t>- Smiley Gesicht nicht eingebaut</a:t>
+            </a:r>
+          </a:p>
+          <a:p>
+            <a:r>
+              <a:rPr lang="de-DE" dirty="0" smtClean="0"/>
+              <a:t>- Km/h nicht auf dem Schild beschriftet</a:t>
+            </a:r>
+          </a:p>
+          <a:p>
+            <a:r>
+              <a:rPr lang="de-DE" dirty="0" smtClean="0"/>
+              <a:t>- Kleineres Gehäuse</a:t>
+            </a:r>
+          </a:p>
+          <a:p>
+            <a:r>
+              <a:rPr lang="de-DE" dirty="0" smtClean="0"/>
+              <a:t>- Sensor funktioniert nicht einwandfrei</a:t>
+            </a:r>
+          </a:p>
+          <a:p>
+            <a:endParaRPr lang="de-DE" dirty="0"/>
+          </a:p>
+          <a:p>
+            <a:pPr marL="0" indent="0">
+              <a:buNone/>
+            </a:pPr>
+            <a:r>
+              <a:rPr lang="de-DE" dirty="0" smtClean="0"/>
+              <a:t>+ </a:t>
+            </a:r>
+            <a:r>
+              <a:rPr lang="de-DE" dirty="0" err="1" smtClean="0"/>
+              <a:t>LEDS‘s</a:t>
+            </a:r>
+            <a:r>
+              <a:rPr lang="de-DE" dirty="0" smtClean="0"/>
+              <a:t> zeigt die gewünschte Zahl an</a:t>
+            </a:r>
+          </a:p>
+          <a:p>
+            <a:pPr marL="0" indent="0">
+              <a:buNone/>
+            </a:pPr>
+            <a:r>
+              <a:rPr lang="de-DE" dirty="0" smtClean="0"/>
+              <a:t>+ Gehäuse ist stabil und transportabel</a:t>
+            </a:r>
+          </a:p>
+          <a:p>
+            <a:pPr marL="0" indent="0">
+              <a:buNone/>
+            </a:pPr>
+            <a:r>
+              <a:rPr lang="de-DE" dirty="0" smtClean="0"/>
+              <a:t>+ Autos können erfasst werden</a:t>
+            </a:r>
+          </a:p>
+          <a:p>
+            <a:pPr marL="0" indent="0">
+              <a:buNone/>
+            </a:pPr>
+            <a:r>
+              <a:rPr lang="de-DE" dirty="0" smtClean="0"/>
+              <a:t>+ Geschwindigkeit wird zur Anzeige übertragen</a:t>
+            </a:r>
+            <a:endParaRPr lang="de-DE" dirty="0"/>
+          </a:p>
+        </p:txBody>
+      </p:sp>
+      <p:sp>
+        <p:nvSpPr>
+          <p:cNvPr id="4" name="Foliennummernplatzhalter 3"/>
+          <p:cNvSpPr>
+            <a:spLocks noGrp="1"/>
+          </p:cNvSpPr>
+          <p:nvPr>
+            <p:ph type="sldNum" sz="quarter" idx="12"/>
+          </p:nvPr>
+        </p:nvSpPr>
+        <p:spPr/>
+        <p:txBody>
+          <a:bodyPr/>
+          <a:lstStyle/>
+          <a:p>
+            <a:fld id="{D57F1E4F-1CFF-5643-939E-02111984F565}" type="slidenum">
+              <a:rPr lang="en-US" smtClean="0"/>
+              <a:t>17</a:t>
+            </a:fld>
+            <a:endParaRPr lang="en-US" dirty="0"/>
           </a:p>
         </p:txBody>
       </p:sp>
@@ -4647,6 +5440,29 @@
           </a:prstGeom>
         </p:spPr>
       </p:pic>
+      <p:sp>
+        <p:nvSpPr>
+          <p:cNvPr id="4" name="Foliennummernplatzhalter 3"/>
+          <p:cNvSpPr>
+            <a:spLocks noGrp="1"/>
+          </p:cNvSpPr>
+          <p:nvPr>
+            <p:ph type="sldNum" sz="quarter" idx="12"/>
+          </p:nvPr>
+        </p:nvSpPr>
+        <p:spPr/>
+        <p:txBody>
+          <a:bodyPr/>
+          <a:lstStyle/>
+          <a:p>
+            <a:fld id="{D57F1E4F-1CFF-5643-939E-02111984F565}" type="slidenum">
+              <a:rPr lang="en-US" smtClean="0"/>
+              <a:t>2</a:t>
+            </a:fld>
+            <a:endParaRPr lang="en-US" dirty="0"/>
+          </a:p>
+        </p:txBody>
+      </p:sp>
     </p:spTree>
     <p:extLst>
       <p:ext uri="{BB962C8B-B14F-4D97-AF65-F5344CB8AC3E}">
@@ -4778,6 +5594,29 @@
           </a:p>
         </p:txBody>
       </p:sp>
+      <p:sp>
+        <p:nvSpPr>
+          <p:cNvPr id="4" name="Foliennummernplatzhalter 3"/>
+          <p:cNvSpPr>
+            <a:spLocks noGrp="1"/>
+          </p:cNvSpPr>
+          <p:nvPr>
+            <p:ph type="sldNum" sz="quarter" idx="12"/>
+          </p:nvPr>
+        </p:nvSpPr>
+        <p:spPr/>
+        <p:txBody>
+          <a:bodyPr/>
+          <a:lstStyle/>
+          <a:p>
+            <a:fld id="{D57F1E4F-1CFF-5643-939E-02111984F565}" type="slidenum">
+              <a:rPr lang="en-US" smtClean="0"/>
+              <a:t>3</a:t>
+            </a:fld>
+            <a:endParaRPr lang="en-US" dirty="0"/>
+          </a:p>
+        </p:txBody>
+      </p:sp>
     </p:spTree>
     <p:extLst>
       <p:ext uri="{BB962C8B-B14F-4D97-AF65-F5344CB8AC3E}">
@@ -4856,6 +5695,29 @@
           </a:prstGeom>
         </p:spPr>
       </p:pic>
+      <p:sp>
+        <p:nvSpPr>
+          <p:cNvPr id="3" name="Foliennummernplatzhalter 2"/>
+          <p:cNvSpPr>
+            <a:spLocks noGrp="1"/>
+          </p:cNvSpPr>
+          <p:nvPr>
+            <p:ph type="sldNum" sz="quarter" idx="12"/>
+          </p:nvPr>
+        </p:nvSpPr>
+        <p:spPr/>
+        <p:txBody>
+          <a:bodyPr/>
+          <a:lstStyle/>
+          <a:p>
+            <a:fld id="{D57F1E4F-1CFF-5643-939E-02111984F565}" type="slidenum">
+              <a:rPr lang="en-US" smtClean="0"/>
+              <a:t>4</a:t>
+            </a:fld>
+            <a:endParaRPr lang="en-US" dirty="0"/>
+          </a:p>
+        </p:txBody>
+      </p:sp>
     </p:spTree>
     <p:extLst>
       <p:ext uri="{BB962C8B-B14F-4D97-AF65-F5344CB8AC3E}">
@@ -4937,6 +5799,29 @@
           </a:xfrm>
         </p:spPr>
       </p:pic>
+      <p:sp>
+        <p:nvSpPr>
+          <p:cNvPr id="3" name="Foliennummernplatzhalter 2"/>
+          <p:cNvSpPr>
+            <a:spLocks noGrp="1"/>
+          </p:cNvSpPr>
+          <p:nvPr>
+            <p:ph type="sldNum" sz="quarter" idx="12"/>
+          </p:nvPr>
+        </p:nvSpPr>
+        <p:spPr/>
+        <p:txBody>
+          <a:bodyPr/>
+          <a:lstStyle/>
+          <a:p>
+            <a:fld id="{D57F1E4F-1CFF-5643-939E-02111984F565}" type="slidenum">
+              <a:rPr lang="en-US" smtClean="0"/>
+              <a:t>5</a:t>
+            </a:fld>
+            <a:endParaRPr lang="en-US" dirty="0"/>
+          </a:p>
+        </p:txBody>
+      </p:sp>
     </p:spTree>
     <p:extLst>
       <p:ext uri="{BB962C8B-B14F-4D97-AF65-F5344CB8AC3E}">
@@ -5023,6 +5908,29 @@
           </a:prstGeom>
         </p:spPr>
       </p:pic>
+      <p:sp>
+        <p:nvSpPr>
+          <p:cNvPr id="3" name="Foliennummernplatzhalter 2"/>
+          <p:cNvSpPr>
+            <a:spLocks noGrp="1"/>
+          </p:cNvSpPr>
+          <p:nvPr>
+            <p:ph type="sldNum" sz="quarter" idx="12"/>
+          </p:nvPr>
+        </p:nvSpPr>
+        <p:spPr/>
+        <p:txBody>
+          <a:bodyPr/>
+          <a:lstStyle/>
+          <a:p>
+            <a:fld id="{D57F1E4F-1CFF-5643-939E-02111984F565}" type="slidenum">
+              <a:rPr lang="en-US" smtClean="0"/>
+              <a:t>6</a:t>
+            </a:fld>
+            <a:endParaRPr lang="en-US" dirty="0"/>
+          </a:p>
+        </p:txBody>
+      </p:sp>
     </p:spTree>
     <p:extLst>
       <p:ext uri="{BB962C8B-B14F-4D97-AF65-F5344CB8AC3E}">
@@ -5101,6 +6009,29 @@
           </a:prstGeom>
         </p:spPr>
       </p:pic>
+      <p:sp>
+        <p:nvSpPr>
+          <p:cNvPr id="3" name="Foliennummernplatzhalter 2"/>
+          <p:cNvSpPr>
+            <a:spLocks noGrp="1"/>
+          </p:cNvSpPr>
+          <p:nvPr>
+            <p:ph type="sldNum" sz="quarter" idx="12"/>
+          </p:nvPr>
+        </p:nvSpPr>
+        <p:spPr/>
+        <p:txBody>
+          <a:bodyPr/>
+          <a:lstStyle/>
+          <a:p>
+            <a:fld id="{D57F1E4F-1CFF-5643-939E-02111984F565}" type="slidenum">
+              <a:rPr lang="en-US" smtClean="0"/>
+              <a:t>7</a:t>
+            </a:fld>
+            <a:endParaRPr lang="en-US" dirty="0"/>
+          </a:p>
+        </p:txBody>
+      </p:sp>
     </p:spTree>
     <p:extLst>
       <p:ext uri="{BB962C8B-B14F-4D97-AF65-F5344CB8AC3E}">
@@ -5179,6 +6110,29 @@
           </a:prstGeom>
         </p:spPr>
       </p:pic>
+      <p:sp>
+        <p:nvSpPr>
+          <p:cNvPr id="3" name="Foliennummernplatzhalter 2"/>
+          <p:cNvSpPr>
+            <a:spLocks noGrp="1"/>
+          </p:cNvSpPr>
+          <p:nvPr>
+            <p:ph type="sldNum" sz="quarter" idx="12"/>
+          </p:nvPr>
+        </p:nvSpPr>
+        <p:spPr/>
+        <p:txBody>
+          <a:bodyPr/>
+          <a:lstStyle/>
+          <a:p>
+            <a:fld id="{D57F1E4F-1CFF-5643-939E-02111984F565}" type="slidenum">
+              <a:rPr lang="en-US" smtClean="0"/>
+              <a:t>8</a:t>
+            </a:fld>
+            <a:endParaRPr lang="en-US" dirty="0"/>
+          </a:p>
+        </p:txBody>
+      </p:sp>
     </p:spTree>
     <p:extLst>
       <p:ext uri="{BB962C8B-B14F-4D97-AF65-F5344CB8AC3E}">
@@ -5260,6 +6214,29 @@
           </a:xfrm>
         </p:spPr>
       </p:pic>
+      <p:sp>
+        <p:nvSpPr>
+          <p:cNvPr id="3" name="Foliennummernplatzhalter 2"/>
+          <p:cNvSpPr>
+            <a:spLocks noGrp="1"/>
+          </p:cNvSpPr>
+          <p:nvPr>
+            <p:ph type="sldNum" sz="quarter" idx="12"/>
+          </p:nvPr>
+        </p:nvSpPr>
+        <p:spPr/>
+        <p:txBody>
+          <a:bodyPr/>
+          <a:lstStyle/>
+          <a:p>
+            <a:fld id="{D57F1E4F-1CFF-5643-939E-02111984F565}" type="slidenum">
+              <a:rPr lang="en-US" smtClean="0"/>
+              <a:t>9</a:t>
+            </a:fld>
+            <a:endParaRPr lang="en-US" dirty="0"/>
+          </a:p>
+        </p:txBody>
+      </p:sp>
     </p:spTree>
     <p:extLst>
       <p:ext uri="{BB962C8B-B14F-4D97-AF65-F5344CB8AC3E}">
@@ -5554,4 +6531,265 @@
     </a:ext>
   </a:extLst>
 </a:theme>
+</file>
+
+<file path=ppt/theme/theme2.xml><?xml version="1.0" encoding="utf-8"?>
+<a:theme xmlns:a="http://schemas.openxmlformats.org/drawingml/2006/main" name="Office">
+  <a:themeElements>
+    <a:clrScheme name="Office">
+      <a:dk1>
+        <a:sysClr val="windowText" lastClr="000000"/>
+      </a:dk1>
+      <a:lt1>
+        <a:sysClr val="window" lastClr="FFFFFF"/>
+      </a:lt1>
+      <a:dk2>
+        <a:srgbClr val="44546A"/>
+      </a:dk2>
+      <a:lt2>
+        <a:srgbClr val="E7E6E6"/>
+      </a:lt2>
+      <a:accent1>
+        <a:srgbClr val="5B9BD5"/>
+      </a:accent1>
+      <a:accent2>
+        <a:srgbClr val="ED7D31"/>
+      </a:accent2>
+      <a:accent3>
+        <a:srgbClr val="A5A5A5"/>
+      </a:accent3>
+      <a:accent4>
+        <a:srgbClr val="FFC000"/>
+      </a:accent4>
+      <a:accent5>
+        <a:srgbClr val="4472C4"/>
+      </a:accent5>
+      <a:accent6>
+        <a:srgbClr val="70AD47"/>
+      </a:accent6>
+      <a:hlink>
+        <a:srgbClr val="0563C1"/>
+      </a:hlink>
+      <a:folHlink>
+        <a:srgbClr val="954F72"/>
+      </a:folHlink>
+    </a:clrScheme>
+    <a:fontScheme name="Office">
+      <a:majorFont>
+        <a:latin typeface="Calibri Light" panose="020F0302020204030204"/>
+        <a:ea typeface=""/>
+        <a:cs typeface=""/>
+        <a:font script="Jpan" typeface="游ゴシック Light"/>
+        <a:font script="Hang" typeface="맑은 고딕"/>
+        <a:font script="Hans" typeface="等线 Light"/>
+        <a:font script="Hant" typeface="新細明體"/>
+        <a:font script="Arab" typeface="Times New Roman"/>
+        <a:font script="Hebr" typeface="Times New Roman"/>
+        <a:font script="Thai" typeface="Angsana New"/>
+        <a:font script="Ethi" typeface="Nyala"/>
+        <a:font script="Beng" typeface="Vrinda"/>
+        <a:font script="Gujr" typeface="Shruti"/>
+        <a:font script="Khmr" typeface="MoolBoran"/>
+        <a:font script="Knda" typeface="Tunga"/>
+        <a:font script="Guru" typeface="Raavi"/>
+        <a:font script="Cans" typeface="Euphemia"/>
+        <a:font script="Cher" typeface="Plantagenet Cherokee"/>
+        <a:font script="Yiii" typeface="Microsoft Yi Baiti"/>
+        <a:font script="Tibt" typeface="Microsoft Himalaya"/>
+        <a:font script="Thaa" typeface="MV Boli"/>
+        <a:font script="Deva" typeface="Mangal"/>
+        <a:font script="Telu" typeface="Gautami"/>
+        <a:font script="Taml" typeface="Latha"/>
+        <a:font script="Syrc" typeface="Estrangelo Edessa"/>
+        <a:font script="Orya" typeface="Kalinga"/>
+        <a:font script="Mlym" typeface="Kartika"/>
+        <a:font script="Laoo" typeface="DokChampa"/>
+        <a:font script="Sinh" typeface="Iskoola Pota"/>
+        <a:font script="Mong" typeface="Mongolian Baiti"/>
+        <a:font script="Viet" typeface="Times New Roman"/>
+        <a:font script="Uigh" typeface="Microsoft Uighur"/>
+        <a:font script="Geor" typeface="Sylfaen"/>
+      </a:majorFont>
+      <a:minorFont>
+        <a:latin typeface="Calibri" panose="020F0502020204030204"/>
+        <a:ea typeface=""/>
+        <a:cs typeface=""/>
+        <a:font script="Jpan" typeface="游ゴシック"/>
+        <a:font script="Hang" typeface="맑은 고딕"/>
+        <a:font script="Hans" typeface="等线"/>
+        <a:font script="Hant" typeface="新細明體"/>
+        <a:font script="Arab" typeface="Arial"/>
+        <a:font script="Hebr" typeface="Arial"/>
+        <a:font script="Thai" typeface="Cordia New"/>
+        <a:font script="Ethi" typeface="Nyala"/>
+        <a:font script="Beng" typeface="Vrinda"/>
+        <a:font script="Gujr" typeface="Shruti"/>
+        <a:font script="Khmr" typeface="DaunPenh"/>
+        <a:font script="Knda" typeface="Tunga"/>
+        <a:font script="Guru" typeface="Raavi"/>
+        <a:font script="Cans" typeface="Euphemia"/>
+        <a:font script="Cher" typeface="Plantagenet Cherokee"/>
+        <a:font script="Yiii" typeface="Microsoft Yi Baiti"/>
+        <a:font script="Tibt" typeface="Microsoft Himalaya"/>
+        <a:font script="Thaa" typeface="MV Boli"/>
+        <a:font script="Deva" typeface="Mangal"/>
+        <a:font script="Telu" typeface="Gautami"/>
+        <a:font script="Taml" typeface="Latha"/>
+        <a:font script="Syrc" typeface="Estrangelo Edessa"/>
+        <a:font script="Orya" typeface="Kalinga"/>
+        <a:font script="Mlym" typeface="Kartika"/>
+        <a:font script="Laoo" typeface="DokChampa"/>
+        <a:font script="Sinh" typeface="Iskoola Pota"/>
+        <a:font script="Mong" typeface="Mongolian Baiti"/>
+        <a:font script="Viet" typeface="Arial"/>
+        <a:font script="Uigh" typeface="Microsoft Uighur"/>
+        <a:font script="Geor" typeface="Sylfaen"/>
+      </a:minorFont>
+    </a:fontScheme>
+    <a:fmtScheme name="Office">
+      <a:fillStyleLst>
+        <a:solidFill>
+          <a:schemeClr val="phClr"/>
+        </a:solidFill>
+        <a:gradFill rotWithShape="1">
+          <a:gsLst>
+            <a:gs pos="0">
+              <a:schemeClr val="phClr">
+                <a:lumMod val="110000"/>
+                <a:satMod val="105000"/>
+                <a:tint val="67000"/>
+              </a:schemeClr>
+            </a:gs>
+            <a:gs pos="50000">
+              <a:schemeClr val="phClr">
+                <a:lumMod val="105000"/>
+                <a:satMod val="103000"/>
+                <a:tint val="73000"/>
+              </a:schemeClr>
+            </a:gs>
+            <a:gs pos="100000">
+              <a:schemeClr val="phClr">
+                <a:lumMod val="105000"/>
+                <a:satMod val="109000"/>
+                <a:tint val="81000"/>
+              </a:schemeClr>
+            </a:gs>
+          </a:gsLst>
+          <a:lin ang="5400000" scaled="0"/>
+        </a:gradFill>
+        <a:gradFill rotWithShape="1">
+          <a:gsLst>
+            <a:gs pos="0">
+              <a:schemeClr val="phClr">
+                <a:satMod val="103000"/>
+                <a:lumMod val="102000"/>
+                <a:tint val="94000"/>
+              </a:schemeClr>
+            </a:gs>
+            <a:gs pos="50000">
+              <a:schemeClr val="phClr">
+                <a:satMod val="110000"/>
+                <a:lumMod val="100000"/>
+                <a:shade val="100000"/>
+              </a:schemeClr>
+            </a:gs>
+            <a:gs pos="100000">
+              <a:schemeClr val="phClr">
+                <a:lumMod val="99000"/>
+                <a:satMod val="120000"/>
+                <a:shade val="78000"/>
+              </a:schemeClr>
+            </a:gs>
+          </a:gsLst>
+          <a:lin ang="5400000" scaled="0"/>
+        </a:gradFill>
+      </a:fillStyleLst>
+      <a:lnStyleLst>
+        <a:ln w="6350" cap="flat" cmpd="sng" algn="ctr">
+          <a:solidFill>
+            <a:schemeClr val="phClr"/>
+          </a:solidFill>
+          <a:prstDash val="solid"/>
+          <a:miter lim="800000"/>
+        </a:ln>
+        <a:ln w="12700" cap="flat" cmpd="sng" algn="ctr">
+          <a:solidFill>
+            <a:schemeClr val="phClr"/>
+          </a:solidFill>
+          <a:prstDash val="solid"/>
+          <a:miter lim="800000"/>
+        </a:ln>
+        <a:ln w="19050" cap="flat" cmpd="sng" algn="ctr">
+          <a:solidFill>
+            <a:schemeClr val="phClr"/>
+          </a:solidFill>
+          <a:prstDash val="solid"/>
+          <a:miter lim="800000"/>
+        </a:ln>
+      </a:lnStyleLst>
+      <a:effectStyleLst>
+        <a:effectStyle>
+          <a:effectLst/>
+        </a:effectStyle>
+        <a:effectStyle>
+          <a:effectLst/>
+        </a:effectStyle>
+        <a:effectStyle>
+          <a:effectLst>
+            <a:outerShdw blurRad="57150" dist="19050" dir="5400000" algn="ctr" rotWithShape="0">
+              <a:srgbClr val="000000">
+                <a:alpha val="63000"/>
+              </a:srgbClr>
+            </a:outerShdw>
+          </a:effectLst>
+        </a:effectStyle>
+      </a:effectStyleLst>
+      <a:bgFillStyleLst>
+        <a:solidFill>
+          <a:schemeClr val="phClr"/>
+        </a:solidFill>
+        <a:solidFill>
+          <a:schemeClr val="phClr">
+            <a:tint val="95000"/>
+            <a:satMod val="170000"/>
+          </a:schemeClr>
+        </a:solidFill>
+        <a:gradFill rotWithShape="1">
+          <a:gsLst>
+            <a:gs pos="0">
+              <a:schemeClr val="phClr">
+                <a:tint val="93000"/>
+                <a:satMod val="150000"/>
+                <a:shade val="98000"/>
+                <a:lumMod val="102000"/>
+              </a:schemeClr>
+            </a:gs>
+            <a:gs pos="50000">
+              <a:schemeClr val="phClr">
+                <a:tint val="98000"/>
+                <a:satMod val="130000"/>
+                <a:shade val="90000"/>
+                <a:lumMod val="103000"/>
+              </a:schemeClr>
+            </a:gs>
+            <a:gs pos="100000">
+              <a:schemeClr val="phClr">
+                <a:shade val="63000"/>
+                <a:satMod val="120000"/>
+              </a:schemeClr>
+            </a:gs>
+          </a:gsLst>
+          <a:lin ang="5400000" scaled="0"/>
+        </a:gradFill>
+      </a:bgFillStyleLst>
+    </a:fmtScheme>
+  </a:themeElements>
+  <a:objectDefaults/>
+  <a:extraClrSchemeLst/>
+  <a:extLst>
+    <a:ext uri="{05A4C25C-085E-4340-85A3-A5531E510DB2}">
+      <thm15:themeFamily xmlns:thm15="http://schemas.microsoft.com/office/thememl/2012/main" name="Office Theme" id="{62F939B6-93AF-4DB8-9C6B-D6C7DFDC589F}" vid="{4A3C46E8-61CC-4603-A589-7422A47A8E4A}"/>
+    </a:ext>
+  </a:extLst>
+</a:theme>
 </file>
--- a/Solidworks/Projektarbeit.pptx
+++ b/Solidworks/Projektarbeit.pptx
@@ -5,7 +5,7 @@
     <p:sldMasterId id="2147483695" r:id="rId1"/>
   </p:sldMasterIdLst>
   <p:notesMasterIdLst>
-    <p:notesMasterId r:id="rId19"/>
+    <p:notesMasterId r:id="rId18"/>
   </p:notesMasterIdLst>
   <p:sldIdLst>
     <p:sldId id="256" r:id="rId2"/>
@@ -21,10 +21,9 @@
     <p:sldId id="267" r:id="rId12"/>
     <p:sldId id="266" r:id="rId13"/>
     <p:sldId id="268" r:id="rId14"/>
-    <p:sldId id="269" r:id="rId15"/>
-    <p:sldId id="271" r:id="rId16"/>
-    <p:sldId id="272" r:id="rId17"/>
-    <p:sldId id="270" r:id="rId18"/>
+    <p:sldId id="271" r:id="rId15"/>
+    <p:sldId id="269" r:id="rId16"/>
+    <p:sldId id="270" r:id="rId17"/>
   </p:sldIdLst>
   <p:sldSz cx="12192000" cy="6858000"/>
   <p:notesSz cx="6858000" cy="9144000"/>
@@ -277,38 +276,37 @@
           <a:p>
             <a:pPr lvl="0"/>
             <a:r>
-              <a:rPr lang="de-DE" smtClean="0"/>
+              <a:rPr lang="de-DE"/>
               <a:t>Formatvorlagen des Textmasters bearbeiten</a:t>
             </a:r>
           </a:p>
           <a:p>
             <a:pPr lvl="1"/>
             <a:r>
-              <a:rPr lang="de-DE" smtClean="0"/>
+              <a:rPr lang="de-DE"/>
               <a:t>Zweite Ebene</a:t>
             </a:r>
           </a:p>
           <a:p>
             <a:pPr lvl="2"/>
             <a:r>
-              <a:rPr lang="de-DE" smtClean="0"/>
+              <a:rPr lang="de-DE"/>
               <a:t>Dritte Ebene</a:t>
             </a:r>
           </a:p>
           <a:p>
             <a:pPr lvl="3"/>
             <a:r>
-              <a:rPr lang="de-DE" smtClean="0"/>
+              <a:rPr lang="de-DE"/>
               <a:t>Vierte Ebene</a:t>
             </a:r>
           </a:p>
           <a:p>
             <a:pPr lvl="4"/>
             <a:r>
-              <a:rPr lang="de-DE" smtClean="0"/>
+              <a:rPr lang="de-DE"/>
               <a:t>Fünfte Ebene</a:t>
             </a:r>
-            <a:endParaRPr lang="de-DE"/>
           </a:p>
         </p:txBody>
       </p:sp>
@@ -4207,10 +4205,6 @@
               <a:rPr lang="de-DE" sz="3600" b="1" dirty="0"/>
               <a:t>-Tempomessgerät</a:t>
             </a:r>
-            <a:r>
-              <a:rPr lang="de-DE" b="1" dirty="0"/>
-              <a:t/>
-            </a:r>
             <a:br>
               <a:rPr lang="de-DE" b="1" dirty="0"/>
             </a:br>
@@ -4325,9 +4319,38 @@
           </a:p>
         </p:txBody>
       </p:sp>
+      <p:sp>
+        <p:nvSpPr>
+          <p:cNvPr id="3" name="Foliennummernplatzhalter 2"/>
+          <p:cNvSpPr>
+            <a:spLocks noGrp="1"/>
+          </p:cNvSpPr>
+          <p:nvPr>
+            <p:ph type="sldNum" sz="quarter" idx="12"/>
+          </p:nvPr>
+        </p:nvSpPr>
+        <p:spPr/>
+        <p:txBody>
+          <a:bodyPr/>
+          <a:lstStyle/>
+          <a:p>
+            <a:fld id="{D57F1E4F-1CFF-5643-939E-02111984F565}" type="slidenum">
+              <a:rPr lang="en-US" smtClean="0"/>
+              <a:t>10</a:t>
+            </a:fld>
+            <a:endParaRPr lang="en-US" dirty="0"/>
+          </a:p>
+        </p:txBody>
+      </p:sp>
       <p:pic>
         <p:nvPicPr>
-          <p:cNvPr id="4" name="Inhaltsplatzhalter 3"/>
+          <p:cNvPr id="9" name="Inhaltsplatzhalter 8">
+            <a:extLst>
+              <a:ext uri="{FF2B5EF4-FFF2-40B4-BE49-F238E27FC236}">
+                <a16:creationId xmlns:a16="http://schemas.microsoft.com/office/drawing/2014/main" id="{3BC688B4-D8F7-C186-C744-8480C71F8887}"/>
+              </a:ext>
+            </a:extLst>
+          </p:cNvPr>
           <p:cNvPicPr>
             <a:picLocks noGrp="1" noChangeAspect="1"/>
           </p:cNvPicPr>
@@ -4336,47 +4359,18 @@
           </p:nvPr>
         </p:nvPicPr>
         <p:blipFill>
-          <a:blip r:embed="rId2">
-            <a:extLst>
-              <a:ext uri="{28A0092B-C50C-407E-A947-70E740481C1C}">
-                <a14:useLocalDpi xmlns:a14="http://schemas.microsoft.com/office/drawing/2010/main" val="0"/>
-              </a:ext>
-            </a:extLst>
-          </a:blip>
+          <a:blip r:embed="rId2"/>
           <a:stretch>
             <a:fillRect/>
           </a:stretch>
         </p:blipFill>
         <p:spPr>
           <a:xfrm>
-            <a:off x="2941550" y="1903543"/>
-            <a:ext cx="6369860" cy="4002395"/>
+            <a:off x="1097280" y="1873972"/>
+            <a:ext cx="8798740" cy="4022725"/>
           </a:xfrm>
         </p:spPr>
       </p:pic>
-      <p:sp>
-        <p:nvSpPr>
-          <p:cNvPr id="3" name="Foliennummernplatzhalter 2"/>
-          <p:cNvSpPr>
-            <a:spLocks noGrp="1"/>
-          </p:cNvSpPr>
-          <p:nvPr>
-            <p:ph type="sldNum" sz="quarter" idx="12"/>
-          </p:nvPr>
-        </p:nvSpPr>
-        <p:spPr/>
-        <p:txBody>
-          <a:bodyPr/>
-          <a:lstStyle/>
-          <a:p>
-            <a:fld id="{D57F1E4F-1CFF-5643-939E-02111984F565}" type="slidenum">
-              <a:rPr lang="en-US" smtClean="0"/>
-              <a:t>10</a:t>
-            </a:fld>
-            <a:endParaRPr lang="en-US" dirty="0"/>
-          </a:p>
-        </p:txBody>
-      </p:sp>
     </p:spTree>
     <p:extLst>
       <p:ext uri="{BB962C8B-B14F-4D97-AF65-F5344CB8AC3E}">
@@ -4631,12 +4625,35 @@
           </a:p>
         </p:txBody>
       </p:sp>
+      <p:sp>
+        <p:nvSpPr>
+          <p:cNvPr id="3" name="Foliennummernplatzhalter 2"/>
+          <p:cNvSpPr>
+            <a:spLocks noGrp="1"/>
+          </p:cNvSpPr>
+          <p:nvPr>
+            <p:ph type="sldNum" sz="quarter" idx="12"/>
+          </p:nvPr>
+        </p:nvSpPr>
+        <p:spPr/>
+        <p:txBody>
+          <a:bodyPr/>
+          <a:lstStyle/>
+          <a:p>
+            <a:fld id="{D57F1E4F-1CFF-5643-939E-02111984F565}" type="slidenum">
+              <a:rPr lang="en-US" smtClean="0"/>
+              <a:t>13</a:t>
+            </a:fld>
+            <a:endParaRPr lang="en-US" dirty="0"/>
+          </a:p>
+        </p:txBody>
+      </p:sp>
       <p:pic>
         <p:nvPicPr>
-          <p:cNvPr id="11" name="Grafik 10">
+          <p:cNvPr id="9" name="Grafik 8" descr="Ein Bild, das Text, Screenshot, Quittung, Dokument enthält.&#10;&#10;Automatisch generierte Beschreibung">
             <a:extLst>
               <a:ext uri="{FF2B5EF4-FFF2-40B4-BE49-F238E27FC236}">
-                <a16:creationId xmlns:a16="http://schemas.microsoft.com/office/drawing/2014/main" id="{B7D3D184-615F-77FD-4036-3C293B0EE423}"/>
+                <a16:creationId xmlns:a16="http://schemas.microsoft.com/office/drawing/2014/main" id="{079AFB32-77FD-6026-5E26-36E98FA9CDC5}"/>
               </a:ext>
             </a:extLst>
           </p:cNvPr>
@@ -4653,37 +4670,14 @@
         </p:blipFill>
         <p:spPr>
           <a:xfrm>
-            <a:off x="1457860" y="2131344"/>
-            <a:ext cx="9276279" cy="2609936"/>
+            <a:off x="1097280" y="1972492"/>
+            <a:ext cx="9628454" cy="3942941"/>
           </a:xfrm>
           <a:prstGeom prst="rect">
             <a:avLst/>
           </a:prstGeom>
         </p:spPr>
       </p:pic>
-      <p:sp>
-        <p:nvSpPr>
-          <p:cNvPr id="3" name="Foliennummernplatzhalter 2"/>
-          <p:cNvSpPr>
-            <a:spLocks noGrp="1"/>
-          </p:cNvSpPr>
-          <p:nvPr>
-            <p:ph type="sldNum" sz="quarter" idx="12"/>
-          </p:nvPr>
-        </p:nvSpPr>
-        <p:spPr/>
-        <p:txBody>
-          <a:bodyPr/>
-          <a:lstStyle/>
-          <a:p>
-            <a:fld id="{D57F1E4F-1CFF-5643-939E-02111984F565}" type="slidenum">
-              <a:rPr lang="en-US" smtClean="0"/>
-              <a:t>13</a:t>
-            </a:fld>
-            <a:endParaRPr lang="en-US" dirty="0"/>
-          </a:p>
-        </p:txBody>
-      </p:sp>
     </p:spTree>
     <p:extLst>
       <p:ext uri="{BB962C8B-B14F-4D97-AF65-F5344CB8AC3E}">
@@ -4731,7 +4725,7 @@
           <a:p>
             <a:r>
               <a:rPr lang="de-DE" b="1" dirty="0"/>
-              <a:t>Zusammenfassung</a:t>
+              <a:t>Live Präsentation</a:t>
             </a:r>
           </a:p>
         </p:txBody>
@@ -4748,76 +4742,8 @@
         </p:nvSpPr>
         <p:spPr/>
         <p:txBody>
-          <a:bodyPr>
-            <a:normAutofit/>
-          </a:bodyPr>
-          <a:lstStyle/>
-          <a:p>
-            <a:r>
-              <a:rPr lang="de-DE" b="1" dirty="0"/>
-              <a:t>Folgende Kompetenzen wurden erlernt: </a:t>
-            </a:r>
-          </a:p>
-          <a:p>
-            <a:pPr>
-              <a:buFont typeface="Arial" panose="020B0604020202020204" pitchFamily="34" charset="0"/>
-              <a:buChar char="•"/>
-            </a:pPr>
-            <a:r>
-              <a:rPr lang="de-DE" sz="2800" dirty="0"/>
-              <a:t> Projektplanung und Zeitmanagement</a:t>
-            </a:r>
-          </a:p>
-          <a:p>
-            <a:pPr>
-              <a:buFont typeface="Arial" panose="020B0604020202020204" pitchFamily="34" charset="0"/>
-              <a:buChar char="•"/>
-            </a:pPr>
-            <a:r>
-              <a:rPr lang="de-DE" sz="2800" dirty="0"/>
-              <a:t> CAD Konstruktion für 3D Druck</a:t>
-            </a:r>
-          </a:p>
-          <a:p>
-            <a:pPr>
-              <a:buFont typeface="Arial" panose="020B0604020202020204" pitchFamily="34" charset="0"/>
-              <a:buChar char="•"/>
-            </a:pPr>
-            <a:r>
-              <a:rPr lang="de-DE" sz="2800" dirty="0"/>
-              <a:t> 3D Druck</a:t>
-            </a:r>
-          </a:p>
-          <a:p>
-            <a:pPr>
-              <a:buFont typeface="Arial" panose="020B0604020202020204" pitchFamily="34" charset="0"/>
-              <a:buChar char="•"/>
-            </a:pPr>
-            <a:r>
-              <a:rPr lang="de-DE" sz="2800" dirty="0"/>
-              <a:t> Löten</a:t>
-            </a:r>
-          </a:p>
-          <a:p>
-            <a:pPr>
-              <a:buFont typeface="Arial" panose="020B0604020202020204" pitchFamily="34" charset="0"/>
-              <a:buChar char="•"/>
-            </a:pPr>
-            <a:r>
-              <a:rPr lang="de-DE" sz="2800" dirty="0"/>
-              <a:t> Ansteuerung von WS2812 LEDs</a:t>
-            </a:r>
-          </a:p>
-          <a:p>
-            <a:pPr>
-              <a:buFont typeface="Arial" panose="020B0604020202020204" pitchFamily="34" charset="0"/>
-              <a:buChar char="•"/>
-            </a:pPr>
-            <a:r>
-              <a:rPr lang="de-DE" sz="2800" dirty="0"/>
-              <a:t> Bau eines Kabels</a:t>
-            </a:r>
-          </a:p>
+          <a:bodyPr/>
+          <a:lstStyle/>
           <a:p>
             <a:endParaRPr lang="de-DE" dirty="0"/>
           </a:p>
@@ -4849,7 +4775,7 @@
     </p:spTree>
     <p:extLst>
       <p:ext uri="{BB962C8B-B14F-4D97-AF65-F5344CB8AC3E}">
-        <p14:creationId xmlns:p14="http://schemas.microsoft.com/office/powerpoint/2010/main" val="1709376053"/>
+        <p14:creationId xmlns:p14="http://schemas.microsoft.com/office/powerpoint/2010/main" val="2123385182"/>
       </p:ext>
     </p:extLst>
   </p:cSld>
@@ -4893,7 +4819,7 @@
           <a:p>
             <a:r>
               <a:rPr lang="de-DE" b="1" dirty="0"/>
-              <a:t>Live Präsentation</a:t>
+              <a:t>Zusammenfassung</a:t>
             </a:r>
           </a:p>
         </p:txBody>
@@ -4910,8 +4836,76 @@
         </p:nvSpPr>
         <p:spPr/>
         <p:txBody>
-          <a:bodyPr/>
-          <a:lstStyle/>
+          <a:bodyPr>
+            <a:normAutofit/>
+          </a:bodyPr>
+          <a:lstStyle/>
+          <a:p>
+            <a:r>
+              <a:rPr lang="de-DE" b="1" dirty="0"/>
+              <a:t>Folgende Kompetenzen wurden erlernt: </a:t>
+            </a:r>
+          </a:p>
+          <a:p>
+            <a:pPr>
+              <a:buFont typeface="Arial" panose="020B0604020202020204" pitchFamily="34" charset="0"/>
+              <a:buChar char="•"/>
+            </a:pPr>
+            <a:r>
+              <a:rPr lang="de-DE" sz="2800" dirty="0"/>
+              <a:t> Projektplanung und Zeitmanagement</a:t>
+            </a:r>
+          </a:p>
+          <a:p>
+            <a:pPr>
+              <a:buFont typeface="Arial" panose="020B0604020202020204" pitchFamily="34" charset="0"/>
+              <a:buChar char="•"/>
+            </a:pPr>
+            <a:r>
+              <a:rPr lang="de-DE" sz="2800" dirty="0"/>
+              <a:t> CAD Konstruktion für 3D Druck</a:t>
+            </a:r>
+          </a:p>
+          <a:p>
+            <a:pPr>
+              <a:buFont typeface="Arial" panose="020B0604020202020204" pitchFamily="34" charset="0"/>
+              <a:buChar char="•"/>
+            </a:pPr>
+            <a:r>
+              <a:rPr lang="de-DE" sz="2800" dirty="0"/>
+              <a:t> 3D Druck</a:t>
+            </a:r>
+          </a:p>
+          <a:p>
+            <a:pPr>
+              <a:buFont typeface="Arial" panose="020B0604020202020204" pitchFamily="34" charset="0"/>
+              <a:buChar char="•"/>
+            </a:pPr>
+            <a:r>
+              <a:rPr lang="de-DE" sz="2800" dirty="0"/>
+              <a:t> Löten</a:t>
+            </a:r>
+          </a:p>
+          <a:p>
+            <a:pPr>
+              <a:buFont typeface="Arial" panose="020B0604020202020204" pitchFamily="34" charset="0"/>
+              <a:buChar char="•"/>
+            </a:pPr>
+            <a:r>
+              <a:rPr lang="de-DE" sz="2800" dirty="0"/>
+              <a:t> Ansteuerung von WS2812 LEDs</a:t>
+            </a:r>
+          </a:p>
+          <a:p>
+            <a:pPr>
+              <a:buFont typeface="Arial" panose="020B0604020202020204" pitchFamily="34" charset="0"/>
+              <a:buChar char="•"/>
+            </a:pPr>
+            <a:r>
+              <a:rPr lang="de-DE" sz="2800" dirty="0"/>
+              <a:t> Bau eines Kabels</a:t>
+            </a:r>
+          </a:p>
           <a:p>
             <a:endParaRPr lang="de-DE" dirty="0"/>
           </a:p>
@@ -4943,7 +4937,7 @@
     </p:spTree>
     <p:extLst>
       <p:ext uri="{BB962C8B-B14F-4D97-AF65-F5344CB8AC3E}">
-        <p14:creationId xmlns:p14="http://schemas.microsoft.com/office/powerpoint/2010/main" val="2123385182"/>
+        <p14:creationId xmlns:p14="http://schemas.microsoft.com/office/powerpoint/2010/main" val="1709376053"/>
       </p:ext>
     </p:extLst>
   </p:cSld>
@@ -4986,10 +4980,9 @@
           <a:lstStyle/>
           <a:p>
             <a:r>
-              <a:rPr lang="de-DE" b="1" dirty="0" smtClean="0"/>
-              <a:t>Zusammenfassung</a:t>
-            </a:r>
-            <a:endParaRPr lang="de-DE" b="1" dirty="0"/>
+              <a:rPr lang="de-DE" b="1" dirty="0"/>
+              <a:t>Ergebnis</a:t>
+            </a:r>
           </a:p>
         </p:txBody>
       </p:sp>
@@ -5010,92 +5003,73 @@
           <a:p>
             <a:r>
               <a:rPr lang="de-DE" dirty="0"/>
-              <a:t>Das Team hat die folgenden Kompetenzen erlernt: </a:t>
-            </a:r>
-          </a:p>
-          <a:p>
-            <a:pPr>
-              <a:buFont typeface="Arial" panose="020B0604020202020204" pitchFamily="34" charset="0"/>
-              <a:buChar char="•"/>
+              <a:t>- Smiley Gesicht nicht eingebaut</a:t>
+            </a:r>
+          </a:p>
+          <a:p>
+            <a:r>
+              <a:rPr lang="de-DE" dirty="0"/>
+              <a:t>- Km/h nicht auf dem Schild beschriftet</a:t>
+            </a:r>
+          </a:p>
+          <a:p>
+            <a:r>
+              <a:rPr lang="de-DE" dirty="0"/>
+              <a:t>- Kleineres Gehäuse</a:t>
+            </a:r>
+          </a:p>
+          <a:p>
+            <a:r>
+              <a:rPr lang="de-DE" dirty="0"/>
+              <a:t>- Sensor funktioniert nicht einwandfrei</a:t>
+            </a:r>
+          </a:p>
+          <a:p>
+            <a:endParaRPr lang="de-DE" dirty="0"/>
+          </a:p>
+          <a:p>
+            <a:pPr marL="0" indent="0">
+              <a:buNone/>
             </a:pPr>
             <a:r>
-              <a:rPr lang="de-DE" dirty="0" smtClean="0"/>
-              <a:t> Projektplanung </a:t>
-            </a:r>
-            <a:r>
               <a:rPr lang="de-DE" dirty="0"/>
-              <a:t>und Zeitmanagement</a:t>
-            </a:r>
-          </a:p>
-          <a:p>
-            <a:pPr>
-              <a:buFont typeface="Arial" panose="020B0604020202020204" pitchFamily="34" charset="0"/>
-              <a:buChar char="•"/>
+              <a:t>+ </a:t>
+            </a:r>
+            <a:r>
+              <a:rPr lang="de-DE" dirty="0" err="1"/>
+              <a:t>LED‘s</a:t>
+            </a:r>
+            <a:r>
+              <a:rPr lang="de-DE" dirty="0"/>
+              <a:t> zeigen die gewünschte Zahl an</a:t>
+            </a:r>
+          </a:p>
+          <a:p>
+            <a:pPr marL="0" indent="0">
+              <a:buNone/>
             </a:pPr>
             <a:r>
-              <a:rPr lang="de-DE" dirty="0" smtClean="0"/>
-              <a:t> CAD </a:t>
-            </a:r>
-            <a:r>
               <a:rPr lang="de-DE" dirty="0"/>
-              <a:t>Konstruktion für 3D Druck</a:t>
-            </a:r>
-          </a:p>
-          <a:p>
-            <a:pPr>
-              <a:buFont typeface="Arial" panose="020B0604020202020204" pitchFamily="34" charset="0"/>
-              <a:buChar char="•"/>
+              <a:t>+ Gehäuse ist stabil und transportabel</a:t>
+            </a:r>
+          </a:p>
+          <a:p>
+            <a:pPr marL="0" indent="0">
+              <a:buNone/>
             </a:pPr>
             <a:r>
-              <a:rPr lang="de-DE" dirty="0" smtClean="0"/>
-              <a:t> 3D </a:t>
-            </a:r>
-            <a:r>
               <a:rPr lang="de-DE" dirty="0"/>
-              <a:t>Druck</a:t>
-            </a:r>
-          </a:p>
-          <a:p>
-            <a:pPr>
-              <a:buFont typeface="Arial" panose="020B0604020202020204" pitchFamily="34" charset="0"/>
-              <a:buChar char="•"/>
+              <a:t>+ Autos können erfasst werden</a:t>
+            </a:r>
+          </a:p>
+          <a:p>
+            <a:pPr marL="0" indent="0">
+              <a:buNone/>
             </a:pPr>
             <a:r>
-              <a:rPr lang="de-DE" dirty="0" smtClean="0"/>
-              <a:t> Löten</a:t>
-            </a:r>
-            <a:endParaRPr lang="de-DE" dirty="0"/>
-          </a:p>
-          <a:p>
-            <a:pPr>
-              <a:buFont typeface="Arial" panose="020B0604020202020204" pitchFamily="34" charset="0"/>
-              <a:buChar char="•"/>
-            </a:pPr>
-            <a:r>
-              <a:rPr lang="de-DE" dirty="0" smtClean="0"/>
-              <a:t> Ansteuerung </a:t>
-            </a:r>
-            <a:r>
               <a:rPr lang="de-DE" dirty="0"/>
-              <a:t>von WS2812 LEDs</a:t>
-            </a:r>
-          </a:p>
-          <a:p>
-            <a:pPr>
-              <a:buFont typeface="Arial" panose="020B0604020202020204" pitchFamily="34" charset="0"/>
-              <a:buChar char="•"/>
-            </a:pPr>
-            <a:r>
-              <a:rPr lang="de-DE" dirty="0" smtClean="0"/>
-              <a:t> Bau </a:t>
-            </a:r>
-            <a:r>
-              <a:rPr lang="de-DE" dirty="0"/>
-              <a:t>eines Kabels</a:t>
-            </a:r>
-          </a:p>
-          <a:p>
-            <a:endParaRPr lang="de-DE" dirty="0"/>
+              <a:t>+ Geschwindigkeit wird zur Anzeige übertragen</a:t>
+            </a:r>
           </a:p>
         </p:txBody>
       </p:sp>
@@ -5117,169 +5091,6 @@
             <a:fld id="{D57F1E4F-1CFF-5643-939E-02111984F565}" type="slidenum">
               <a:rPr lang="en-US" smtClean="0"/>
               <a:t>16</a:t>
-            </a:fld>
-            <a:endParaRPr lang="en-US" dirty="0"/>
-          </a:p>
-        </p:txBody>
-      </p:sp>
-    </p:spTree>
-    <p:extLst>
-      <p:ext uri="{BB962C8B-B14F-4D97-AF65-F5344CB8AC3E}">
-        <p14:creationId xmlns:p14="http://schemas.microsoft.com/office/powerpoint/2010/main" val="2444624569"/>
-      </p:ext>
-    </p:extLst>
-  </p:cSld>
-  <p:clrMapOvr>
-    <a:masterClrMapping/>
-  </p:clrMapOvr>
-</p:sld>
-</file>
-
-<file path=ppt/slides/slide17.xml><?xml version="1.0" encoding="utf-8"?>
-<p:sld xmlns:a="http://schemas.openxmlformats.org/drawingml/2006/main" xmlns:r="http://schemas.openxmlformats.org/officeDocument/2006/relationships" xmlns:p="http://schemas.openxmlformats.org/presentationml/2006/main">
-  <p:cSld>
-    <p:spTree>
-      <p:nvGrpSpPr>
-        <p:cNvPr id="1" name=""/>
-        <p:cNvGrpSpPr/>
-        <p:nvPr/>
-      </p:nvGrpSpPr>
-      <p:grpSpPr>
-        <a:xfrm>
-          <a:off x="0" y="0"/>
-          <a:ext cx="0" cy="0"/>
-          <a:chOff x="0" y="0"/>
-          <a:chExt cx="0" cy="0"/>
-        </a:xfrm>
-      </p:grpSpPr>
-      <p:sp>
-        <p:nvSpPr>
-          <p:cNvPr id="2" name="Titel 1"/>
-          <p:cNvSpPr>
-            <a:spLocks noGrp="1"/>
-          </p:cNvSpPr>
-          <p:nvPr>
-            <p:ph type="title"/>
-          </p:nvPr>
-        </p:nvSpPr>
-        <p:spPr/>
-        <p:txBody>
-          <a:bodyPr/>
-          <a:lstStyle/>
-          <a:p>
-            <a:r>
-              <a:rPr lang="de-DE" b="1" dirty="0"/>
-              <a:t>Ergebnis</a:t>
-            </a:r>
-          </a:p>
-        </p:txBody>
-      </p:sp>
-      <p:sp>
-        <p:nvSpPr>
-          <p:cNvPr id="3" name="Inhaltsplatzhalter 2"/>
-          <p:cNvSpPr>
-            <a:spLocks noGrp="1"/>
-          </p:cNvSpPr>
-          <p:nvPr>
-            <p:ph idx="1"/>
-          </p:nvPr>
-        </p:nvSpPr>
-        <p:spPr/>
-        <p:txBody>
-          <a:bodyPr/>
-          <a:lstStyle/>
-          <a:p>
-            <a:r>
-              <a:rPr lang="de-DE" dirty="0" smtClean="0"/>
-              <a:t>- Smiley Gesicht nicht eingebaut</a:t>
-            </a:r>
-          </a:p>
-          <a:p>
-            <a:r>
-              <a:rPr lang="de-DE" dirty="0" smtClean="0"/>
-              <a:t>- Km/h nicht auf dem Schild beschriftet</a:t>
-            </a:r>
-          </a:p>
-          <a:p>
-            <a:r>
-              <a:rPr lang="de-DE" dirty="0" smtClean="0"/>
-              <a:t>- Kleineres Gehäuse</a:t>
-            </a:r>
-          </a:p>
-          <a:p>
-            <a:r>
-              <a:rPr lang="de-DE" dirty="0" smtClean="0"/>
-              <a:t>- Sensor funktioniert nicht einwandfrei</a:t>
-            </a:r>
-          </a:p>
-          <a:p>
-            <a:endParaRPr lang="de-DE" dirty="0"/>
-          </a:p>
-          <a:p>
-            <a:pPr marL="0" indent="0">
-              <a:buNone/>
-            </a:pPr>
-            <a:r>
-              <a:rPr lang="de-DE" dirty="0" smtClean="0"/>
-              <a:t>+ </a:t>
-            </a:r>
-            <a:r>
-              <a:rPr lang="de-DE" dirty="0" err="1" smtClean="0"/>
-              <a:t>LEDS‘s</a:t>
-            </a:r>
-            <a:r>
-              <a:rPr lang="de-DE" dirty="0" smtClean="0"/>
-              <a:t> zeigt die gewünschte Zahl an</a:t>
-            </a:r>
-          </a:p>
-          <a:p>
-            <a:pPr marL="0" indent="0">
-              <a:buNone/>
-            </a:pPr>
-            <a:r>
-              <a:rPr lang="de-DE" dirty="0" smtClean="0"/>
-              <a:t>+ Gehäuse ist stabil und transportabel</a:t>
-            </a:r>
-          </a:p>
-          <a:p>
-            <a:pPr marL="0" indent="0">
-              <a:buNone/>
-            </a:pPr>
-            <a:r>
-              <a:rPr lang="de-DE" dirty="0" smtClean="0"/>
-              <a:t>+ Autos können erfasst werden</a:t>
-            </a:r>
-          </a:p>
-          <a:p>
-            <a:pPr marL="0" indent="0">
-              <a:buNone/>
-            </a:pPr>
-            <a:r>
-              <a:rPr lang="de-DE" dirty="0" smtClean="0"/>
-              <a:t>+ Geschwindigkeit wird zur Anzeige übertragen</a:t>
-            </a:r>
-            <a:endParaRPr lang="de-DE" dirty="0"/>
-          </a:p>
-        </p:txBody>
-      </p:sp>
-      <p:sp>
-        <p:nvSpPr>
-          <p:cNvPr id="4" name="Foliennummernplatzhalter 3"/>
-          <p:cNvSpPr>
-            <a:spLocks noGrp="1"/>
-          </p:cNvSpPr>
-          <p:nvPr>
-            <p:ph type="sldNum" sz="quarter" idx="12"/>
-          </p:nvPr>
-        </p:nvSpPr>
-        <p:spPr/>
-        <p:txBody>
-          <a:bodyPr/>
-          <a:lstStyle/>
-          <a:p>
-            <a:fld id="{D57F1E4F-1CFF-5643-939E-02111984F565}" type="slidenum">
-              <a:rPr lang="en-US" smtClean="0"/>
-              <a:t>17</a:t>
             </a:fld>
             <a:endParaRPr lang="en-US" dirty="0"/>
           </a:p>
@@ -6179,9 +5990,10 @@
           <a:lstStyle/>
           <a:p>
             <a:r>
-              <a:rPr lang="de-DE" b="1" dirty="0"/>
-              <a:t>PWM</a:t>
-            </a:r>
+              <a:rPr lang="de-DE" b="1"/>
+              <a:t>PWM </a:t>
+            </a:r>
+            <a:endParaRPr lang="de-DE" b="1" dirty="0"/>
           </a:p>
         </p:txBody>
       </p:sp>

--- a/Solidworks/Projektarbeit.pptx
+++ b/Solidworks/Projektarbeit.pptx
@@ -5,7 +5,7 @@
     <p:sldMasterId id="2147483695" r:id="rId1"/>
   </p:sldMasterIdLst>
   <p:notesMasterIdLst>
-    <p:notesMasterId r:id="rId18"/>
+    <p:notesMasterId r:id="rId22"/>
   </p:notesMasterIdLst>
   <p:sldIdLst>
     <p:sldId id="256" r:id="rId2"/>
@@ -16,14 +16,18 @@
     <p:sldId id="261" r:id="rId7"/>
     <p:sldId id="262" r:id="rId8"/>
     <p:sldId id="263" r:id="rId9"/>
-    <p:sldId id="264" r:id="rId10"/>
-    <p:sldId id="265" r:id="rId11"/>
-    <p:sldId id="267" r:id="rId12"/>
-    <p:sldId id="266" r:id="rId13"/>
-    <p:sldId id="268" r:id="rId14"/>
-    <p:sldId id="271" r:id="rId15"/>
-    <p:sldId id="269" r:id="rId16"/>
-    <p:sldId id="270" r:id="rId17"/>
+    <p:sldId id="265" r:id="rId10"/>
+    <p:sldId id="264" r:id="rId11"/>
+    <p:sldId id="273" r:id="rId12"/>
+    <p:sldId id="274" r:id="rId13"/>
+    <p:sldId id="275" r:id="rId14"/>
+    <p:sldId id="267" r:id="rId15"/>
+    <p:sldId id="266" r:id="rId16"/>
+    <p:sldId id="268" r:id="rId17"/>
+    <p:sldId id="271" r:id="rId18"/>
+    <p:sldId id="269" r:id="rId19"/>
+    <p:sldId id="270" r:id="rId20"/>
+    <p:sldId id="272" r:id="rId21"/>
   </p:sldIdLst>
   <p:sldSz cx="12192000" cy="6858000"/>
   <p:notesSz cx="6858000" cy="9144000"/>
@@ -4313,44 +4317,16 @@
           <a:lstStyle/>
           <a:p>
             <a:r>
-              <a:rPr lang="de-DE" b="1" dirty="0"/>
-              <a:t>Elektronik</a:t>
-            </a:r>
-          </a:p>
-        </p:txBody>
-      </p:sp>
-      <p:sp>
-        <p:nvSpPr>
-          <p:cNvPr id="3" name="Foliennummernplatzhalter 2"/>
-          <p:cNvSpPr>
-            <a:spLocks noGrp="1"/>
-          </p:cNvSpPr>
-          <p:nvPr>
-            <p:ph type="sldNum" sz="quarter" idx="12"/>
-          </p:nvPr>
-        </p:nvSpPr>
-        <p:spPr/>
-        <p:txBody>
-          <a:bodyPr/>
-          <a:lstStyle/>
-          <a:p>
-            <a:fld id="{D57F1E4F-1CFF-5643-939E-02111984F565}" type="slidenum">
-              <a:rPr lang="en-US" smtClean="0"/>
-              <a:t>10</a:t>
-            </a:fld>
-            <a:endParaRPr lang="en-US" dirty="0"/>
+              <a:rPr lang="de-DE" b="1"/>
+              <a:t>PWM </a:t>
+            </a:r>
+            <a:endParaRPr lang="de-DE" b="1" dirty="0"/>
           </a:p>
         </p:txBody>
       </p:sp>
       <p:pic>
         <p:nvPicPr>
-          <p:cNvPr id="9" name="Inhaltsplatzhalter 8">
-            <a:extLst>
-              <a:ext uri="{FF2B5EF4-FFF2-40B4-BE49-F238E27FC236}">
-                <a16:creationId xmlns:a16="http://schemas.microsoft.com/office/drawing/2014/main" id="{3BC688B4-D8F7-C186-C744-8480C71F8887}"/>
-              </a:ext>
-            </a:extLst>
-          </p:cNvPr>
+          <p:cNvPr id="4" name="Inhaltsplatzhalter 3"/>
           <p:cNvPicPr>
             <a:picLocks noGrp="1" noChangeAspect="1"/>
           </p:cNvPicPr>
@@ -4359,22 +4335,51 @@
           </p:nvPr>
         </p:nvPicPr>
         <p:blipFill>
-          <a:blip r:embed="rId2"/>
+          <a:blip r:embed="rId2">
+            <a:extLst>
+              <a:ext uri="{28A0092B-C50C-407E-A947-70E740481C1C}">
+                <a14:useLocalDpi xmlns:a14="http://schemas.microsoft.com/office/drawing/2010/main" val="0"/>
+              </a:ext>
+            </a:extLst>
+          </a:blip>
           <a:stretch>
             <a:fillRect/>
           </a:stretch>
         </p:blipFill>
         <p:spPr>
           <a:xfrm>
-            <a:off x="1097280" y="1873972"/>
-            <a:ext cx="8798740" cy="4022725"/>
+            <a:off x="1097280" y="2420709"/>
+            <a:ext cx="8183650" cy="3280294"/>
           </a:xfrm>
         </p:spPr>
       </p:pic>
+      <p:sp>
+        <p:nvSpPr>
+          <p:cNvPr id="3" name="Foliennummernplatzhalter 2"/>
+          <p:cNvSpPr>
+            <a:spLocks noGrp="1"/>
+          </p:cNvSpPr>
+          <p:nvPr>
+            <p:ph type="sldNum" sz="quarter" idx="12"/>
+          </p:nvPr>
+        </p:nvSpPr>
+        <p:spPr/>
+        <p:txBody>
+          <a:bodyPr/>
+          <a:lstStyle/>
+          <a:p>
+            <a:fld id="{D57F1E4F-1CFF-5643-939E-02111984F565}" type="slidenum">
+              <a:rPr lang="en-US" smtClean="0"/>
+              <a:t>10</a:t>
+            </a:fld>
+            <a:endParaRPr lang="en-US" dirty="0"/>
+          </a:p>
+        </p:txBody>
+      </p:sp>
     </p:spTree>
     <p:extLst>
       <p:ext uri="{BB962C8B-B14F-4D97-AF65-F5344CB8AC3E}">
-        <p14:creationId xmlns:p14="http://schemas.microsoft.com/office/powerpoint/2010/main" val="4014923762"/>
+        <p14:creationId xmlns:p14="http://schemas.microsoft.com/office/powerpoint/2010/main" val="1968344026"/>
       </p:ext>
     </p:extLst>
   </p:cSld>
@@ -4403,7 +4408,13 @@
       </p:grpSpPr>
       <p:sp>
         <p:nvSpPr>
-          <p:cNvPr id="2" name="Titel 1"/>
+          <p:cNvPr id="2" name="Titel 1">
+            <a:extLst>
+              <a:ext uri="{FF2B5EF4-FFF2-40B4-BE49-F238E27FC236}">
+                <a16:creationId xmlns:a16="http://schemas.microsoft.com/office/drawing/2014/main" id="{70C48FD3-E61E-A096-F771-46CBABCFAB05}"/>
+              </a:ext>
+            </a:extLst>
+          </p:cNvPr>
           <p:cNvSpPr>
             <a:spLocks noGrp="1"/>
           </p:cNvSpPr>
@@ -4417,15 +4428,50 @@
           <a:lstStyle/>
           <a:p>
             <a:r>
-              <a:rPr lang="de-DE" b="1" dirty="0"/>
-              <a:t>Programmierung (Farbe)</a:t>
-            </a:r>
+              <a:rPr lang="de-DE" dirty="0"/>
+              <a:t>Sensor GUI</a:t>
+            </a:r>
+          </a:p>
+        </p:txBody>
+      </p:sp>
+      <p:sp>
+        <p:nvSpPr>
+          <p:cNvPr id="4" name="Foliennummernplatzhalter 3">
+            <a:extLst>
+              <a:ext uri="{FF2B5EF4-FFF2-40B4-BE49-F238E27FC236}">
+                <a16:creationId xmlns:a16="http://schemas.microsoft.com/office/drawing/2014/main" id="{531BA26B-E84E-5C7F-5284-82006D8CB33A}"/>
+              </a:ext>
+            </a:extLst>
+          </p:cNvPr>
+          <p:cNvSpPr>
+            <a:spLocks noGrp="1"/>
+          </p:cNvSpPr>
+          <p:nvPr>
+            <p:ph type="sldNum" sz="quarter" idx="12"/>
+          </p:nvPr>
+        </p:nvSpPr>
+        <p:spPr/>
+        <p:txBody>
+          <a:bodyPr/>
+          <a:lstStyle/>
+          <a:p>
+            <a:fld id="{D57F1E4F-1CFF-5643-939E-02111984F565}" type="slidenum">
+              <a:rPr lang="en-US" smtClean="0"/>
+              <a:t>11</a:t>
+            </a:fld>
+            <a:endParaRPr lang="en-US" dirty="0"/>
           </a:p>
         </p:txBody>
       </p:sp>
       <p:pic>
         <p:nvPicPr>
-          <p:cNvPr id="4" name="Inhaltsplatzhalter 3"/>
+          <p:cNvPr id="10" name="Inhaltsplatzhalter 9">
+            <a:extLst>
+              <a:ext uri="{FF2B5EF4-FFF2-40B4-BE49-F238E27FC236}">
+                <a16:creationId xmlns:a16="http://schemas.microsoft.com/office/drawing/2014/main" id="{CDD86069-70F7-12A4-3BC6-B721E5F6D7B6}"/>
+              </a:ext>
+            </a:extLst>
+          </p:cNvPr>
           <p:cNvPicPr>
             <a:picLocks noGrp="1" noChangeAspect="1"/>
           </p:cNvPicPr>
@@ -4441,41 +4487,15 @@
         </p:blipFill>
         <p:spPr>
           <a:xfrm>
-            <a:off x="2596911" y="1983331"/>
-            <a:ext cx="7059137" cy="3773655"/>
+            <a:off x="1097280" y="1998617"/>
+            <a:ext cx="7378298" cy="3881130"/>
           </a:xfrm>
-          <a:prstGeom prst="rect">
-            <a:avLst/>
-          </a:prstGeom>
         </p:spPr>
       </p:pic>
-      <p:sp>
-        <p:nvSpPr>
-          <p:cNvPr id="3" name="Foliennummernplatzhalter 2"/>
-          <p:cNvSpPr>
-            <a:spLocks noGrp="1"/>
-          </p:cNvSpPr>
-          <p:nvPr>
-            <p:ph type="sldNum" sz="quarter" idx="12"/>
-          </p:nvPr>
-        </p:nvSpPr>
-        <p:spPr/>
-        <p:txBody>
-          <a:bodyPr/>
-          <a:lstStyle/>
-          <a:p>
-            <a:fld id="{D57F1E4F-1CFF-5643-939E-02111984F565}" type="slidenum">
-              <a:rPr lang="en-US" smtClean="0"/>
-              <a:t>11</a:t>
-            </a:fld>
-            <a:endParaRPr lang="en-US" dirty="0"/>
-          </a:p>
-        </p:txBody>
-      </p:sp>
     </p:spTree>
     <p:extLst>
       <p:ext uri="{BB962C8B-B14F-4D97-AF65-F5344CB8AC3E}">
-        <p14:creationId xmlns:p14="http://schemas.microsoft.com/office/powerpoint/2010/main" val="1082893048"/>
+        <p14:creationId xmlns:p14="http://schemas.microsoft.com/office/powerpoint/2010/main" val="115650502"/>
       </p:ext>
     </p:extLst>
   </p:cSld>
@@ -4504,7 +4524,13 @@
       </p:grpSpPr>
       <p:sp>
         <p:nvSpPr>
-          <p:cNvPr id="2" name="Titel 1"/>
+          <p:cNvPr id="2" name="Titel 1">
+            <a:extLst>
+              <a:ext uri="{FF2B5EF4-FFF2-40B4-BE49-F238E27FC236}">
+                <a16:creationId xmlns:a16="http://schemas.microsoft.com/office/drawing/2014/main" id="{AB0A9357-B637-4AB0-B42D-E31A3FF577FB}"/>
+              </a:ext>
+            </a:extLst>
+          </p:cNvPr>
           <p:cNvSpPr>
             <a:spLocks noGrp="1"/>
           </p:cNvSpPr>
@@ -4518,15 +4544,21 @@
           <a:lstStyle/>
           <a:p>
             <a:r>
-              <a:rPr lang="de-DE" b="1" dirty="0"/>
-              <a:t>Programmierung (Zahlen)</a:t>
+              <a:rPr lang="de-DE" dirty="0"/>
+              <a:t>Sensor GUI Einstellungen</a:t>
             </a:r>
           </a:p>
         </p:txBody>
       </p:sp>
       <p:pic>
         <p:nvPicPr>
-          <p:cNvPr id="4" name="Inhaltsplatzhalter 3"/>
+          <p:cNvPr id="6" name="Inhaltsplatzhalter 5">
+            <a:extLst>
+              <a:ext uri="{FF2B5EF4-FFF2-40B4-BE49-F238E27FC236}">
+                <a16:creationId xmlns:a16="http://schemas.microsoft.com/office/drawing/2014/main" id="{50870472-56A1-1D40-DEC1-327A5BB25114}"/>
+              </a:ext>
+            </a:extLst>
+          </p:cNvPr>
           <p:cNvPicPr>
             <a:picLocks noGrp="1" noChangeAspect="1"/>
           </p:cNvPicPr>
@@ -4542,17 +4574,20 @@
         </p:blipFill>
         <p:spPr>
           <a:xfrm>
-            <a:off x="3204890" y="2453268"/>
-            <a:ext cx="5399482" cy="3163759"/>
+            <a:off x="270666" y="2168172"/>
+            <a:ext cx="11650667" cy="3249059"/>
           </a:xfrm>
-          <a:prstGeom prst="rect">
-            <a:avLst/>
-          </a:prstGeom>
         </p:spPr>
       </p:pic>
       <p:sp>
         <p:nvSpPr>
-          <p:cNvPr id="3" name="Foliennummernplatzhalter 2"/>
+          <p:cNvPr id="4" name="Foliennummernplatzhalter 3">
+            <a:extLst>
+              <a:ext uri="{FF2B5EF4-FFF2-40B4-BE49-F238E27FC236}">
+                <a16:creationId xmlns:a16="http://schemas.microsoft.com/office/drawing/2014/main" id="{141F8ED1-EEA6-B4AA-27E2-F472967C2F5B}"/>
+              </a:ext>
+            </a:extLst>
+          </p:cNvPr>
           <p:cNvSpPr>
             <a:spLocks noGrp="1"/>
           </p:cNvSpPr>
@@ -4576,7 +4611,7 @@
     </p:spTree>
     <p:extLst>
       <p:ext uri="{BB962C8B-B14F-4D97-AF65-F5344CB8AC3E}">
-        <p14:creationId xmlns:p14="http://schemas.microsoft.com/office/powerpoint/2010/main" val="52852927"/>
+        <p14:creationId xmlns:p14="http://schemas.microsoft.com/office/powerpoint/2010/main" val="1691499302"/>
       </p:ext>
     </p:extLst>
   </p:cSld>
@@ -4605,7 +4640,13 @@
       </p:grpSpPr>
       <p:sp>
         <p:nvSpPr>
-          <p:cNvPr id="2" name="Titel 1"/>
+          <p:cNvPr id="2" name="Titel 1">
+            <a:extLst>
+              <a:ext uri="{FF2B5EF4-FFF2-40B4-BE49-F238E27FC236}">
+                <a16:creationId xmlns:a16="http://schemas.microsoft.com/office/drawing/2014/main" id="{45F8F36A-3232-AA9D-5F06-3303CF77B406}"/>
+              </a:ext>
+            </a:extLst>
+          </p:cNvPr>
           <p:cNvSpPr>
             <a:spLocks noGrp="1"/>
           </p:cNvSpPr>
@@ -4619,15 +4660,50 @@
           <a:lstStyle/>
           <a:p>
             <a:r>
-              <a:rPr lang="de-DE" b="1" dirty="0"/>
-              <a:t>Programmierung (Sensor)</a:t>
-            </a:r>
-          </a:p>
-        </p:txBody>
-      </p:sp>
-      <p:sp>
-        <p:nvSpPr>
-          <p:cNvPr id="3" name="Foliennummernplatzhalter 2"/>
+              <a:rPr lang="de-DE" dirty="0"/>
+              <a:t>Output Konfiguration</a:t>
+            </a:r>
+          </a:p>
+        </p:txBody>
+      </p:sp>
+      <p:pic>
+        <p:nvPicPr>
+          <p:cNvPr id="6" name="Inhaltsplatzhalter 5">
+            <a:extLst>
+              <a:ext uri="{FF2B5EF4-FFF2-40B4-BE49-F238E27FC236}">
+                <a16:creationId xmlns:a16="http://schemas.microsoft.com/office/drawing/2014/main" id="{22A8059C-00F8-E837-A6BA-64FC05F8B9F2}"/>
+              </a:ext>
+            </a:extLst>
+          </p:cNvPr>
+          <p:cNvPicPr>
+            <a:picLocks noGrp="1" noChangeAspect="1"/>
+          </p:cNvPicPr>
+          <p:nvPr>
+            <p:ph idx="1"/>
+          </p:nvPr>
+        </p:nvPicPr>
+        <p:blipFill>
+          <a:blip r:embed="rId2"/>
+          <a:stretch>
+            <a:fillRect/>
+          </a:stretch>
+        </p:blipFill>
+        <p:spPr>
+          <a:xfrm>
+            <a:off x="2795452" y="1872389"/>
+            <a:ext cx="5229542" cy="4022725"/>
+          </a:xfrm>
+        </p:spPr>
+      </p:pic>
+      <p:sp>
+        <p:nvSpPr>
+          <p:cNvPr id="4" name="Foliennummernplatzhalter 3">
+            <a:extLst>
+              <a:ext uri="{FF2B5EF4-FFF2-40B4-BE49-F238E27FC236}">
+                <a16:creationId xmlns:a16="http://schemas.microsoft.com/office/drawing/2014/main" id="{CBB8DD92-81E3-D85A-5BF2-E70D2515B973}"/>
+              </a:ext>
+            </a:extLst>
+          </p:cNvPr>
           <p:cNvSpPr>
             <a:spLocks noGrp="1"/>
           </p:cNvSpPr>
@@ -4643,6 +4719,283 @@
             <a:fld id="{D57F1E4F-1CFF-5643-939E-02111984F565}" type="slidenum">
               <a:rPr lang="en-US" smtClean="0"/>
               <a:t>13</a:t>
+            </a:fld>
+            <a:endParaRPr lang="en-US" dirty="0"/>
+          </a:p>
+        </p:txBody>
+      </p:sp>
+    </p:spTree>
+    <p:extLst>
+      <p:ext uri="{BB962C8B-B14F-4D97-AF65-F5344CB8AC3E}">
+        <p14:creationId xmlns:p14="http://schemas.microsoft.com/office/powerpoint/2010/main" val="645877672"/>
+      </p:ext>
+    </p:extLst>
+  </p:cSld>
+  <p:clrMapOvr>
+    <a:masterClrMapping/>
+  </p:clrMapOvr>
+</p:sld>
+</file>
+
+<file path=ppt/slides/slide14.xml><?xml version="1.0" encoding="utf-8"?>
+<p:sld xmlns:a="http://schemas.openxmlformats.org/drawingml/2006/main" xmlns:r="http://schemas.openxmlformats.org/officeDocument/2006/relationships" xmlns:p="http://schemas.openxmlformats.org/presentationml/2006/main">
+  <p:cSld>
+    <p:spTree>
+      <p:nvGrpSpPr>
+        <p:cNvPr id="1" name=""/>
+        <p:cNvGrpSpPr/>
+        <p:nvPr/>
+      </p:nvGrpSpPr>
+      <p:grpSpPr>
+        <a:xfrm>
+          <a:off x="0" y="0"/>
+          <a:ext cx="0" cy="0"/>
+          <a:chOff x="0" y="0"/>
+          <a:chExt cx="0" cy="0"/>
+        </a:xfrm>
+      </p:grpSpPr>
+      <p:sp>
+        <p:nvSpPr>
+          <p:cNvPr id="2" name="Titel 1"/>
+          <p:cNvSpPr>
+            <a:spLocks noGrp="1"/>
+          </p:cNvSpPr>
+          <p:nvPr>
+            <p:ph type="title"/>
+          </p:nvPr>
+        </p:nvSpPr>
+        <p:spPr/>
+        <p:txBody>
+          <a:bodyPr/>
+          <a:lstStyle/>
+          <a:p>
+            <a:r>
+              <a:rPr lang="de-DE" b="1" dirty="0"/>
+              <a:t>Programmierung (Farbe)</a:t>
+            </a:r>
+          </a:p>
+        </p:txBody>
+      </p:sp>
+      <p:pic>
+        <p:nvPicPr>
+          <p:cNvPr id="4" name="Inhaltsplatzhalter 3"/>
+          <p:cNvPicPr>
+            <a:picLocks noGrp="1" noChangeAspect="1"/>
+          </p:cNvPicPr>
+          <p:nvPr>
+            <p:ph idx="1"/>
+          </p:nvPr>
+        </p:nvPicPr>
+        <p:blipFill>
+          <a:blip r:embed="rId2"/>
+          <a:stretch>
+            <a:fillRect/>
+          </a:stretch>
+        </p:blipFill>
+        <p:spPr>
+          <a:xfrm>
+            <a:off x="2596911" y="1983331"/>
+            <a:ext cx="7059137" cy="3773655"/>
+          </a:xfrm>
+          <a:prstGeom prst="rect">
+            <a:avLst/>
+          </a:prstGeom>
+        </p:spPr>
+      </p:pic>
+      <p:sp>
+        <p:nvSpPr>
+          <p:cNvPr id="3" name="Foliennummernplatzhalter 2"/>
+          <p:cNvSpPr>
+            <a:spLocks noGrp="1"/>
+          </p:cNvSpPr>
+          <p:nvPr>
+            <p:ph type="sldNum" sz="quarter" idx="12"/>
+          </p:nvPr>
+        </p:nvSpPr>
+        <p:spPr/>
+        <p:txBody>
+          <a:bodyPr/>
+          <a:lstStyle/>
+          <a:p>
+            <a:fld id="{D57F1E4F-1CFF-5643-939E-02111984F565}" type="slidenum">
+              <a:rPr lang="en-US" smtClean="0"/>
+              <a:t>14</a:t>
+            </a:fld>
+            <a:endParaRPr lang="en-US" dirty="0"/>
+          </a:p>
+        </p:txBody>
+      </p:sp>
+    </p:spTree>
+    <p:extLst>
+      <p:ext uri="{BB962C8B-B14F-4D97-AF65-F5344CB8AC3E}">
+        <p14:creationId xmlns:p14="http://schemas.microsoft.com/office/powerpoint/2010/main" val="1082893048"/>
+      </p:ext>
+    </p:extLst>
+  </p:cSld>
+  <p:clrMapOvr>
+    <a:masterClrMapping/>
+  </p:clrMapOvr>
+</p:sld>
+</file>
+
+<file path=ppt/slides/slide15.xml><?xml version="1.0" encoding="utf-8"?>
+<p:sld xmlns:a="http://schemas.openxmlformats.org/drawingml/2006/main" xmlns:r="http://schemas.openxmlformats.org/officeDocument/2006/relationships" xmlns:p="http://schemas.openxmlformats.org/presentationml/2006/main">
+  <p:cSld>
+    <p:spTree>
+      <p:nvGrpSpPr>
+        <p:cNvPr id="1" name=""/>
+        <p:cNvGrpSpPr/>
+        <p:nvPr/>
+      </p:nvGrpSpPr>
+      <p:grpSpPr>
+        <a:xfrm>
+          <a:off x="0" y="0"/>
+          <a:ext cx="0" cy="0"/>
+          <a:chOff x="0" y="0"/>
+          <a:chExt cx="0" cy="0"/>
+        </a:xfrm>
+      </p:grpSpPr>
+      <p:sp>
+        <p:nvSpPr>
+          <p:cNvPr id="2" name="Titel 1"/>
+          <p:cNvSpPr>
+            <a:spLocks noGrp="1"/>
+          </p:cNvSpPr>
+          <p:nvPr>
+            <p:ph type="title"/>
+          </p:nvPr>
+        </p:nvSpPr>
+        <p:spPr/>
+        <p:txBody>
+          <a:bodyPr/>
+          <a:lstStyle/>
+          <a:p>
+            <a:r>
+              <a:rPr lang="de-DE" b="1" dirty="0"/>
+              <a:t>Programmierung (Zahlen)</a:t>
+            </a:r>
+          </a:p>
+        </p:txBody>
+      </p:sp>
+      <p:pic>
+        <p:nvPicPr>
+          <p:cNvPr id="4" name="Inhaltsplatzhalter 3"/>
+          <p:cNvPicPr>
+            <a:picLocks noGrp="1" noChangeAspect="1"/>
+          </p:cNvPicPr>
+          <p:nvPr>
+            <p:ph idx="1"/>
+          </p:nvPr>
+        </p:nvPicPr>
+        <p:blipFill>
+          <a:blip r:embed="rId2"/>
+          <a:stretch>
+            <a:fillRect/>
+          </a:stretch>
+        </p:blipFill>
+        <p:spPr>
+          <a:xfrm>
+            <a:off x="3204890" y="2453268"/>
+            <a:ext cx="5399482" cy="3163759"/>
+          </a:xfrm>
+          <a:prstGeom prst="rect">
+            <a:avLst/>
+          </a:prstGeom>
+        </p:spPr>
+      </p:pic>
+      <p:sp>
+        <p:nvSpPr>
+          <p:cNvPr id="3" name="Foliennummernplatzhalter 2"/>
+          <p:cNvSpPr>
+            <a:spLocks noGrp="1"/>
+          </p:cNvSpPr>
+          <p:nvPr>
+            <p:ph type="sldNum" sz="quarter" idx="12"/>
+          </p:nvPr>
+        </p:nvSpPr>
+        <p:spPr/>
+        <p:txBody>
+          <a:bodyPr/>
+          <a:lstStyle/>
+          <a:p>
+            <a:fld id="{D57F1E4F-1CFF-5643-939E-02111984F565}" type="slidenum">
+              <a:rPr lang="en-US" smtClean="0"/>
+              <a:t>15</a:t>
+            </a:fld>
+            <a:endParaRPr lang="en-US" dirty="0"/>
+          </a:p>
+        </p:txBody>
+      </p:sp>
+    </p:spTree>
+    <p:extLst>
+      <p:ext uri="{BB962C8B-B14F-4D97-AF65-F5344CB8AC3E}">
+        <p14:creationId xmlns:p14="http://schemas.microsoft.com/office/powerpoint/2010/main" val="52852927"/>
+      </p:ext>
+    </p:extLst>
+  </p:cSld>
+  <p:clrMapOvr>
+    <a:masterClrMapping/>
+  </p:clrMapOvr>
+</p:sld>
+</file>
+
+<file path=ppt/slides/slide16.xml><?xml version="1.0" encoding="utf-8"?>
+<p:sld xmlns:a="http://schemas.openxmlformats.org/drawingml/2006/main" xmlns:r="http://schemas.openxmlformats.org/officeDocument/2006/relationships" xmlns:p="http://schemas.openxmlformats.org/presentationml/2006/main">
+  <p:cSld>
+    <p:spTree>
+      <p:nvGrpSpPr>
+        <p:cNvPr id="1" name=""/>
+        <p:cNvGrpSpPr/>
+        <p:nvPr/>
+      </p:nvGrpSpPr>
+      <p:grpSpPr>
+        <a:xfrm>
+          <a:off x="0" y="0"/>
+          <a:ext cx="0" cy="0"/>
+          <a:chOff x="0" y="0"/>
+          <a:chExt cx="0" cy="0"/>
+        </a:xfrm>
+      </p:grpSpPr>
+      <p:sp>
+        <p:nvSpPr>
+          <p:cNvPr id="2" name="Titel 1"/>
+          <p:cNvSpPr>
+            <a:spLocks noGrp="1"/>
+          </p:cNvSpPr>
+          <p:nvPr>
+            <p:ph type="title"/>
+          </p:nvPr>
+        </p:nvSpPr>
+        <p:spPr/>
+        <p:txBody>
+          <a:bodyPr/>
+          <a:lstStyle/>
+          <a:p>
+            <a:r>
+              <a:rPr lang="de-DE" b="1" dirty="0"/>
+              <a:t>Programmierung (Sensor)</a:t>
+            </a:r>
+          </a:p>
+        </p:txBody>
+      </p:sp>
+      <p:sp>
+        <p:nvSpPr>
+          <p:cNvPr id="3" name="Foliennummernplatzhalter 2"/>
+          <p:cNvSpPr>
+            <a:spLocks noGrp="1"/>
+          </p:cNvSpPr>
+          <p:nvPr>
+            <p:ph type="sldNum" sz="quarter" idx="12"/>
+          </p:nvPr>
+        </p:nvSpPr>
+        <p:spPr/>
+        <p:txBody>
+          <a:bodyPr/>
+          <a:lstStyle/>
+          <a:p>
+            <a:fld id="{D57F1E4F-1CFF-5643-939E-02111984F565}" type="slidenum">
+              <a:rPr lang="en-US" smtClean="0"/>
+              <a:t>16</a:t>
             </a:fld>
             <a:endParaRPr lang="en-US" dirty="0"/>
           </a:p>
@@ -4691,7 +5044,7 @@
 </p:sld>
 </file>
 
-<file path=ppt/slides/slide14.xml><?xml version="1.0" encoding="utf-8"?>
+<file path=ppt/slides/slide17.xml><?xml version="1.0" encoding="utf-8"?>
 <p:sld xmlns:a="http://schemas.openxmlformats.org/drawingml/2006/main" xmlns:r="http://schemas.openxmlformats.org/officeDocument/2006/relationships" xmlns:p="http://schemas.openxmlformats.org/presentationml/2006/main">
   <p:cSld>
     <p:spTree>
@@ -4766,7 +5119,7 @@
           <a:p>
             <a:fld id="{D57F1E4F-1CFF-5643-939E-02111984F565}" type="slidenum">
               <a:rPr lang="en-US" smtClean="0"/>
-              <a:t>14</a:t>
+              <a:t>17</a:t>
             </a:fld>
             <a:endParaRPr lang="en-US" dirty="0"/>
           </a:p>
@@ -4785,7 +5138,7 @@
 </p:sld>
 </file>
 
-<file path=ppt/slides/slide15.xml><?xml version="1.0" encoding="utf-8"?>
+<file path=ppt/slides/slide18.xml><?xml version="1.0" encoding="utf-8"?>
 <p:sld xmlns:a="http://schemas.openxmlformats.org/drawingml/2006/main" xmlns:r="http://schemas.openxmlformats.org/officeDocument/2006/relationships" xmlns:p="http://schemas.openxmlformats.org/presentationml/2006/main">
   <p:cSld>
     <p:spTree>
@@ -4928,7 +5281,7 @@
           <a:p>
             <a:fld id="{D57F1E4F-1CFF-5643-939E-02111984F565}" type="slidenum">
               <a:rPr lang="en-US" smtClean="0"/>
-              <a:t>15</a:t>
+              <a:t>18</a:t>
             </a:fld>
             <a:endParaRPr lang="en-US" dirty="0"/>
           </a:p>
@@ -4947,7 +5300,7 @@
 </p:sld>
 </file>
 
-<file path=ppt/slides/slide16.xml><?xml version="1.0" encoding="utf-8"?>
+<file path=ppt/slides/slide19.xml><?xml version="1.0" encoding="utf-8"?>
 <p:sld xmlns:a="http://schemas.openxmlformats.org/drawingml/2006/main" xmlns:r="http://schemas.openxmlformats.org/officeDocument/2006/relationships" xmlns:p="http://schemas.openxmlformats.org/presentationml/2006/main">
   <p:cSld>
     <p:spTree>
@@ -5090,7 +5443,7 @@
           <a:p>
             <a:fld id="{D57F1E4F-1CFF-5643-939E-02111984F565}" type="slidenum">
               <a:rPr lang="en-US" smtClean="0"/>
-              <a:t>16</a:t>
+              <a:t>19</a:t>
             </a:fld>
             <a:endParaRPr lang="en-US" dirty="0"/>
           </a:p>
@@ -5287,6 +5640,165 @@
 </p:sld>
 </file>
 
+<file path=ppt/slides/slide20.xml><?xml version="1.0" encoding="utf-8"?>
+<p:sld xmlns:a="http://schemas.openxmlformats.org/drawingml/2006/main" xmlns:r="http://schemas.openxmlformats.org/officeDocument/2006/relationships" xmlns:p="http://schemas.openxmlformats.org/presentationml/2006/main">
+  <p:cSld>
+    <p:spTree>
+      <p:nvGrpSpPr>
+        <p:cNvPr id="1" name=""/>
+        <p:cNvGrpSpPr/>
+        <p:nvPr/>
+      </p:nvGrpSpPr>
+      <p:grpSpPr>
+        <a:xfrm>
+          <a:off x="0" y="0"/>
+          <a:ext cx="0" cy="0"/>
+          <a:chOff x="0" y="0"/>
+          <a:chExt cx="0" cy="0"/>
+        </a:xfrm>
+      </p:grpSpPr>
+      <p:sp>
+        <p:nvSpPr>
+          <p:cNvPr id="2" name="Titel 1">
+            <a:extLst>
+              <a:ext uri="{FF2B5EF4-FFF2-40B4-BE49-F238E27FC236}">
+                <a16:creationId xmlns:a16="http://schemas.microsoft.com/office/drawing/2014/main" id="{A8C0D4CF-6424-4F05-CB75-5F3FC7CB2550}"/>
+              </a:ext>
+            </a:extLst>
+          </p:cNvPr>
+          <p:cNvSpPr>
+            <a:spLocks noGrp="1"/>
+          </p:cNvSpPr>
+          <p:nvPr>
+            <p:ph type="title"/>
+          </p:nvPr>
+        </p:nvSpPr>
+        <p:spPr/>
+        <p:txBody>
+          <a:bodyPr/>
+          <a:lstStyle/>
+          <a:p>
+            <a:r>
+              <a:rPr lang="de-DE" dirty="0"/>
+              <a:t>Ausblick</a:t>
+            </a:r>
+          </a:p>
+        </p:txBody>
+      </p:sp>
+      <p:sp>
+        <p:nvSpPr>
+          <p:cNvPr id="3" name="Inhaltsplatzhalter 2">
+            <a:extLst>
+              <a:ext uri="{FF2B5EF4-FFF2-40B4-BE49-F238E27FC236}">
+                <a16:creationId xmlns:a16="http://schemas.microsoft.com/office/drawing/2014/main" id="{BFAE8499-5B56-BB66-F30C-CCB9EBBACDEB}"/>
+              </a:ext>
+            </a:extLst>
+          </p:cNvPr>
+          <p:cNvSpPr>
+            <a:spLocks noGrp="1"/>
+          </p:cNvSpPr>
+          <p:nvPr>
+            <p:ph idx="1"/>
+          </p:nvPr>
+        </p:nvSpPr>
+        <p:spPr/>
+        <p:txBody>
+          <a:bodyPr>
+            <a:normAutofit/>
+          </a:bodyPr>
+          <a:lstStyle/>
+          <a:p>
+            <a:pPr>
+              <a:buFont typeface="Arial" panose="020B0604020202020204" pitchFamily="34" charset="0"/>
+              <a:buChar char="•"/>
+            </a:pPr>
+            <a:r>
+              <a:rPr lang="de-DE" sz="2800" dirty="0"/>
+              <a:t> Smiley integrieren</a:t>
+            </a:r>
+          </a:p>
+          <a:p>
+            <a:pPr>
+              <a:buFont typeface="Arial" panose="020B0604020202020204" pitchFamily="34" charset="0"/>
+              <a:buChar char="•"/>
+            </a:pPr>
+            <a:endParaRPr lang="de-DE" sz="2800" dirty="0"/>
+          </a:p>
+          <a:p>
+            <a:pPr>
+              <a:buFont typeface="Arial" panose="020B0604020202020204" pitchFamily="34" charset="0"/>
+              <a:buChar char="•"/>
+            </a:pPr>
+            <a:r>
+              <a:rPr lang="de-DE" sz="2800" dirty="0"/>
+              <a:t> </a:t>
+            </a:r>
+            <a:r>
+              <a:rPr lang="de-DE" sz="2800"/>
+              <a:t>Sensor optimieren</a:t>
+            </a:r>
+            <a:endParaRPr lang="de-DE" sz="2800" dirty="0"/>
+          </a:p>
+          <a:p>
+            <a:pPr marL="0" indent="0">
+              <a:buNone/>
+            </a:pPr>
+            <a:endParaRPr lang="de-DE" sz="2800" dirty="0"/>
+          </a:p>
+          <a:p>
+            <a:pPr>
+              <a:buFont typeface="Arial" panose="020B0604020202020204" pitchFamily="34" charset="0"/>
+              <a:buChar char="•"/>
+            </a:pPr>
+            <a:r>
+              <a:rPr lang="de-DE" sz="2800" dirty="0"/>
+              <a:t> System durch Kamera erweitern</a:t>
+            </a:r>
+          </a:p>
+        </p:txBody>
+      </p:sp>
+      <p:sp>
+        <p:nvSpPr>
+          <p:cNvPr id="4" name="Foliennummernplatzhalter 3">
+            <a:extLst>
+              <a:ext uri="{FF2B5EF4-FFF2-40B4-BE49-F238E27FC236}">
+                <a16:creationId xmlns:a16="http://schemas.microsoft.com/office/drawing/2014/main" id="{9F77E634-7CEA-EF49-1567-0D458B6977EC}"/>
+              </a:ext>
+            </a:extLst>
+          </p:cNvPr>
+          <p:cNvSpPr>
+            <a:spLocks noGrp="1"/>
+          </p:cNvSpPr>
+          <p:nvPr>
+            <p:ph type="sldNum" sz="quarter" idx="12"/>
+          </p:nvPr>
+        </p:nvSpPr>
+        <p:spPr/>
+        <p:txBody>
+          <a:bodyPr/>
+          <a:lstStyle/>
+          <a:p>
+            <a:fld id="{D57F1E4F-1CFF-5643-939E-02111984F565}" type="slidenum">
+              <a:rPr lang="en-US" smtClean="0"/>
+              <a:t>20</a:t>
+            </a:fld>
+            <a:endParaRPr lang="en-US" dirty="0"/>
+          </a:p>
+        </p:txBody>
+      </p:sp>
+    </p:spTree>
+    <p:extLst>
+      <p:ext uri="{BB962C8B-B14F-4D97-AF65-F5344CB8AC3E}">
+        <p14:creationId xmlns:p14="http://schemas.microsoft.com/office/powerpoint/2010/main" val="1890764792"/>
+      </p:ext>
+    </p:extLst>
+  </p:cSld>
+  <p:clrMapOvr>
+    <a:masterClrMapping/>
+  </p:clrMapOvr>
+</p:sld>
+</file>
+
 <file path=ppt/slides/slide3.xml><?xml version="1.0" encoding="utf-8"?>
 <p:sld xmlns:a="http://schemas.openxmlformats.org/drawingml/2006/main" xmlns:r="http://schemas.openxmlformats.org/officeDocument/2006/relationships" xmlns:p="http://schemas.openxmlformats.org/presentationml/2006/main">
   <p:cSld>
@@ -5990,16 +6502,44 @@
           <a:lstStyle/>
           <a:p>
             <a:r>
-              <a:rPr lang="de-DE" b="1"/>
-              <a:t>PWM </a:t>
-            </a:r>
-            <a:endParaRPr lang="de-DE" b="1" dirty="0"/>
+              <a:rPr lang="de-DE" b="1" dirty="0"/>
+              <a:t>Elektronik</a:t>
+            </a:r>
+          </a:p>
+        </p:txBody>
+      </p:sp>
+      <p:sp>
+        <p:nvSpPr>
+          <p:cNvPr id="3" name="Foliennummernplatzhalter 2"/>
+          <p:cNvSpPr>
+            <a:spLocks noGrp="1"/>
+          </p:cNvSpPr>
+          <p:nvPr>
+            <p:ph type="sldNum" sz="quarter" idx="12"/>
+          </p:nvPr>
+        </p:nvSpPr>
+        <p:spPr/>
+        <p:txBody>
+          <a:bodyPr/>
+          <a:lstStyle/>
+          <a:p>
+            <a:fld id="{D57F1E4F-1CFF-5643-939E-02111984F565}" type="slidenum">
+              <a:rPr lang="en-US" smtClean="0"/>
+              <a:t>9</a:t>
+            </a:fld>
+            <a:endParaRPr lang="en-US" dirty="0"/>
           </a:p>
         </p:txBody>
       </p:sp>
       <p:pic>
         <p:nvPicPr>
-          <p:cNvPr id="4" name="Inhaltsplatzhalter 3"/>
+          <p:cNvPr id="9" name="Inhaltsplatzhalter 8">
+            <a:extLst>
+              <a:ext uri="{FF2B5EF4-FFF2-40B4-BE49-F238E27FC236}">
+                <a16:creationId xmlns:a16="http://schemas.microsoft.com/office/drawing/2014/main" id="{3BC688B4-D8F7-C186-C744-8480C71F8887}"/>
+              </a:ext>
+            </a:extLst>
+          </p:cNvPr>
           <p:cNvPicPr>
             <a:picLocks noGrp="1" noChangeAspect="1"/>
           </p:cNvPicPr>
@@ -6008,51 +6548,22 @@
           </p:nvPr>
         </p:nvPicPr>
         <p:blipFill>
-          <a:blip r:embed="rId2">
-            <a:extLst>
-              <a:ext uri="{28A0092B-C50C-407E-A947-70E740481C1C}">
-                <a14:useLocalDpi xmlns:a14="http://schemas.microsoft.com/office/drawing/2010/main" val="0"/>
-              </a:ext>
-            </a:extLst>
-          </a:blip>
+          <a:blip r:embed="rId2"/>
           <a:stretch>
             <a:fillRect/>
           </a:stretch>
         </p:blipFill>
         <p:spPr>
           <a:xfrm>
-            <a:off x="1097280" y="2420709"/>
-            <a:ext cx="8183650" cy="3280294"/>
+            <a:off x="1097280" y="1873972"/>
+            <a:ext cx="8798740" cy="4022725"/>
           </a:xfrm>
         </p:spPr>
       </p:pic>
-      <p:sp>
-        <p:nvSpPr>
-          <p:cNvPr id="3" name="Foliennummernplatzhalter 2"/>
-          <p:cNvSpPr>
-            <a:spLocks noGrp="1"/>
-          </p:cNvSpPr>
-          <p:nvPr>
-            <p:ph type="sldNum" sz="quarter" idx="12"/>
-          </p:nvPr>
-        </p:nvSpPr>
-        <p:spPr/>
-        <p:txBody>
-          <a:bodyPr/>
-          <a:lstStyle/>
-          <a:p>
-            <a:fld id="{D57F1E4F-1CFF-5643-939E-02111984F565}" type="slidenum">
-              <a:rPr lang="en-US" smtClean="0"/>
-              <a:t>9</a:t>
-            </a:fld>
-            <a:endParaRPr lang="en-US" dirty="0"/>
-          </a:p>
-        </p:txBody>
-      </p:sp>
     </p:spTree>
     <p:extLst>
       <p:ext uri="{BB962C8B-B14F-4D97-AF65-F5344CB8AC3E}">
-        <p14:creationId xmlns:p14="http://schemas.microsoft.com/office/powerpoint/2010/main" val="1968344026"/>
+        <p14:creationId xmlns:p14="http://schemas.microsoft.com/office/powerpoint/2010/main" val="4014923762"/>
       </p:ext>
     </p:extLst>
   </p:cSld>

--- a/Solidworks/Projektarbeit.pptx
+++ b/Solidworks/Projektarbeit.pptx
@@ -5,7 +5,7 @@
     <p:sldMasterId id="2147483695" r:id="rId1"/>
   </p:sldMasterIdLst>
   <p:notesMasterIdLst>
-    <p:notesMasterId r:id="rId22"/>
+    <p:notesMasterId r:id="rId23"/>
   </p:notesMasterIdLst>
   <p:sldIdLst>
     <p:sldId id="256" r:id="rId2"/>
@@ -17,17 +17,18 @@
     <p:sldId id="262" r:id="rId8"/>
     <p:sldId id="263" r:id="rId9"/>
     <p:sldId id="265" r:id="rId10"/>
-    <p:sldId id="264" r:id="rId11"/>
+    <p:sldId id="276" r:id="rId11"/>
     <p:sldId id="273" r:id="rId12"/>
     <p:sldId id="274" r:id="rId13"/>
     <p:sldId id="275" r:id="rId14"/>
-    <p:sldId id="267" r:id="rId15"/>
-    <p:sldId id="266" r:id="rId16"/>
-    <p:sldId id="268" r:id="rId17"/>
-    <p:sldId id="271" r:id="rId18"/>
-    <p:sldId id="269" r:id="rId19"/>
-    <p:sldId id="270" r:id="rId20"/>
-    <p:sldId id="272" r:id="rId21"/>
+    <p:sldId id="264" r:id="rId15"/>
+    <p:sldId id="267" r:id="rId16"/>
+    <p:sldId id="266" r:id="rId17"/>
+    <p:sldId id="268" r:id="rId18"/>
+    <p:sldId id="271" r:id="rId19"/>
+    <p:sldId id="269" r:id="rId20"/>
+    <p:sldId id="270" r:id="rId21"/>
+    <p:sldId id="272" r:id="rId22"/>
   </p:sldIdLst>
   <p:sldSz cx="12192000" cy="6858000"/>
   <p:notesSz cx="6858000" cy="9144000"/>
@@ -4303,7 +4304,13 @@
       </p:grpSpPr>
       <p:sp>
         <p:nvSpPr>
-          <p:cNvPr id="2" name="Titel 1"/>
+          <p:cNvPr id="2" name="Titel 1">
+            <a:extLst>
+              <a:ext uri="{FF2B5EF4-FFF2-40B4-BE49-F238E27FC236}">
+                <a16:creationId xmlns:a16="http://schemas.microsoft.com/office/drawing/2014/main" id="{8384E8ED-765C-298A-34CB-AE7E5C312E92}"/>
+              </a:ext>
+            </a:extLst>
+          </p:cNvPr>
           <p:cNvSpPr>
             <a:spLocks noGrp="1"/>
           </p:cNvSpPr>
@@ -4317,22 +4324,79 @@
           <a:lstStyle/>
           <a:p>
             <a:r>
-              <a:rPr lang="de-DE" b="1"/>
-              <a:t>PWM </a:t>
-            </a:r>
-            <a:endParaRPr lang="de-DE" b="1" dirty="0"/>
+              <a:rPr lang="de-DE" dirty="0"/>
+              <a:t>LED-Anzeige</a:t>
+            </a:r>
+          </a:p>
+        </p:txBody>
+      </p:sp>
+      <p:sp>
+        <p:nvSpPr>
+          <p:cNvPr id="3" name="Inhaltsplatzhalter 2">
+            <a:extLst>
+              <a:ext uri="{FF2B5EF4-FFF2-40B4-BE49-F238E27FC236}">
+                <a16:creationId xmlns:a16="http://schemas.microsoft.com/office/drawing/2014/main" id="{C7230A5A-E182-991E-D489-13DF756437EF}"/>
+              </a:ext>
+            </a:extLst>
+          </p:cNvPr>
+          <p:cNvSpPr>
+            <a:spLocks noGrp="1"/>
+          </p:cNvSpPr>
+          <p:nvPr>
+            <p:ph idx="1"/>
+          </p:nvPr>
+        </p:nvSpPr>
+        <p:spPr/>
+        <p:txBody>
+          <a:bodyPr/>
+          <a:lstStyle/>
+          <a:p>
+            <a:endParaRPr lang="de-DE"/>
+          </a:p>
+        </p:txBody>
+      </p:sp>
+      <p:sp>
+        <p:nvSpPr>
+          <p:cNvPr id="4" name="Foliennummernplatzhalter 3">
+            <a:extLst>
+              <a:ext uri="{FF2B5EF4-FFF2-40B4-BE49-F238E27FC236}">
+                <a16:creationId xmlns:a16="http://schemas.microsoft.com/office/drawing/2014/main" id="{DA8CC3A5-11BC-7C36-D741-B1EE2DE66209}"/>
+              </a:ext>
+            </a:extLst>
+          </p:cNvPr>
+          <p:cNvSpPr>
+            <a:spLocks noGrp="1"/>
+          </p:cNvSpPr>
+          <p:nvPr>
+            <p:ph type="sldNum" sz="quarter" idx="12"/>
+          </p:nvPr>
+        </p:nvSpPr>
+        <p:spPr/>
+        <p:txBody>
+          <a:bodyPr/>
+          <a:lstStyle/>
+          <a:p>
+            <a:fld id="{D57F1E4F-1CFF-5643-939E-02111984F565}" type="slidenum">
+              <a:rPr lang="en-US" smtClean="0"/>
+              <a:t>10</a:t>
+            </a:fld>
+            <a:endParaRPr lang="en-US" dirty="0"/>
           </a:p>
         </p:txBody>
       </p:sp>
       <p:pic>
         <p:nvPicPr>
-          <p:cNvPr id="4" name="Inhaltsplatzhalter 3"/>
+          <p:cNvPr id="1026" name="Picture 2">
+            <a:extLst>
+              <a:ext uri="{FF2B5EF4-FFF2-40B4-BE49-F238E27FC236}">
+                <a16:creationId xmlns:a16="http://schemas.microsoft.com/office/drawing/2014/main" id="{16692961-FFAD-A9B2-5456-1C4B4F1E6F13}"/>
+              </a:ext>
+            </a:extLst>
+          </p:cNvPr>
           <p:cNvPicPr>
-            <a:picLocks noGrp="1" noChangeAspect="1"/>
+            <a:picLocks noChangeAspect="1" noChangeArrowheads="1"/>
           </p:cNvPicPr>
-          <p:nvPr>
-            <p:ph idx="1"/>
-          </p:nvPr>
+          <p:nvPr/>
         </p:nvPicPr>
         <p:blipFill>
           <a:blip r:embed="rId2">
@@ -4342,44 +4406,35 @@
               </a:ext>
             </a:extLst>
           </a:blip>
+          <a:srcRect/>
           <a:stretch>
             <a:fillRect/>
           </a:stretch>
         </p:blipFill>
-        <p:spPr>
+        <p:spPr bwMode="auto">
           <a:xfrm>
-            <a:off x="1097280" y="2420709"/>
-            <a:ext cx="8183650" cy="3280294"/>
+            <a:off x="1214574" y="1845734"/>
+            <a:ext cx="4546146" cy="4329663"/>
           </a:xfrm>
+          <a:prstGeom prst="rect">
+            <a:avLst/>
+          </a:prstGeom>
+          <a:noFill/>
+          <a:extLst>
+            <a:ext uri="{909E8E84-426E-40DD-AFC4-6F175D3DCCD1}">
+              <a14:hiddenFill xmlns:a14="http://schemas.microsoft.com/office/drawing/2010/main">
+                <a:solidFill>
+                  <a:srgbClr val="FFFFFF"/>
+                </a:solidFill>
+              </a14:hiddenFill>
+            </a:ext>
+          </a:extLst>
         </p:spPr>
       </p:pic>
-      <p:sp>
-        <p:nvSpPr>
-          <p:cNvPr id="3" name="Foliennummernplatzhalter 2"/>
-          <p:cNvSpPr>
-            <a:spLocks noGrp="1"/>
-          </p:cNvSpPr>
-          <p:nvPr>
-            <p:ph type="sldNum" sz="quarter" idx="12"/>
-          </p:nvPr>
-        </p:nvSpPr>
-        <p:spPr/>
-        <p:txBody>
-          <a:bodyPr/>
-          <a:lstStyle/>
-          <a:p>
-            <a:fld id="{D57F1E4F-1CFF-5643-939E-02111984F565}" type="slidenum">
-              <a:rPr lang="en-US" smtClean="0"/>
-              <a:t>10</a:t>
-            </a:fld>
-            <a:endParaRPr lang="en-US" dirty="0"/>
-          </a:p>
-        </p:txBody>
-      </p:sp>
     </p:spTree>
     <p:extLst>
       <p:ext uri="{BB962C8B-B14F-4D97-AF65-F5344CB8AC3E}">
-        <p14:creationId xmlns:p14="http://schemas.microsoft.com/office/powerpoint/2010/main" val="1968344026"/>
+        <p14:creationId xmlns:p14="http://schemas.microsoft.com/office/powerpoint/2010/main" val="406787319"/>
       </p:ext>
     </p:extLst>
   </p:cSld>
@@ -4770,9 +4825,10 @@
           <a:lstStyle/>
           <a:p>
             <a:r>
-              <a:rPr lang="de-DE" b="1" dirty="0"/>
-              <a:t>Programmierung (Farbe)</a:t>
-            </a:r>
+              <a:rPr lang="de-DE" b="1"/>
+              <a:t>PWM </a:t>
+            </a:r>
+            <a:endParaRPr lang="de-DE" b="1" dirty="0"/>
           </a:p>
         </p:txBody>
       </p:sp>
@@ -4787,19 +4843,22 @@
           </p:nvPr>
         </p:nvPicPr>
         <p:blipFill>
-          <a:blip r:embed="rId2"/>
+          <a:blip r:embed="rId2">
+            <a:extLst>
+              <a:ext uri="{28A0092B-C50C-407E-A947-70E740481C1C}">
+                <a14:useLocalDpi xmlns:a14="http://schemas.microsoft.com/office/drawing/2010/main" val="0"/>
+              </a:ext>
+            </a:extLst>
+          </a:blip>
           <a:stretch>
             <a:fillRect/>
           </a:stretch>
         </p:blipFill>
         <p:spPr>
           <a:xfrm>
-            <a:off x="2596911" y="1983331"/>
-            <a:ext cx="7059137" cy="3773655"/>
+            <a:off x="1097280" y="2420709"/>
+            <a:ext cx="8183650" cy="3280294"/>
           </a:xfrm>
-          <a:prstGeom prst="rect">
-            <a:avLst/>
-          </a:prstGeom>
         </p:spPr>
       </p:pic>
       <p:sp>
@@ -4828,7 +4887,7 @@
     </p:spTree>
     <p:extLst>
       <p:ext uri="{BB962C8B-B14F-4D97-AF65-F5344CB8AC3E}">
-        <p14:creationId xmlns:p14="http://schemas.microsoft.com/office/powerpoint/2010/main" val="1082893048"/>
+        <p14:creationId xmlns:p14="http://schemas.microsoft.com/office/powerpoint/2010/main" val="1968344026"/>
       </p:ext>
     </p:extLst>
   </p:cSld>
@@ -4872,7 +4931,7 @@
           <a:p>
             <a:r>
               <a:rPr lang="de-DE" b="1" dirty="0"/>
-              <a:t>Programmierung (Zahlen)</a:t>
+              <a:t>Programmierung (Farbe)</a:t>
             </a:r>
           </a:p>
         </p:txBody>
@@ -4895,8 +4954,8 @@
         </p:blipFill>
         <p:spPr>
           <a:xfrm>
-            <a:off x="3204890" y="2453268"/>
-            <a:ext cx="5399482" cy="3163759"/>
+            <a:off x="2596911" y="1983331"/>
+            <a:ext cx="7059137" cy="3773655"/>
           </a:xfrm>
           <a:prstGeom prst="rect">
             <a:avLst/>
@@ -4929,7 +4988,7 @@
     </p:spTree>
     <p:extLst>
       <p:ext uri="{BB962C8B-B14F-4D97-AF65-F5344CB8AC3E}">
-        <p14:creationId xmlns:p14="http://schemas.microsoft.com/office/powerpoint/2010/main" val="52852927"/>
+        <p14:creationId xmlns:p14="http://schemas.microsoft.com/office/powerpoint/2010/main" val="1082893048"/>
       </p:ext>
     </p:extLst>
   </p:cSld>
@@ -4973,11 +5032,37 @@
           <a:p>
             <a:r>
               <a:rPr lang="de-DE" b="1" dirty="0"/>
-              <a:t>Programmierung (Sensor)</a:t>
-            </a:r>
-          </a:p>
-        </p:txBody>
-      </p:sp>
+              <a:t>Programmierung (Zahlen)</a:t>
+            </a:r>
+          </a:p>
+        </p:txBody>
+      </p:sp>
+      <p:pic>
+        <p:nvPicPr>
+          <p:cNvPr id="4" name="Inhaltsplatzhalter 3"/>
+          <p:cNvPicPr>
+            <a:picLocks noGrp="1" noChangeAspect="1"/>
+          </p:cNvPicPr>
+          <p:nvPr>
+            <p:ph idx="1"/>
+          </p:nvPr>
+        </p:nvPicPr>
+        <p:blipFill>
+          <a:blip r:embed="rId2"/>
+          <a:stretch>
+            <a:fillRect/>
+          </a:stretch>
+        </p:blipFill>
+        <p:spPr>
+          <a:xfrm>
+            <a:off x="3204890" y="2453268"/>
+            <a:ext cx="5399482" cy="3163759"/>
+          </a:xfrm>
+          <a:prstGeom prst="rect">
+            <a:avLst/>
+          </a:prstGeom>
+        </p:spPr>
+      </p:pic>
       <p:sp>
         <p:nvSpPr>
           <p:cNvPr id="3" name="Foliennummernplatzhalter 2"/>
@@ -4996,6 +5081,81 @@
             <a:fld id="{D57F1E4F-1CFF-5643-939E-02111984F565}" type="slidenum">
               <a:rPr lang="en-US" smtClean="0"/>
               <a:t>16</a:t>
+            </a:fld>
+            <a:endParaRPr lang="en-US" dirty="0"/>
+          </a:p>
+        </p:txBody>
+      </p:sp>
+    </p:spTree>
+    <p:extLst>
+      <p:ext uri="{BB962C8B-B14F-4D97-AF65-F5344CB8AC3E}">
+        <p14:creationId xmlns:p14="http://schemas.microsoft.com/office/powerpoint/2010/main" val="52852927"/>
+      </p:ext>
+    </p:extLst>
+  </p:cSld>
+  <p:clrMapOvr>
+    <a:masterClrMapping/>
+  </p:clrMapOvr>
+</p:sld>
+</file>
+
+<file path=ppt/slides/slide17.xml><?xml version="1.0" encoding="utf-8"?>
+<p:sld xmlns:a="http://schemas.openxmlformats.org/drawingml/2006/main" xmlns:r="http://schemas.openxmlformats.org/officeDocument/2006/relationships" xmlns:p="http://schemas.openxmlformats.org/presentationml/2006/main">
+  <p:cSld>
+    <p:spTree>
+      <p:nvGrpSpPr>
+        <p:cNvPr id="1" name=""/>
+        <p:cNvGrpSpPr/>
+        <p:nvPr/>
+      </p:nvGrpSpPr>
+      <p:grpSpPr>
+        <a:xfrm>
+          <a:off x="0" y="0"/>
+          <a:ext cx="0" cy="0"/>
+          <a:chOff x="0" y="0"/>
+          <a:chExt cx="0" cy="0"/>
+        </a:xfrm>
+      </p:grpSpPr>
+      <p:sp>
+        <p:nvSpPr>
+          <p:cNvPr id="2" name="Titel 1"/>
+          <p:cNvSpPr>
+            <a:spLocks noGrp="1"/>
+          </p:cNvSpPr>
+          <p:nvPr>
+            <p:ph type="title"/>
+          </p:nvPr>
+        </p:nvSpPr>
+        <p:spPr/>
+        <p:txBody>
+          <a:bodyPr/>
+          <a:lstStyle/>
+          <a:p>
+            <a:r>
+              <a:rPr lang="de-DE" b="1" dirty="0"/>
+              <a:t>Programmierung (Sensor)</a:t>
+            </a:r>
+          </a:p>
+        </p:txBody>
+      </p:sp>
+      <p:sp>
+        <p:nvSpPr>
+          <p:cNvPr id="3" name="Foliennummernplatzhalter 2"/>
+          <p:cNvSpPr>
+            <a:spLocks noGrp="1"/>
+          </p:cNvSpPr>
+          <p:nvPr>
+            <p:ph type="sldNum" sz="quarter" idx="12"/>
+          </p:nvPr>
+        </p:nvSpPr>
+        <p:spPr/>
+        <p:txBody>
+          <a:bodyPr/>
+          <a:lstStyle/>
+          <a:p>
+            <a:fld id="{D57F1E4F-1CFF-5643-939E-02111984F565}" type="slidenum">
+              <a:rPr lang="en-US" smtClean="0"/>
+              <a:t>17</a:t>
             </a:fld>
             <a:endParaRPr lang="en-US" dirty="0"/>
           </a:p>
@@ -5044,100 +5204,6 @@
 </p:sld>
 </file>
 
-<file path=ppt/slides/slide17.xml><?xml version="1.0" encoding="utf-8"?>
-<p:sld xmlns:a="http://schemas.openxmlformats.org/drawingml/2006/main" xmlns:r="http://schemas.openxmlformats.org/officeDocument/2006/relationships" xmlns:p="http://schemas.openxmlformats.org/presentationml/2006/main">
-  <p:cSld>
-    <p:spTree>
-      <p:nvGrpSpPr>
-        <p:cNvPr id="1" name=""/>
-        <p:cNvGrpSpPr/>
-        <p:nvPr/>
-      </p:nvGrpSpPr>
-      <p:grpSpPr>
-        <a:xfrm>
-          <a:off x="0" y="0"/>
-          <a:ext cx="0" cy="0"/>
-          <a:chOff x="0" y="0"/>
-          <a:chExt cx="0" cy="0"/>
-        </a:xfrm>
-      </p:grpSpPr>
-      <p:sp>
-        <p:nvSpPr>
-          <p:cNvPr id="2" name="Titel 1"/>
-          <p:cNvSpPr>
-            <a:spLocks noGrp="1"/>
-          </p:cNvSpPr>
-          <p:nvPr>
-            <p:ph type="title"/>
-          </p:nvPr>
-        </p:nvSpPr>
-        <p:spPr/>
-        <p:txBody>
-          <a:bodyPr/>
-          <a:lstStyle/>
-          <a:p>
-            <a:r>
-              <a:rPr lang="de-DE" b="1" dirty="0"/>
-              <a:t>Live Präsentation</a:t>
-            </a:r>
-          </a:p>
-        </p:txBody>
-      </p:sp>
-      <p:sp>
-        <p:nvSpPr>
-          <p:cNvPr id="3" name="Inhaltsplatzhalter 2"/>
-          <p:cNvSpPr>
-            <a:spLocks noGrp="1"/>
-          </p:cNvSpPr>
-          <p:nvPr>
-            <p:ph idx="1"/>
-          </p:nvPr>
-        </p:nvSpPr>
-        <p:spPr/>
-        <p:txBody>
-          <a:bodyPr/>
-          <a:lstStyle/>
-          <a:p>
-            <a:endParaRPr lang="de-DE" dirty="0"/>
-          </a:p>
-        </p:txBody>
-      </p:sp>
-      <p:sp>
-        <p:nvSpPr>
-          <p:cNvPr id="4" name="Foliennummernplatzhalter 3"/>
-          <p:cNvSpPr>
-            <a:spLocks noGrp="1"/>
-          </p:cNvSpPr>
-          <p:nvPr>
-            <p:ph type="sldNum" sz="quarter" idx="12"/>
-          </p:nvPr>
-        </p:nvSpPr>
-        <p:spPr/>
-        <p:txBody>
-          <a:bodyPr/>
-          <a:lstStyle/>
-          <a:p>
-            <a:fld id="{D57F1E4F-1CFF-5643-939E-02111984F565}" type="slidenum">
-              <a:rPr lang="en-US" smtClean="0"/>
-              <a:t>17</a:t>
-            </a:fld>
-            <a:endParaRPr lang="en-US" dirty="0"/>
-          </a:p>
-        </p:txBody>
-      </p:sp>
-    </p:spTree>
-    <p:extLst>
-      <p:ext uri="{BB962C8B-B14F-4D97-AF65-F5344CB8AC3E}">
-        <p14:creationId xmlns:p14="http://schemas.microsoft.com/office/powerpoint/2010/main" val="2123385182"/>
-      </p:ext>
-    </p:extLst>
-  </p:cSld>
-  <p:clrMapOvr>
-    <a:masterClrMapping/>
-  </p:clrMapOvr>
-</p:sld>
-</file>
-
 <file path=ppt/slides/slide18.xml><?xml version="1.0" encoding="utf-8"?>
 <p:sld xmlns:a="http://schemas.openxmlformats.org/drawingml/2006/main" xmlns:r="http://schemas.openxmlformats.org/officeDocument/2006/relationships" xmlns:p="http://schemas.openxmlformats.org/presentationml/2006/main">
   <p:cSld>
@@ -5172,7 +5238,7 @@
           <a:p>
             <a:r>
               <a:rPr lang="de-DE" b="1" dirty="0"/>
-              <a:t>Zusammenfassung</a:t>
+              <a:t>Live Präsentation</a:t>
             </a:r>
           </a:p>
         </p:txBody>
@@ -5189,76 +5255,8 @@
         </p:nvSpPr>
         <p:spPr/>
         <p:txBody>
-          <a:bodyPr>
-            <a:normAutofit/>
-          </a:bodyPr>
-          <a:lstStyle/>
-          <a:p>
-            <a:r>
-              <a:rPr lang="de-DE" b="1" dirty="0"/>
-              <a:t>Folgende Kompetenzen wurden erlernt: </a:t>
-            </a:r>
-          </a:p>
-          <a:p>
-            <a:pPr>
-              <a:buFont typeface="Arial" panose="020B0604020202020204" pitchFamily="34" charset="0"/>
-              <a:buChar char="•"/>
-            </a:pPr>
-            <a:r>
-              <a:rPr lang="de-DE" sz="2800" dirty="0"/>
-              <a:t> Projektplanung und Zeitmanagement</a:t>
-            </a:r>
-          </a:p>
-          <a:p>
-            <a:pPr>
-              <a:buFont typeface="Arial" panose="020B0604020202020204" pitchFamily="34" charset="0"/>
-              <a:buChar char="•"/>
-            </a:pPr>
-            <a:r>
-              <a:rPr lang="de-DE" sz="2800" dirty="0"/>
-              <a:t> CAD Konstruktion für 3D Druck</a:t>
-            </a:r>
-          </a:p>
-          <a:p>
-            <a:pPr>
-              <a:buFont typeface="Arial" panose="020B0604020202020204" pitchFamily="34" charset="0"/>
-              <a:buChar char="•"/>
-            </a:pPr>
-            <a:r>
-              <a:rPr lang="de-DE" sz="2800" dirty="0"/>
-              <a:t> 3D Druck</a:t>
-            </a:r>
-          </a:p>
-          <a:p>
-            <a:pPr>
-              <a:buFont typeface="Arial" panose="020B0604020202020204" pitchFamily="34" charset="0"/>
-              <a:buChar char="•"/>
-            </a:pPr>
-            <a:r>
-              <a:rPr lang="de-DE" sz="2800" dirty="0"/>
-              <a:t> Löten</a:t>
-            </a:r>
-          </a:p>
-          <a:p>
-            <a:pPr>
-              <a:buFont typeface="Arial" panose="020B0604020202020204" pitchFamily="34" charset="0"/>
-              <a:buChar char="•"/>
-            </a:pPr>
-            <a:r>
-              <a:rPr lang="de-DE" sz="2800" dirty="0"/>
-              <a:t> Ansteuerung von WS2812 LEDs</a:t>
-            </a:r>
-          </a:p>
-          <a:p>
-            <a:pPr>
-              <a:buFont typeface="Arial" panose="020B0604020202020204" pitchFamily="34" charset="0"/>
-              <a:buChar char="•"/>
-            </a:pPr>
-            <a:r>
-              <a:rPr lang="de-DE" sz="2800" dirty="0"/>
-              <a:t> Bau eines Kabels</a:t>
-            </a:r>
-          </a:p>
+          <a:bodyPr/>
+          <a:lstStyle/>
           <a:p>
             <a:endParaRPr lang="de-DE" dirty="0"/>
           </a:p>
@@ -5290,7 +5288,7 @@
     </p:spTree>
     <p:extLst>
       <p:ext uri="{BB962C8B-B14F-4D97-AF65-F5344CB8AC3E}">
-        <p14:creationId xmlns:p14="http://schemas.microsoft.com/office/powerpoint/2010/main" val="1709376053"/>
+        <p14:creationId xmlns:p14="http://schemas.microsoft.com/office/powerpoint/2010/main" val="2123385182"/>
       </p:ext>
     </p:extLst>
   </p:cSld>
@@ -5334,7 +5332,7 @@
           <a:p>
             <a:r>
               <a:rPr lang="de-DE" b="1" dirty="0"/>
-              <a:t>Ergebnis</a:t>
+              <a:t>Zusammenfassung</a:t>
             </a:r>
           </a:p>
         </p:txBody>
@@ -5351,78 +5349,78 @@
         </p:nvSpPr>
         <p:spPr/>
         <p:txBody>
-          <a:bodyPr/>
-          <a:lstStyle/>
-          <a:p>
-            <a:r>
-              <a:rPr lang="de-DE" dirty="0"/>
-              <a:t>- Smiley Gesicht nicht eingebaut</a:t>
-            </a:r>
-          </a:p>
-          <a:p>
-            <a:r>
-              <a:rPr lang="de-DE" dirty="0"/>
-              <a:t>- Km/h nicht auf dem Schild beschriftet</a:t>
-            </a:r>
-          </a:p>
-          <a:p>
-            <a:r>
-              <a:rPr lang="de-DE" dirty="0"/>
-              <a:t>- Kleineres Gehäuse</a:t>
-            </a:r>
-          </a:p>
-          <a:p>
-            <a:r>
-              <a:rPr lang="de-DE" dirty="0"/>
-              <a:t>- Sensor funktioniert nicht einwandfrei</a:t>
+          <a:bodyPr>
+            <a:normAutofit/>
+          </a:bodyPr>
+          <a:lstStyle/>
+          <a:p>
+            <a:r>
+              <a:rPr lang="de-DE" b="1" dirty="0"/>
+              <a:t>Folgende Kompetenzen wurden erlernt: </a:t>
+            </a:r>
+          </a:p>
+          <a:p>
+            <a:pPr>
+              <a:buFont typeface="Arial" panose="020B0604020202020204" pitchFamily="34" charset="0"/>
+              <a:buChar char="•"/>
+            </a:pPr>
+            <a:r>
+              <a:rPr lang="de-DE" sz="2800" dirty="0"/>
+              <a:t> Projektplanung und Zeitmanagement</a:t>
+            </a:r>
+          </a:p>
+          <a:p>
+            <a:pPr>
+              <a:buFont typeface="Arial" panose="020B0604020202020204" pitchFamily="34" charset="0"/>
+              <a:buChar char="•"/>
+            </a:pPr>
+            <a:r>
+              <a:rPr lang="de-DE" sz="2800" dirty="0"/>
+              <a:t> CAD Konstruktion für 3D Druck</a:t>
+            </a:r>
+          </a:p>
+          <a:p>
+            <a:pPr>
+              <a:buFont typeface="Arial" panose="020B0604020202020204" pitchFamily="34" charset="0"/>
+              <a:buChar char="•"/>
+            </a:pPr>
+            <a:r>
+              <a:rPr lang="de-DE" sz="2800" dirty="0"/>
+              <a:t> 3D Druck</a:t>
+            </a:r>
+          </a:p>
+          <a:p>
+            <a:pPr>
+              <a:buFont typeface="Arial" panose="020B0604020202020204" pitchFamily="34" charset="0"/>
+              <a:buChar char="•"/>
+            </a:pPr>
+            <a:r>
+              <a:rPr lang="de-DE" sz="2800" dirty="0"/>
+              <a:t> Löten</a:t>
+            </a:r>
+          </a:p>
+          <a:p>
+            <a:pPr>
+              <a:buFont typeface="Arial" panose="020B0604020202020204" pitchFamily="34" charset="0"/>
+              <a:buChar char="•"/>
+            </a:pPr>
+            <a:r>
+              <a:rPr lang="de-DE" sz="2800" dirty="0"/>
+              <a:t> Ansteuerung von WS2812 LEDs</a:t>
+            </a:r>
+          </a:p>
+          <a:p>
+            <a:pPr>
+              <a:buFont typeface="Arial" panose="020B0604020202020204" pitchFamily="34" charset="0"/>
+              <a:buChar char="•"/>
+            </a:pPr>
+            <a:r>
+              <a:rPr lang="de-DE" sz="2800" dirty="0"/>
+              <a:t> Bau eines Kabels</a:t>
             </a:r>
           </a:p>
           <a:p>
             <a:endParaRPr lang="de-DE" dirty="0"/>
-          </a:p>
-          <a:p>
-            <a:pPr marL="0" indent="0">
-              <a:buNone/>
-            </a:pPr>
-            <a:r>
-              <a:rPr lang="de-DE" dirty="0"/>
-              <a:t>+ </a:t>
-            </a:r>
-            <a:r>
-              <a:rPr lang="de-DE" dirty="0" err="1"/>
-              <a:t>LED‘s</a:t>
-            </a:r>
-            <a:r>
-              <a:rPr lang="de-DE" dirty="0"/>
-              <a:t> zeigen die gewünschte Zahl an</a:t>
-            </a:r>
-          </a:p>
-          <a:p>
-            <a:pPr marL="0" indent="0">
-              <a:buNone/>
-            </a:pPr>
-            <a:r>
-              <a:rPr lang="de-DE" dirty="0"/>
-              <a:t>+ Gehäuse ist stabil und transportabel</a:t>
-            </a:r>
-          </a:p>
-          <a:p>
-            <a:pPr marL="0" indent="0">
-              <a:buNone/>
-            </a:pPr>
-            <a:r>
-              <a:rPr lang="de-DE" dirty="0"/>
-              <a:t>+ Autos können erfasst werden</a:t>
-            </a:r>
-          </a:p>
-          <a:p>
-            <a:pPr marL="0" indent="0">
-              <a:buNone/>
-            </a:pPr>
-            <a:r>
-              <a:rPr lang="de-DE" dirty="0"/>
-              <a:t>+ Geschwindigkeit wird zur Anzeige übertragen</a:t>
-            </a:r>
           </a:p>
         </p:txBody>
       </p:sp>
@@ -5452,7 +5450,7 @@
     </p:spTree>
     <p:extLst>
       <p:ext uri="{BB962C8B-B14F-4D97-AF65-F5344CB8AC3E}">
-        <p14:creationId xmlns:p14="http://schemas.microsoft.com/office/powerpoint/2010/main" val="1112188291"/>
+        <p14:creationId xmlns:p14="http://schemas.microsoft.com/office/powerpoint/2010/main" val="1709376053"/>
       </p:ext>
     </p:extLst>
   </p:cSld>
@@ -5659,6 +5657,168 @@
       </p:grpSpPr>
       <p:sp>
         <p:nvSpPr>
+          <p:cNvPr id="2" name="Titel 1"/>
+          <p:cNvSpPr>
+            <a:spLocks noGrp="1"/>
+          </p:cNvSpPr>
+          <p:nvPr>
+            <p:ph type="title"/>
+          </p:nvPr>
+        </p:nvSpPr>
+        <p:spPr/>
+        <p:txBody>
+          <a:bodyPr/>
+          <a:lstStyle/>
+          <a:p>
+            <a:r>
+              <a:rPr lang="de-DE" b="1" dirty="0"/>
+              <a:t>Ergebnis</a:t>
+            </a:r>
+          </a:p>
+        </p:txBody>
+      </p:sp>
+      <p:sp>
+        <p:nvSpPr>
+          <p:cNvPr id="3" name="Inhaltsplatzhalter 2"/>
+          <p:cNvSpPr>
+            <a:spLocks noGrp="1"/>
+          </p:cNvSpPr>
+          <p:nvPr>
+            <p:ph idx="1"/>
+          </p:nvPr>
+        </p:nvSpPr>
+        <p:spPr/>
+        <p:txBody>
+          <a:bodyPr/>
+          <a:lstStyle/>
+          <a:p>
+            <a:r>
+              <a:rPr lang="de-DE" dirty="0"/>
+              <a:t>- Smiley Gesicht nicht eingebaut</a:t>
+            </a:r>
+          </a:p>
+          <a:p>
+            <a:r>
+              <a:rPr lang="de-DE" dirty="0"/>
+              <a:t>- Km/h nicht auf dem Schild beschriftet</a:t>
+            </a:r>
+          </a:p>
+          <a:p>
+            <a:r>
+              <a:rPr lang="de-DE" dirty="0"/>
+              <a:t>- Kleineres Gehäuse</a:t>
+            </a:r>
+          </a:p>
+          <a:p>
+            <a:r>
+              <a:rPr lang="de-DE" dirty="0"/>
+              <a:t>- Sensor funktioniert nicht einwandfrei</a:t>
+            </a:r>
+          </a:p>
+          <a:p>
+            <a:endParaRPr lang="de-DE" dirty="0"/>
+          </a:p>
+          <a:p>
+            <a:pPr marL="0" indent="0">
+              <a:buNone/>
+            </a:pPr>
+            <a:r>
+              <a:rPr lang="de-DE" dirty="0"/>
+              <a:t>+ </a:t>
+            </a:r>
+            <a:r>
+              <a:rPr lang="de-DE" dirty="0" err="1"/>
+              <a:t>LED‘s</a:t>
+            </a:r>
+            <a:r>
+              <a:rPr lang="de-DE" dirty="0"/>
+              <a:t> zeigen die gewünschte Zahl an</a:t>
+            </a:r>
+          </a:p>
+          <a:p>
+            <a:pPr marL="0" indent="0">
+              <a:buNone/>
+            </a:pPr>
+            <a:r>
+              <a:rPr lang="de-DE" dirty="0"/>
+              <a:t>+ Gehäuse ist stabil und transportabel</a:t>
+            </a:r>
+          </a:p>
+          <a:p>
+            <a:pPr marL="0" indent="0">
+              <a:buNone/>
+            </a:pPr>
+            <a:r>
+              <a:rPr lang="de-DE" dirty="0"/>
+              <a:t>+ Autos können erfasst werden</a:t>
+            </a:r>
+          </a:p>
+          <a:p>
+            <a:pPr marL="0" indent="0">
+              <a:buNone/>
+            </a:pPr>
+            <a:r>
+              <a:rPr lang="de-DE" dirty="0"/>
+              <a:t>+ Geschwindigkeit wird zur Anzeige übertragen</a:t>
+            </a:r>
+          </a:p>
+        </p:txBody>
+      </p:sp>
+      <p:sp>
+        <p:nvSpPr>
+          <p:cNvPr id="4" name="Foliennummernplatzhalter 3"/>
+          <p:cNvSpPr>
+            <a:spLocks noGrp="1"/>
+          </p:cNvSpPr>
+          <p:nvPr>
+            <p:ph type="sldNum" sz="quarter" idx="12"/>
+          </p:nvPr>
+        </p:nvSpPr>
+        <p:spPr/>
+        <p:txBody>
+          <a:bodyPr/>
+          <a:lstStyle/>
+          <a:p>
+            <a:fld id="{D57F1E4F-1CFF-5643-939E-02111984F565}" type="slidenum">
+              <a:rPr lang="en-US" smtClean="0"/>
+              <a:t>20</a:t>
+            </a:fld>
+            <a:endParaRPr lang="en-US" dirty="0"/>
+          </a:p>
+        </p:txBody>
+      </p:sp>
+    </p:spTree>
+    <p:extLst>
+      <p:ext uri="{BB962C8B-B14F-4D97-AF65-F5344CB8AC3E}">
+        <p14:creationId xmlns:p14="http://schemas.microsoft.com/office/powerpoint/2010/main" val="1112188291"/>
+      </p:ext>
+    </p:extLst>
+  </p:cSld>
+  <p:clrMapOvr>
+    <a:masterClrMapping/>
+  </p:clrMapOvr>
+</p:sld>
+</file>
+
+<file path=ppt/slides/slide21.xml><?xml version="1.0" encoding="utf-8"?>
+<p:sld xmlns:a="http://schemas.openxmlformats.org/drawingml/2006/main" xmlns:r="http://schemas.openxmlformats.org/officeDocument/2006/relationships" xmlns:p="http://schemas.openxmlformats.org/presentationml/2006/main">
+  <p:cSld>
+    <p:spTree>
+      <p:nvGrpSpPr>
+        <p:cNvPr id="1" name=""/>
+        <p:cNvGrpSpPr/>
+        <p:nvPr/>
+      </p:nvGrpSpPr>
+      <p:grpSpPr>
+        <a:xfrm>
+          <a:off x="0" y="0"/>
+          <a:ext cx="0" cy="0"/>
+          <a:chOff x="0" y="0"/>
+          <a:chExt cx="0" cy="0"/>
+        </a:xfrm>
+      </p:grpSpPr>
+      <p:sp>
+        <p:nvSpPr>
           <p:cNvPr id="2" name="Titel 1">
             <a:extLst>
               <a:ext uri="{FF2B5EF4-FFF2-40B4-BE49-F238E27FC236}">
@@ -5780,7 +5940,7 @@
           <a:p>
             <a:fld id="{D57F1E4F-1CFF-5643-939E-02111984F565}" type="slidenum">
               <a:rPr lang="en-US" smtClean="0"/>
-              <a:t>20</a:t>
+              <a:t>21</a:t>
             </a:fld>
             <a:endParaRPr lang="en-US" dirty="0"/>
           </a:p>

--- a/Solidworks/Projektarbeit.pptx
+++ b/Solidworks/Projektarbeit.pptx
@@ -482,6 +482,699 @@
     </a:lvl9pPr>
   </p:notesStyle>
 </p:notesMaster>
+</file>
+
+<file path=ppt/notesSlides/notesSlide1.xml><?xml version="1.0" encoding="utf-8"?>
+<p:notes xmlns:a="http://schemas.openxmlformats.org/drawingml/2006/main" xmlns:r="http://schemas.openxmlformats.org/officeDocument/2006/relationships" xmlns:p="http://schemas.openxmlformats.org/presentationml/2006/main">
+  <p:cSld>
+    <p:spTree>
+      <p:nvGrpSpPr>
+        <p:cNvPr id="1" name=""/>
+        <p:cNvGrpSpPr/>
+        <p:nvPr/>
+      </p:nvGrpSpPr>
+      <p:grpSpPr>
+        <a:xfrm>
+          <a:off x="0" y="0"/>
+          <a:ext cx="0" cy="0"/>
+          <a:chOff x="0" y="0"/>
+          <a:chExt cx="0" cy="0"/>
+        </a:xfrm>
+      </p:grpSpPr>
+      <p:sp>
+        <p:nvSpPr>
+          <p:cNvPr id="2" name="Folienbildplatzhalter 1"/>
+          <p:cNvSpPr>
+            <a:spLocks noGrp="1" noRot="1" noChangeAspect="1"/>
+          </p:cNvSpPr>
+          <p:nvPr>
+            <p:ph type="sldImg"/>
+          </p:nvPr>
+        </p:nvSpPr>
+        <p:spPr/>
+      </p:sp>
+      <p:sp>
+        <p:nvSpPr>
+          <p:cNvPr id="3" name="Notizenplatzhalter 2"/>
+          <p:cNvSpPr>
+            <a:spLocks noGrp="1"/>
+          </p:cNvSpPr>
+          <p:nvPr>
+            <p:ph type="body" idx="1"/>
+          </p:nvPr>
+        </p:nvSpPr>
+        <p:spPr/>
+        <p:txBody>
+          <a:bodyPr/>
+          <a:lstStyle/>
+          <a:p>
+            <a:endParaRPr lang="de-DE" dirty="0"/>
+          </a:p>
+        </p:txBody>
+      </p:sp>
+      <p:sp>
+        <p:nvSpPr>
+          <p:cNvPr id="4" name="Foliennummernplatzhalter 3"/>
+          <p:cNvSpPr>
+            <a:spLocks noGrp="1"/>
+          </p:cNvSpPr>
+          <p:nvPr>
+            <p:ph type="sldNum" sz="quarter" idx="5"/>
+          </p:nvPr>
+        </p:nvSpPr>
+        <p:spPr/>
+        <p:txBody>
+          <a:bodyPr/>
+          <a:lstStyle/>
+          <a:p>
+            <a:fld id="{98DF399E-3605-4A3A-9D42-A42E631AE561}" type="slidenum">
+              <a:rPr lang="de-DE" smtClean="0"/>
+              <a:t>4</a:t>
+            </a:fld>
+            <a:endParaRPr lang="de-DE"/>
+          </a:p>
+        </p:txBody>
+      </p:sp>
+    </p:spTree>
+    <p:extLst>
+      <p:ext uri="{BB962C8B-B14F-4D97-AF65-F5344CB8AC3E}">
+        <p14:creationId xmlns:p14="http://schemas.microsoft.com/office/powerpoint/2010/main" val="3412608182"/>
+      </p:ext>
+    </p:extLst>
+  </p:cSld>
+  <p:clrMapOvr>
+    <a:masterClrMapping/>
+  </p:clrMapOvr>
+</p:notes>
+</file>
+
+<file path=ppt/notesSlides/notesSlide2.xml><?xml version="1.0" encoding="utf-8"?>
+<p:notes xmlns:a="http://schemas.openxmlformats.org/drawingml/2006/main" xmlns:r="http://schemas.openxmlformats.org/officeDocument/2006/relationships" xmlns:p="http://schemas.openxmlformats.org/presentationml/2006/main">
+  <p:cSld>
+    <p:spTree>
+      <p:nvGrpSpPr>
+        <p:cNvPr id="1" name=""/>
+        <p:cNvGrpSpPr/>
+        <p:nvPr/>
+      </p:nvGrpSpPr>
+      <p:grpSpPr>
+        <a:xfrm>
+          <a:off x="0" y="0"/>
+          <a:ext cx="0" cy="0"/>
+          <a:chOff x="0" y="0"/>
+          <a:chExt cx="0" cy="0"/>
+        </a:xfrm>
+      </p:grpSpPr>
+      <p:sp>
+        <p:nvSpPr>
+          <p:cNvPr id="2" name="Folienbildplatzhalter 1"/>
+          <p:cNvSpPr>
+            <a:spLocks noGrp="1" noRot="1" noChangeAspect="1"/>
+          </p:cNvSpPr>
+          <p:nvPr>
+            <p:ph type="sldImg"/>
+          </p:nvPr>
+        </p:nvSpPr>
+        <p:spPr/>
+      </p:sp>
+      <p:sp>
+        <p:nvSpPr>
+          <p:cNvPr id="3" name="Notizenplatzhalter 2"/>
+          <p:cNvSpPr>
+            <a:spLocks noGrp="1"/>
+          </p:cNvSpPr>
+          <p:nvPr>
+            <p:ph type="body" idx="1"/>
+          </p:nvPr>
+        </p:nvSpPr>
+        <p:spPr/>
+        <p:txBody>
+          <a:bodyPr/>
+          <a:lstStyle/>
+          <a:p>
+            <a:r>
+              <a:rPr lang="de-DE" dirty="0"/>
+              <a:t>Jonas</a:t>
+            </a:r>
+          </a:p>
+        </p:txBody>
+      </p:sp>
+      <p:sp>
+        <p:nvSpPr>
+          <p:cNvPr id="4" name="Foliennummernplatzhalter 3"/>
+          <p:cNvSpPr>
+            <a:spLocks noGrp="1"/>
+          </p:cNvSpPr>
+          <p:nvPr>
+            <p:ph type="sldNum" sz="quarter" idx="5"/>
+          </p:nvPr>
+        </p:nvSpPr>
+        <p:spPr/>
+        <p:txBody>
+          <a:bodyPr/>
+          <a:lstStyle/>
+          <a:p>
+            <a:fld id="{98DF399E-3605-4A3A-9D42-A42E631AE561}" type="slidenum">
+              <a:rPr lang="de-DE" smtClean="0"/>
+              <a:t>5</a:t>
+            </a:fld>
+            <a:endParaRPr lang="de-DE"/>
+          </a:p>
+        </p:txBody>
+      </p:sp>
+    </p:spTree>
+    <p:extLst>
+      <p:ext uri="{BB962C8B-B14F-4D97-AF65-F5344CB8AC3E}">
+        <p14:creationId xmlns:p14="http://schemas.microsoft.com/office/powerpoint/2010/main" val="866854378"/>
+      </p:ext>
+    </p:extLst>
+  </p:cSld>
+  <p:clrMapOvr>
+    <a:masterClrMapping/>
+  </p:clrMapOvr>
+</p:notes>
+</file>
+
+<file path=ppt/notesSlides/notesSlide3.xml><?xml version="1.0" encoding="utf-8"?>
+<p:notes xmlns:a="http://schemas.openxmlformats.org/drawingml/2006/main" xmlns:r="http://schemas.openxmlformats.org/officeDocument/2006/relationships" xmlns:p="http://schemas.openxmlformats.org/presentationml/2006/main">
+  <p:cSld>
+    <p:spTree>
+      <p:nvGrpSpPr>
+        <p:cNvPr id="1" name=""/>
+        <p:cNvGrpSpPr/>
+        <p:nvPr/>
+      </p:nvGrpSpPr>
+      <p:grpSpPr>
+        <a:xfrm>
+          <a:off x="0" y="0"/>
+          <a:ext cx="0" cy="0"/>
+          <a:chOff x="0" y="0"/>
+          <a:chExt cx="0" cy="0"/>
+        </a:xfrm>
+      </p:grpSpPr>
+      <p:sp>
+        <p:nvSpPr>
+          <p:cNvPr id="2" name="Folienbildplatzhalter 1"/>
+          <p:cNvSpPr>
+            <a:spLocks noGrp="1" noRot="1" noChangeAspect="1"/>
+          </p:cNvSpPr>
+          <p:nvPr>
+            <p:ph type="sldImg"/>
+          </p:nvPr>
+        </p:nvSpPr>
+        <p:spPr/>
+      </p:sp>
+      <p:sp>
+        <p:nvSpPr>
+          <p:cNvPr id="3" name="Notizenplatzhalter 2"/>
+          <p:cNvSpPr>
+            <a:spLocks noGrp="1"/>
+          </p:cNvSpPr>
+          <p:nvPr>
+            <p:ph type="body" idx="1"/>
+          </p:nvPr>
+        </p:nvSpPr>
+        <p:spPr/>
+        <p:txBody>
+          <a:bodyPr/>
+          <a:lstStyle/>
+          <a:p>
+            <a:r>
+              <a:rPr lang="de-DE" dirty="0"/>
+              <a:t>Jonas</a:t>
+            </a:r>
+          </a:p>
+        </p:txBody>
+      </p:sp>
+      <p:sp>
+        <p:nvSpPr>
+          <p:cNvPr id="4" name="Foliennummernplatzhalter 3"/>
+          <p:cNvSpPr>
+            <a:spLocks noGrp="1"/>
+          </p:cNvSpPr>
+          <p:nvPr>
+            <p:ph type="sldNum" sz="quarter" idx="5"/>
+          </p:nvPr>
+        </p:nvSpPr>
+        <p:spPr/>
+        <p:txBody>
+          <a:bodyPr/>
+          <a:lstStyle/>
+          <a:p>
+            <a:fld id="{98DF399E-3605-4A3A-9D42-A42E631AE561}" type="slidenum">
+              <a:rPr lang="de-DE" smtClean="0"/>
+              <a:t>8</a:t>
+            </a:fld>
+            <a:endParaRPr lang="de-DE"/>
+          </a:p>
+        </p:txBody>
+      </p:sp>
+    </p:spTree>
+    <p:extLst>
+      <p:ext uri="{BB962C8B-B14F-4D97-AF65-F5344CB8AC3E}">
+        <p14:creationId xmlns:p14="http://schemas.microsoft.com/office/powerpoint/2010/main" val="3930019243"/>
+      </p:ext>
+    </p:extLst>
+  </p:cSld>
+  <p:clrMapOvr>
+    <a:masterClrMapping/>
+  </p:clrMapOvr>
+</p:notes>
+</file>
+
+<file path=ppt/notesSlides/notesSlide4.xml><?xml version="1.0" encoding="utf-8"?>
+<p:notes xmlns:a="http://schemas.openxmlformats.org/drawingml/2006/main" xmlns:r="http://schemas.openxmlformats.org/officeDocument/2006/relationships" xmlns:p="http://schemas.openxmlformats.org/presentationml/2006/main">
+  <p:cSld>
+    <p:spTree>
+      <p:nvGrpSpPr>
+        <p:cNvPr id="1" name=""/>
+        <p:cNvGrpSpPr/>
+        <p:nvPr/>
+      </p:nvGrpSpPr>
+      <p:grpSpPr>
+        <a:xfrm>
+          <a:off x="0" y="0"/>
+          <a:ext cx="0" cy="0"/>
+          <a:chOff x="0" y="0"/>
+          <a:chExt cx="0" cy="0"/>
+        </a:xfrm>
+      </p:grpSpPr>
+      <p:sp>
+        <p:nvSpPr>
+          <p:cNvPr id="2" name="Folienbildplatzhalter 1"/>
+          <p:cNvSpPr>
+            <a:spLocks noGrp="1" noRot="1" noChangeAspect="1"/>
+          </p:cNvSpPr>
+          <p:nvPr>
+            <p:ph type="sldImg"/>
+          </p:nvPr>
+        </p:nvSpPr>
+        <p:spPr/>
+      </p:sp>
+      <p:sp>
+        <p:nvSpPr>
+          <p:cNvPr id="3" name="Notizenplatzhalter 2"/>
+          <p:cNvSpPr>
+            <a:spLocks noGrp="1"/>
+          </p:cNvSpPr>
+          <p:nvPr>
+            <p:ph type="body" idx="1"/>
+          </p:nvPr>
+        </p:nvSpPr>
+        <p:spPr/>
+        <p:txBody>
+          <a:bodyPr/>
+          <a:lstStyle/>
+          <a:p>
+            <a:r>
+              <a:rPr lang="de-DE" dirty="0"/>
+              <a:t>Jonas</a:t>
+            </a:r>
+          </a:p>
+        </p:txBody>
+      </p:sp>
+      <p:sp>
+        <p:nvSpPr>
+          <p:cNvPr id="4" name="Foliennummernplatzhalter 3"/>
+          <p:cNvSpPr>
+            <a:spLocks noGrp="1"/>
+          </p:cNvSpPr>
+          <p:nvPr>
+            <p:ph type="sldNum" sz="quarter" idx="5"/>
+          </p:nvPr>
+        </p:nvSpPr>
+        <p:spPr/>
+        <p:txBody>
+          <a:bodyPr/>
+          <a:lstStyle/>
+          <a:p>
+            <a:fld id="{98DF399E-3605-4A3A-9D42-A42E631AE561}" type="slidenum">
+              <a:rPr lang="de-DE" smtClean="0"/>
+              <a:t>9</a:t>
+            </a:fld>
+            <a:endParaRPr lang="de-DE"/>
+          </a:p>
+        </p:txBody>
+      </p:sp>
+    </p:spTree>
+    <p:extLst>
+      <p:ext uri="{BB962C8B-B14F-4D97-AF65-F5344CB8AC3E}">
+        <p14:creationId xmlns:p14="http://schemas.microsoft.com/office/powerpoint/2010/main" val="4087791721"/>
+      </p:ext>
+    </p:extLst>
+  </p:cSld>
+  <p:clrMapOvr>
+    <a:masterClrMapping/>
+  </p:clrMapOvr>
+</p:notes>
+</file>
+
+<file path=ppt/notesSlides/notesSlide5.xml><?xml version="1.0" encoding="utf-8"?>
+<p:notes xmlns:a="http://schemas.openxmlformats.org/drawingml/2006/main" xmlns:r="http://schemas.openxmlformats.org/officeDocument/2006/relationships" xmlns:p="http://schemas.openxmlformats.org/presentationml/2006/main">
+  <p:cSld>
+    <p:spTree>
+      <p:nvGrpSpPr>
+        <p:cNvPr id="1" name=""/>
+        <p:cNvGrpSpPr/>
+        <p:nvPr/>
+      </p:nvGrpSpPr>
+      <p:grpSpPr>
+        <a:xfrm>
+          <a:off x="0" y="0"/>
+          <a:ext cx="0" cy="0"/>
+          <a:chOff x="0" y="0"/>
+          <a:chExt cx="0" cy="0"/>
+        </a:xfrm>
+      </p:grpSpPr>
+      <p:sp>
+        <p:nvSpPr>
+          <p:cNvPr id="2" name="Folienbildplatzhalter 1"/>
+          <p:cNvSpPr>
+            <a:spLocks noGrp="1" noRot="1" noChangeAspect="1"/>
+          </p:cNvSpPr>
+          <p:nvPr>
+            <p:ph type="sldImg"/>
+          </p:nvPr>
+        </p:nvSpPr>
+        <p:spPr/>
+      </p:sp>
+      <p:sp>
+        <p:nvSpPr>
+          <p:cNvPr id="3" name="Notizenplatzhalter 2"/>
+          <p:cNvSpPr>
+            <a:spLocks noGrp="1"/>
+          </p:cNvSpPr>
+          <p:nvPr>
+            <p:ph type="body" idx="1"/>
+          </p:nvPr>
+        </p:nvSpPr>
+        <p:spPr/>
+        <p:txBody>
+          <a:bodyPr/>
+          <a:lstStyle/>
+          <a:p>
+            <a:r>
+              <a:rPr lang="de-DE" dirty="0"/>
+              <a:t>Jonas</a:t>
+            </a:r>
+          </a:p>
+        </p:txBody>
+      </p:sp>
+      <p:sp>
+        <p:nvSpPr>
+          <p:cNvPr id="4" name="Foliennummernplatzhalter 3"/>
+          <p:cNvSpPr>
+            <a:spLocks noGrp="1"/>
+          </p:cNvSpPr>
+          <p:nvPr>
+            <p:ph type="sldNum" sz="quarter" idx="5"/>
+          </p:nvPr>
+        </p:nvSpPr>
+        <p:spPr/>
+        <p:txBody>
+          <a:bodyPr/>
+          <a:lstStyle/>
+          <a:p>
+            <a:fld id="{98DF399E-3605-4A3A-9D42-A42E631AE561}" type="slidenum">
+              <a:rPr lang="de-DE" smtClean="0"/>
+              <a:t>11</a:t>
+            </a:fld>
+            <a:endParaRPr lang="de-DE"/>
+          </a:p>
+        </p:txBody>
+      </p:sp>
+    </p:spTree>
+    <p:extLst>
+      <p:ext uri="{BB962C8B-B14F-4D97-AF65-F5344CB8AC3E}">
+        <p14:creationId xmlns:p14="http://schemas.microsoft.com/office/powerpoint/2010/main" val="3012388610"/>
+      </p:ext>
+    </p:extLst>
+  </p:cSld>
+  <p:clrMapOvr>
+    <a:masterClrMapping/>
+  </p:clrMapOvr>
+</p:notes>
+</file>
+
+<file path=ppt/notesSlides/notesSlide6.xml><?xml version="1.0" encoding="utf-8"?>
+<p:notes xmlns:a="http://schemas.openxmlformats.org/drawingml/2006/main" xmlns:r="http://schemas.openxmlformats.org/officeDocument/2006/relationships" xmlns:p="http://schemas.openxmlformats.org/presentationml/2006/main">
+  <p:cSld>
+    <p:spTree>
+      <p:nvGrpSpPr>
+        <p:cNvPr id="1" name=""/>
+        <p:cNvGrpSpPr/>
+        <p:nvPr/>
+      </p:nvGrpSpPr>
+      <p:grpSpPr>
+        <a:xfrm>
+          <a:off x="0" y="0"/>
+          <a:ext cx="0" cy="0"/>
+          <a:chOff x="0" y="0"/>
+          <a:chExt cx="0" cy="0"/>
+        </a:xfrm>
+      </p:grpSpPr>
+      <p:sp>
+        <p:nvSpPr>
+          <p:cNvPr id="2" name="Folienbildplatzhalter 1"/>
+          <p:cNvSpPr>
+            <a:spLocks noGrp="1" noRot="1" noChangeAspect="1"/>
+          </p:cNvSpPr>
+          <p:nvPr>
+            <p:ph type="sldImg"/>
+          </p:nvPr>
+        </p:nvSpPr>
+        <p:spPr/>
+      </p:sp>
+      <p:sp>
+        <p:nvSpPr>
+          <p:cNvPr id="3" name="Notizenplatzhalter 2"/>
+          <p:cNvSpPr>
+            <a:spLocks noGrp="1"/>
+          </p:cNvSpPr>
+          <p:nvPr>
+            <p:ph type="body" idx="1"/>
+          </p:nvPr>
+        </p:nvSpPr>
+        <p:spPr/>
+        <p:txBody>
+          <a:bodyPr/>
+          <a:lstStyle/>
+          <a:p>
+            <a:r>
+              <a:rPr lang="de-DE" dirty="0"/>
+              <a:t>Jonas</a:t>
+            </a:r>
+          </a:p>
+        </p:txBody>
+      </p:sp>
+      <p:sp>
+        <p:nvSpPr>
+          <p:cNvPr id="4" name="Foliennummernplatzhalter 3"/>
+          <p:cNvSpPr>
+            <a:spLocks noGrp="1"/>
+          </p:cNvSpPr>
+          <p:nvPr>
+            <p:ph type="sldNum" sz="quarter" idx="5"/>
+          </p:nvPr>
+        </p:nvSpPr>
+        <p:spPr/>
+        <p:txBody>
+          <a:bodyPr/>
+          <a:lstStyle/>
+          <a:p>
+            <a:fld id="{98DF399E-3605-4A3A-9D42-A42E631AE561}" type="slidenum">
+              <a:rPr lang="de-DE" smtClean="0"/>
+              <a:t>12</a:t>
+            </a:fld>
+            <a:endParaRPr lang="de-DE"/>
+          </a:p>
+        </p:txBody>
+      </p:sp>
+    </p:spTree>
+    <p:extLst>
+      <p:ext uri="{BB962C8B-B14F-4D97-AF65-F5344CB8AC3E}">
+        <p14:creationId xmlns:p14="http://schemas.microsoft.com/office/powerpoint/2010/main" val="3431153337"/>
+      </p:ext>
+    </p:extLst>
+  </p:cSld>
+  <p:clrMapOvr>
+    <a:masterClrMapping/>
+  </p:clrMapOvr>
+</p:notes>
+</file>
+
+<file path=ppt/notesSlides/notesSlide7.xml><?xml version="1.0" encoding="utf-8"?>
+<p:notes xmlns:a="http://schemas.openxmlformats.org/drawingml/2006/main" xmlns:r="http://schemas.openxmlformats.org/officeDocument/2006/relationships" xmlns:p="http://schemas.openxmlformats.org/presentationml/2006/main">
+  <p:cSld>
+    <p:spTree>
+      <p:nvGrpSpPr>
+        <p:cNvPr id="1" name=""/>
+        <p:cNvGrpSpPr/>
+        <p:nvPr/>
+      </p:nvGrpSpPr>
+      <p:grpSpPr>
+        <a:xfrm>
+          <a:off x="0" y="0"/>
+          <a:ext cx="0" cy="0"/>
+          <a:chOff x="0" y="0"/>
+          <a:chExt cx="0" cy="0"/>
+        </a:xfrm>
+      </p:grpSpPr>
+      <p:sp>
+        <p:nvSpPr>
+          <p:cNvPr id="2" name="Folienbildplatzhalter 1"/>
+          <p:cNvSpPr>
+            <a:spLocks noGrp="1" noRot="1" noChangeAspect="1"/>
+          </p:cNvSpPr>
+          <p:nvPr>
+            <p:ph type="sldImg"/>
+          </p:nvPr>
+        </p:nvSpPr>
+        <p:spPr/>
+      </p:sp>
+      <p:sp>
+        <p:nvSpPr>
+          <p:cNvPr id="3" name="Notizenplatzhalter 2"/>
+          <p:cNvSpPr>
+            <a:spLocks noGrp="1"/>
+          </p:cNvSpPr>
+          <p:nvPr>
+            <p:ph type="body" idx="1"/>
+          </p:nvPr>
+        </p:nvSpPr>
+        <p:spPr/>
+        <p:txBody>
+          <a:bodyPr/>
+          <a:lstStyle/>
+          <a:p>
+            <a:r>
+              <a:rPr lang="de-DE" dirty="0"/>
+              <a:t>Jonas</a:t>
+            </a:r>
+          </a:p>
+        </p:txBody>
+      </p:sp>
+      <p:sp>
+        <p:nvSpPr>
+          <p:cNvPr id="4" name="Foliennummernplatzhalter 3"/>
+          <p:cNvSpPr>
+            <a:spLocks noGrp="1"/>
+          </p:cNvSpPr>
+          <p:nvPr>
+            <p:ph type="sldNum" sz="quarter" idx="5"/>
+          </p:nvPr>
+        </p:nvSpPr>
+        <p:spPr/>
+        <p:txBody>
+          <a:bodyPr/>
+          <a:lstStyle/>
+          <a:p>
+            <a:fld id="{98DF399E-3605-4A3A-9D42-A42E631AE561}" type="slidenum">
+              <a:rPr lang="de-DE" smtClean="0"/>
+              <a:t>13</a:t>
+            </a:fld>
+            <a:endParaRPr lang="de-DE"/>
+          </a:p>
+        </p:txBody>
+      </p:sp>
+    </p:spTree>
+    <p:extLst>
+      <p:ext uri="{BB962C8B-B14F-4D97-AF65-F5344CB8AC3E}">
+        <p14:creationId xmlns:p14="http://schemas.microsoft.com/office/powerpoint/2010/main" val="757084595"/>
+      </p:ext>
+    </p:extLst>
+  </p:cSld>
+  <p:clrMapOvr>
+    <a:masterClrMapping/>
+  </p:clrMapOvr>
+</p:notes>
+</file>
+
+<file path=ppt/notesSlides/notesSlide8.xml><?xml version="1.0" encoding="utf-8"?>
+<p:notes xmlns:a="http://schemas.openxmlformats.org/drawingml/2006/main" xmlns:r="http://schemas.openxmlformats.org/officeDocument/2006/relationships" xmlns:p="http://schemas.openxmlformats.org/presentationml/2006/main">
+  <p:cSld>
+    <p:spTree>
+      <p:nvGrpSpPr>
+        <p:cNvPr id="1" name=""/>
+        <p:cNvGrpSpPr/>
+        <p:nvPr/>
+      </p:nvGrpSpPr>
+      <p:grpSpPr>
+        <a:xfrm>
+          <a:off x="0" y="0"/>
+          <a:ext cx="0" cy="0"/>
+          <a:chOff x="0" y="0"/>
+          <a:chExt cx="0" cy="0"/>
+        </a:xfrm>
+      </p:grpSpPr>
+      <p:sp>
+        <p:nvSpPr>
+          <p:cNvPr id="2" name="Folienbildplatzhalter 1"/>
+          <p:cNvSpPr>
+            <a:spLocks noGrp="1" noRot="1" noChangeAspect="1"/>
+          </p:cNvSpPr>
+          <p:nvPr>
+            <p:ph type="sldImg"/>
+          </p:nvPr>
+        </p:nvSpPr>
+        <p:spPr/>
+      </p:sp>
+      <p:sp>
+        <p:nvSpPr>
+          <p:cNvPr id="3" name="Notizenplatzhalter 2"/>
+          <p:cNvSpPr>
+            <a:spLocks noGrp="1"/>
+          </p:cNvSpPr>
+          <p:nvPr>
+            <p:ph type="body" idx="1"/>
+          </p:nvPr>
+        </p:nvSpPr>
+        <p:spPr/>
+        <p:txBody>
+          <a:bodyPr/>
+          <a:lstStyle/>
+          <a:p>
+            <a:r>
+              <a:rPr lang="de-DE" dirty="0"/>
+              <a:t>Jonas</a:t>
+            </a:r>
+          </a:p>
+        </p:txBody>
+      </p:sp>
+      <p:sp>
+        <p:nvSpPr>
+          <p:cNvPr id="4" name="Foliennummernplatzhalter 3"/>
+          <p:cNvSpPr>
+            <a:spLocks noGrp="1"/>
+          </p:cNvSpPr>
+          <p:nvPr>
+            <p:ph type="sldNum" sz="quarter" idx="5"/>
+          </p:nvPr>
+        </p:nvSpPr>
+        <p:spPr/>
+        <p:txBody>
+          <a:bodyPr/>
+          <a:lstStyle/>
+          <a:p>
+            <a:fld id="{98DF399E-3605-4A3A-9D42-A42E631AE561}" type="slidenum">
+              <a:rPr lang="de-DE" smtClean="0"/>
+              <a:t>17</a:t>
+            </a:fld>
+            <a:endParaRPr lang="de-DE"/>
+          </a:p>
+        </p:txBody>
+      </p:sp>
+    </p:spTree>
+    <p:extLst>
+      <p:ext uri="{BB962C8B-B14F-4D97-AF65-F5344CB8AC3E}">
+        <p14:creationId xmlns:p14="http://schemas.microsoft.com/office/powerpoint/2010/main" val="1522305876"/>
+      </p:ext>
+    </p:extLst>
+  </p:cSld>
+  <p:clrMapOvr>
+    <a:masterClrMapping/>
+  </p:clrMapOvr>
+</p:notes>
 </file>
 
 <file path=ppt/slideLayouts/slideLayout1.xml><?xml version="1.0" encoding="utf-8"?>
@@ -4535,7 +5228,7 @@
           </p:nvPr>
         </p:nvPicPr>
         <p:blipFill>
-          <a:blip r:embed="rId2"/>
+          <a:blip r:embed="rId3"/>
           <a:stretch>
             <a:fillRect/>
           </a:stretch>
@@ -4622,7 +5315,7 @@
           </p:nvPr>
         </p:nvPicPr>
         <p:blipFill>
-          <a:blip r:embed="rId2"/>
+          <a:blip r:embed="rId3"/>
           <a:stretch>
             <a:fillRect/>
           </a:stretch>
@@ -4738,7 +5431,7 @@
           </p:nvPr>
         </p:nvPicPr>
         <p:blipFill>
-          <a:blip r:embed="rId2"/>
+          <a:blip r:embed="rId3"/>
           <a:stretch>
             <a:fillRect/>
           </a:stretch>
@@ -5176,7 +5869,7 @@
           <p:nvPr/>
         </p:nvPicPr>
         <p:blipFill>
-          <a:blip r:embed="rId2"/>
+          <a:blip r:embed="rId3"/>
           <a:stretch>
             <a:fillRect/>
           </a:stretch>
@@ -6163,7 +6856,7 @@
           </p:nvPr>
         </p:nvPicPr>
         <p:blipFill>
-          <a:blip r:embed="rId2"/>
+          <a:blip r:embed="rId3"/>
           <a:stretch>
             <a:fillRect/>
           </a:stretch>
@@ -6264,7 +6957,7 @@
           </p:nvPr>
         </p:nvPicPr>
         <p:blipFill>
-          <a:blip r:embed="rId2">
+          <a:blip r:embed="rId3">
             <a:extLst>
               <a:ext uri="{28A0092B-C50C-407E-A947-70E740481C1C}">
                 <a14:useLocalDpi xmlns:a14="http://schemas.microsoft.com/office/drawing/2010/main" val="0"/>
@@ -6578,7 +7271,7 @@
           </p:nvPr>
         </p:nvPicPr>
         <p:blipFill>
-          <a:blip r:embed="rId2"/>
+          <a:blip r:embed="rId3"/>
           <a:stretch>
             <a:fillRect/>
           </a:stretch>
@@ -6708,7 +7401,7 @@
           </p:nvPr>
         </p:nvPicPr>
         <p:blipFill>
-          <a:blip r:embed="rId2"/>
+          <a:blip r:embed="rId3"/>
           <a:stretch>
             <a:fillRect/>
           </a:stretch>
